--- a/Presentation.pptx
+++ b/Presentation.pptx
@@ -5,16 +5,21 @@
     <p:sldMasterId id="2147483648" r:id="rId4"/>
   </p:sldMasterIdLst>
   <p:notesMasterIdLst>
-    <p:notesMasterId r:id="rId12"/>
+    <p:notesMasterId r:id="rId17"/>
   </p:notesMasterIdLst>
   <p:sldIdLst>
     <p:sldId id="277" r:id="rId5"/>
     <p:sldId id="280" r:id="rId6"/>
-    <p:sldId id="283" r:id="rId7"/>
+    <p:sldId id="292" r:id="rId7"/>
     <p:sldId id="281" r:id="rId8"/>
     <p:sldId id="282" r:id="rId9"/>
-    <p:sldId id="284" r:id="rId10"/>
-    <p:sldId id="285" r:id="rId11"/>
+    <p:sldId id="289" r:id="rId10"/>
+    <p:sldId id="286" r:id="rId11"/>
+    <p:sldId id="287" r:id="rId12"/>
+    <p:sldId id="290" r:id="rId13"/>
+    <p:sldId id="291" r:id="rId14"/>
+    <p:sldId id="284" r:id="rId15"/>
+    <p:sldId id="285" r:id="rId16"/>
   </p:sldIdLst>
   <p:sldSz cx="12192000" cy="6858000"/>
   <p:notesSz cx="6858000" cy="9144000"/>
@@ -121,6 +126,21 @@
 </p:presentation>
 </file>
 
+<file path=ppt/revisionInfo.xml><?xml version="1.0" encoding="utf-8"?>
+<p1510:revInfo xmlns:a="http://schemas.openxmlformats.org/drawingml/2006/main" xmlns:r="http://schemas.openxmlformats.org/officeDocument/2006/relationships" xmlns:p1510="http://schemas.microsoft.com/office/powerpoint/2015/10/main">
+  <p1510:revLst>
+    <p1510:client id="{0AB2BCA9-D762-0F2B-FAB6-3ACF44F11061}" v="42" dt="2020-04-16T18:45:42.753"/>
+    <p1510:client id="{10805696-79DD-C4C2-32E4-3D39E7E3BF03}" v="86" dt="2020-04-16T18:59:28.764"/>
+    <p1510:client id="{45984429-6F56-45E2-AC49-457187DE82C5}" v="453" dt="2020-04-16T18:44:13.996"/>
+    <p1510:client id="{8FDEA3DD-E08B-AD40-FD48-B128A4B81BD0}" v="4894" dt="2020-04-16T20:12:19.535"/>
+    <p1510:client id="{9BDE99CE-34B2-0759-AB06-D6187E4CB970}" v="75" dt="2020-04-16T19:00:53.826"/>
+    <p1510:client id="{A7164603-B8B5-18AB-7877-2B5D09B2147A}" v="339" dt="2020-04-16T20:04:19.709"/>
+    <p1510:client id="{AF85B9AC-A354-86A6-7323-6B121A3BF038}" v="4" dt="2020-04-16T18:48:16.959"/>
+    <p1510:client id="{CE3A5227-AD0B-4CA0-90D0-10B8A74FB110}" v="227" dt="2020-04-16T18:44:05.525"/>
+  </p1510:revLst>
+</p1510:revInfo>
+</file>
+
 <file path=ppt/notesMasters/notesMaster1.xml><?xml version="1.0" encoding="utf-8"?>
 <p:notesMaster xmlns:a="http://schemas.openxmlformats.org/drawingml/2006/main" xmlns:r="http://schemas.openxmlformats.org/officeDocument/2006/relationships" xmlns:p="http://schemas.openxmlformats.org/presentationml/2006/main">
   <p:cSld>
@@ -170,7 +190,7 @@
             </a:lvl1pPr>
           </a:lstStyle>
           <a:p>
-            <a:endParaRPr lang="en-US" dirty="0"/>
+            <a:endParaRPr lang="en-US"/>
           </a:p>
         </p:txBody>
       </p:sp>
@@ -203,9 +223,9 @@
           <a:p>
             <a:fld id="{181EC09C-9CDC-48F0-BB82-ED223F986966}" type="datetimeFigureOut">
               <a:rPr lang="en-US" smtClean="0"/>
-              <a:t>3/11/20</a:t>
+              <a:t>4/16/2020</a:t>
             </a:fld>
-            <a:endParaRPr lang="en-US" dirty="0"/>
+            <a:endParaRPr lang="en-US"/>
           </a:p>
         </p:txBody>
       </p:sp>
@@ -238,7 +258,7 @@
           <a:bodyPr vert="horz" lIns="91440" tIns="45720" rIns="91440" bIns="45720" rtlCol="0" anchor="ctr"/>
           <a:lstStyle/>
           <a:p>
-            <a:endParaRPr lang="en-US" dirty="0"/>
+            <a:endParaRPr lang="en-US"/>
           </a:p>
         </p:txBody>
       </p:sp>
@@ -328,7 +348,7 @@
             </a:lvl1pPr>
           </a:lstStyle>
           <a:p>
-            <a:endParaRPr lang="en-US" dirty="0"/>
+            <a:endParaRPr lang="en-US"/>
           </a:p>
         </p:txBody>
       </p:sp>
@@ -363,7 +383,7 @@
               <a:rPr lang="en-US" smtClean="0"/>
               <a:t>‹#›</a:t>
             </a:fld>
-            <a:endParaRPr lang="en-US" dirty="0"/>
+            <a:endParaRPr lang="en-US"/>
           </a:p>
         </p:txBody>
       </p:sp>
@@ -697,9 +717,9 @@
           <a:p>
             <a:fld id="{9D874152-028B-486A-9CCC-467A5536A7DC}" type="datetime1">
               <a:rPr lang="en-US" smtClean="0"/>
-              <a:t>3/11/20</a:t>
+              <a:t>4/16/2020</a:t>
             </a:fld>
-            <a:endParaRPr lang="en-US" dirty="0"/>
+            <a:endParaRPr lang="en-US"/>
           </a:p>
         </p:txBody>
       </p:sp>
@@ -723,7 +743,7 @@
           <a:bodyPr/>
           <a:lstStyle/>
           <a:p>
-            <a:endParaRPr lang="en-US" dirty="0"/>
+            <a:endParaRPr lang="en-US"/>
           </a:p>
         </p:txBody>
       </p:sp>
@@ -752,7 +772,7 @@
               <a:pPr/>
               <a:t>‹#›</a:t>
             </a:fld>
-            <a:endParaRPr lang="en-US" dirty="0"/>
+            <a:endParaRPr lang="en-US"/>
           </a:p>
         </p:txBody>
       </p:sp>
@@ -938,7 +958,6 @@
               <a:rPr lang="en-US"/>
               <a:t>Click icon to add picture</a:t>
             </a:r>
-            <a:endParaRPr lang="en-US" dirty="0"/>
           </a:p>
         </p:txBody>
       </p:sp>
@@ -1026,9 +1045,9 @@
           <a:p>
             <a:fld id="{8A1558FF-9F53-4DAD-84A1-1EEE4F190FF1}" type="datetime1">
               <a:rPr lang="en-US" smtClean="0"/>
-              <a:t>3/11/20</a:t>
+              <a:t>4/16/2020</a:t>
             </a:fld>
-            <a:endParaRPr lang="en-US" dirty="0"/>
+            <a:endParaRPr lang="en-US"/>
           </a:p>
         </p:txBody>
       </p:sp>
@@ -1047,7 +1066,7 @@
           <a:bodyPr/>
           <a:lstStyle/>
           <a:p>
-            <a:endParaRPr lang="en-US" dirty="0"/>
+            <a:endParaRPr lang="en-US"/>
           </a:p>
         </p:txBody>
       </p:sp>
@@ -1071,7 +1090,7 @@
               <a:pPr/>
               <a:t>‹#›</a:t>
             </a:fld>
-            <a:endParaRPr lang="en-US" dirty="0"/>
+            <a:endParaRPr lang="en-US"/>
           </a:p>
         </p:txBody>
       </p:sp>
@@ -1299,9 +1318,9 @@
           <a:p>
             <a:fld id="{A78FA1A6-D89D-4E0B-ACDC-F92429034F56}" type="datetime1">
               <a:rPr lang="en-US" smtClean="0"/>
-              <a:t>3/11/20</a:t>
+              <a:t>4/16/2020</a:t>
             </a:fld>
-            <a:endParaRPr lang="en-US" dirty="0"/>
+            <a:endParaRPr lang="en-US"/>
           </a:p>
         </p:txBody>
       </p:sp>
@@ -1320,7 +1339,7 @@
           <a:bodyPr/>
           <a:lstStyle/>
           <a:p>
-            <a:endParaRPr lang="en-US" dirty="0"/>
+            <a:endParaRPr lang="en-US"/>
           </a:p>
         </p:txBody>
       </p:sp>
@@ -1344,7 +1363,7 @@
               <a:pPr/>
               <a:t>‹#›</a:t>
             </a:fld>
-            <a:endParaRPr lang="en-US" dirty="0"/>
+            <a:endParaRPr lang="en-US"/>
           </a:p>
         </p:txBody>
       </p:sp>
@@ -1508,7 +1527,7 @@
           <a:p>
             <a:pPr lvl="0" algn="r"/>
             <a:r>
-              <a:rPr lang="en-US" sz="8000" dirty="0">
+              <a:rPr lang="en-US" sz="8000">
                 <a:solidFill>
                   <a:schemeClr val="tx1"/>
                 </a:solidFill>
@@ -1624,7 +1643,7 @@
           <a:p>
             <a:pPr lvl="0" algn="r"/>
             <a:r>
-              <a:rPr lang="en-US" sz="8000" dirty="0">
+              <a:rPr lang="en-US" sz="8000">
                 <a:solidFill>
                   <a:schemeClr val="tx1"/>
                 </a:solidFill>
@@ -1862,9 +1881,9 @@
           <a:p>
             <a:fld id="{8BA382F0-6EA8-4D82-951F-1579D6A93CC4}" type="datetime1">
               <a:rPr lang="en-US" smtClean="0"/>
-              <a:t>3/11/20</a:t>
+              <a:t>4/16/2020</a:t>
             </a:fld>
-            <a:endParaRPr lang="en-US" dirty="0"/>
+            <a:endParaRPr lang="en-US"/>
           </a:p>
         </p:txBody>
       </p:sp>
@@ -1883,7 +1902,7 @@
           <a:bodyPr/>
           <a:lstStyle/>
           <a:p>
-            <a:endParaRPr lang="en-US" dirty="0"/>
+            <a:endParaRPr lang="en-US"/>
           </a:p>
         </p:txBody>
       </p:sp>
@@ -1907,7 +1926,7 @@
               <a:pPr/>
               <a:t>‹#›</a:t>
             </a:fld>
-            <a:endParaRPr lang="en-US" dirty="0"/>
+            <a:endParaRPr lang="en-US"/>
           </a:p>
         </p:txBody>
       </p:sp>
@@ -2135,9 +2154,9 @@
           <a:p>
             <a:fld id="{CDBE913C-F349-4CE3-A910-0EA13427FE0D}" type="datetime1">
               <a:rPr lang="en-US" smtClean="0"/>
-              <a:t>3/11/20</a:t>
+              <a:t>4/16/2020</a:t>
             </a:fld>
-            <a:endParaRPr lang="en-US" dirty="0"/>
+            <a:endParaRPr lang="en-US"/>
           </a:p>
         </p:txBody>
       </p:sp>
@@ -2156,7 +2175,7 @@
           <a:bodyPr/>
           <a:lstStyle/>
           <a:p>
-            <a:endParaRPr lang="en-US" dirty="0"/>
+            <a:endParaRPr lang="en-US"/>
           </a:p>
         </p:txBody>
       </p:sp>
@@ -2180,7 +2199,7 @@
               <a:pPr/>
               <a:t>‹#›</a:t>
             </a:fld>
-            <a:endParaRPr lang="en-US" dirty="0"/>
+            <a:endParaRPr lang="en-US"/>
           </a:p>
         </p:txBody>
       </p:sp>
@@ -2344,7 +2363,7 @@
           <a:p>
             <a:pPr lvl="0" algn="r"/>
             <a:r>
-              <a:rPr lang="en-US" sz="8000" dirty="0">
+              <a:rPr lang="en-US" sz="8000">
                 <a:solidFill>
                   <a:schemeClr val="tx1"/>
                 </a:solidFill>
@@ -2460,7 +2479,7 @@
           <a:p>
             <a:pPr lvl="0" algn="r"/>
             <a:r>
-              <a:rPr lang="en-US" sz="8000" dirty="0">
+              <a:rPr lang="en-US" sz="8000">
                 <a:solidFill>
                   <a:schemeClr val="tx1"/>
                 </a:solidFill>
@@ -2692,9 +2711,9 @@
           <a:p>
             <a:fld id="{70D4C5C7-4D27-4EBE-9DB8-92F5F0F40B34}" type="datetime1">
               <a:rPr lang="en-US" smtClean="0"/>
-              <a:t>3/11/20</a:t>
+              <a:t>4/16/2020</a:t>
             </a:fld>
-            <a:endParaRPr lang="en-US" dirty="0"/>
+            <a:endParaRPr lang="en-US"/>
           </a:p>
         </p:txBody>
       </p:sp>
@@ -2713,7 +2732,7 @@
           <a:bodyPr/>
           <a:lstStyle/>
           <a:p>
-            <a:endParaRPr lang="en-US" dirty="0"/>
+            <a:endParaRPr lang="en-US"/>
           </a:p>
         </p:txBody>
       </p:sp>
@@ -2737,7 +2756,7 @@
               <a:pPr/>
               <a:t>‹#›</a:t>
             </a:fld>
-            <a:endParaRPr lang="en-US" dirty="0"/>
+            <a:endParaRPr lang="en-US"/>
           </a:p>
         </p:txBody>
       </p:sp>
@@ -3014,9 +3033,9 @@
           <a:p>
             <a:fld id="{B6CDAF82-EDB2-4FBF-83F4-247A1B3455CB}" type="datetime1">
               <a:rPr lang="en-US" smtClean="0"/>
-              <a:t>3/11/20</a:t>
+              <a:t>4/16/2020</a:t>
             </a:fld>
-            <a:endParaRPr lang="en-US" dirty="0"/>
+            <a:endParaRPr lang="en-US"/>
           </a:p>
         </p:txBody>
       </p:sp>
@@ -3035,7 +3054,7 @@
           <a:bodyPr/>
           <a:lstStyle/>
           <a:p>
-            <a:endParaRPr lang="en-US" dirty="0"/>
+            <a:endParaRPr lang="en-US"/>
           </a:p>
         </p:txBody>
       </p:sp>
@@ -3059,7 +3078,7 @@
               <a:pPr/>
               <a:t>‹#›</a:t>
             </a:fld>
-            <a:endParaRPr lang="en-US" dirty="0"/>
+            <a:endParaRPr lang="en-US"/>
           </a:p>
         </p:txBody>
       </p:sp>
@@ -3186,9 +3205,9 @@
           <a:p>
             <a:fld id="{2D5E59DB-4C5A-44A3-897C-FF6803F94296}" type="datetime1">
               <a:rPr lang="en-US" smtClean="0"/>
-              <a:t>3/11/20</a:t>
+              <a:t>4/16/2020</a:t>
             </a:fld>
-            <a:endParaRPr lang="en-US" dirty="0"/>
+            <a:endParaRPr lang="en-US"/>
           </a:p>
         </p:txBody>
       </p:sp>
@@ -3207,7 +3226,7 @@
           <a:bodyPr/>
           <a:lstStyle/>
           <a:p>
-            <a:endParaRPr lang="en-US" dirty="0"/>
+            <a:endParaRPr lang="en-US"/>
           </a:p>
         </p:txBody>
       </p:sp>
@@ -3231,7 +3250,7 @@
               <a:pPr/>
               <a:t>‹#›</a:t>
             </a:fld>
-            <a:endParaRPr lang="en-US" dirty="0"/>
+            <a:endParaRPr lang="en-US"/>
           </a:p>
         </p:txBody>
       </p:sp>
@@ -3417,9 +3436,9 @@
           <a:p>
             <a:fld id="{E9F6B6E0-E0F8-4800-BD74-7D33DFE5ED7E}" type="datetime1">
               <a:rPr lang="en-US" smtClean="0"/>
-              <a:t>3/11/20</a:t>
+              <a:t>4/16/2020</a:t>
             </a:fld>
-            <a:endParaRPr lang="en-US" dirty="0"/>
+            <a:endParaRPr lang="en-US"/>
           </a:p>
         </p:txBody>
       </p:sp>
@@ -3438,7 +3457,7 @@
           <a:bodyPr/>
           <a:lstStyle/>
           <a:p>
-            <a:endParaRPr lang="en-US" dirty="0"/>
+            <a:endParaRPr lang="en-US"/>
           </a:p>
         </p:txBody>
       </p:sp>
@@ -3462,7 +3481,7 @@
               <a:pPr/>
               <a:t>‹#›</a:t>
             </a:fld>
-            <a:endParaRPr lang="en-US" dirty="0"/>
+            <a:endParaRPr lang="en-US"/>
           </a:p>
         </p:txBody>
       </p:sp>
@@ -3611,9 +3630,9 @@
           <a:p>
             <a:fld id="{6E6DC824-D0E7-4046-8B44-4AAD1C4DE2CF}" type="datetime1">
               <a:rPr lang="en-US" smtClean="0"/>
-              <a:t>3/11/20</a:t>
+              <a:t>4/16/2020</a:t>
             </a:fld>
-            <a:endParaRPr lang="en-US" dirty="0"/>
+            <a:endParaRPr lang="en-US"/>
           </a:p>
         </p:txBody>
       </p:sp>
@@ -3632,7 +3651,7 @@
           <a:bodyPr/>
           <a:lstStyle/>
           <a:p>
-            <a:endParaRPr lang="en-US" dirty="0"/>
+            <a:endParaRPr lang="en-US"/>
           </a:p>
         </p:txBody>
       </p:sp>
@@ -3656,7 +3675,7 @@
               <a:pPr/>
               <a:t>‹#›</a:t>
             </a:fld>
-            <a:endParaRPr lang="en-US" dirty="0"/>
+            <a:endParaRPr lang="en-US"/>
           </a:p>
         </p:txBody>
       </p:sp>
@@ -3882,9 +3901,9 @@
           <a:p>
             <a:fld id="{FEFC221C-17A4-4F42-9F54-9F7E03AA1BBB}" type="datetime1">
               <a:rPr lang="en-US" smtClean="0"/>
-              <a:t>3/11/20</a:t>
+              <a:t>4/16/2020</a:t>
             </a:fld>
-            <a:endParaRPr lang="en-US" dirty="0"/>
+            <a:endParaRPr lang="en-US"/>
           </a:p>
         </p:txBody>
       </p:sp>
@@ -3903,7 +3922,7 @@
           <a:bodyPr/>
           <a:lstStyle/>
           <a:p>
-            <a:endParaRPr lang="en-US" dirty="0"/>
+            <a:endParaRPr lang="en-US"/>
           </a:p>
         </p:txBody>
       </p:sp>
@@ -3927,7 +3946,7 @@
               <a:pPr/>
               <a:t>‹#›</a:t>
             </a:fld>
-            <a:endParaRPr lang="en-US" dirty="0"/>
+            <a:endParaRPr lang="en-US"/>
           </a:p>
         </p:txBody>
       </p:sp>
@@ -4141,9 +4160,9 @@
           <a:p>
             <a:fld id="{38CD7CBA-5256-42F3-BAB5-33F095514AE3}" type="datetime1">
               <a:rPr lang="en-US" smtClean="0"/>
-              <a:t>3/11/20</a:t>
+              <a:t>4/16/2020</a:t>
             </a:fld>
-            <a:endParaRPr lang="en-US" dirty="0"/>
+            <a:endParaRPr lang="en-US"/>
           </a:p>
         </p:txBody>
       </p:sp>
@@ -4162,7 +4181,7 @@
           <a:bodyPr/>
           <a:lstStyle/>
           <a:p>
-            <a:endParaRPr lang="en-US" dirty="0"/>
+            <a:endParaRPr lang="en-US"/>
           </a:p>
         </p:txBody>
       </p:sp>
@@ -4186,7 +4205,7 @@
               <a:pPr/>
               <a:t>‹#›</a:t>
             </a:fld>
-            <a:endParaRPr lang="en-US" dirty="0"/>
+            <a:endParaRPr lang="en-US"/>
           </a:p>
         </p:txBody>
       </p:sp>
@@ -4508,9 +4527,9 @@
           <a:p>
             <a:fld id="{8EB80C04-2E33-403B-B014-7E203A57326C}" type="datetime1">
               <a:rPr lang="en-US" smtClean="0"/>
-              <a:t>3/11/20</a:t>
+              <a:t>4/16/2020</a:t>
             </a:fld>
-            <a:endParaRPr lang="en-US" dirty="0"/>
+            <a:endParaRPr lang="en-US"/>
           </a:p>
         </p:txBody>
       </p:sp>
@@ -4529,7 +4548,7 @@
           <a:bodyPr/>
           <a:lstStyle/>
           <a:p>
-            <a:endParaRPr lang="en-US" dirty="0"/>
+            <a:endParaRPr lang="en-US"/>
           </a:p>
         </p:txBody>
       </p:sp>
@@ -4553,7 +4572,7 @@
               <a:pPr/>
               <a:t>‹#›</a:t>
             </a:fld>
-            <a:endParaRPr lang="en-US" dirty="0"/>
+            <a:endParaRPr lang="en-US"/>
           </a:p>
         </p:txBody>
       </p:sp>
@@ -4651,9 +4670,9 @@
           <a:p>
             <a:fld id="{8C92A49D-7D7F-4D69-A8AA-65D6B58C15F2}" type="datetime1">
               <a:rPr lang="en-US" smtClean="0"/>
-              <a:t>3/11/20</a:t>
+              <a:t>4/16/2020</a:t>
             </a:fld>
-            <a:endParaRPr lang="en-US" dirty="0"/>
+            <a:endParaRPr lang="en-US"/>
           </a:p>
         </p:txBody>
       </p:sp>
@@ -4672,7 +4691,7 @@
           <a:bodyPr/>
           <a:lstStyle/>
           <a:p>
-            <a:endParaRPr lang="en-US" dirty="0"/>
+            <a:endParaRPr lang="en-US"/>
           </a:p>
         </p:txBody>
       </p:sp>
@@ -4696,7 +4715,7 @@
               <a:pPr/>
               <a:t>‹#›</a:t>
             </a:fld>
-            <a:endParaRPr lang="en-US" dirty="0"/>
+            <a:endParaRPr lang="en-US"/>
           </a:p>
         </p:txBody>
       </p:sp>
@@ -4772,9 +4791,9 @@
           <a:p>
             <a:fld id="{09E02903-36C1-4F6B-9F27-EA2305255204}" type="datetime1">
               <a:rPr lang="en-US" smtClean="0"/>
-              <a:t>3/11/20</a:t>
+              <a:t>4/16/2020</a:t>
             </a:fld>
-            <a:endParaRPr lang="en-US" dirty="0"/>
+            <a:endParaRPr lang="en-US"/>
           </a:p>
         </p:txBody>
       </p:sp>
@@ -4793,7 +4812,7 @@
           <a:bodyPr/>
           <a:lstStyle/>
           <a:p>
-            <a:endParaRPr lang="en-US" dirty="0"/>
+            <a:endParaRPr lang="en-US"/>
           </a:p>
         </p:txBody>
       </p:sp>
@@ -4817,7 +4836,7 @@
               <a:pPr/>
               <a:t>‹#›</a:t>
             </a:fld>
-            <a:endParaRPr lang="en-US" dirty="0"/>
+            <a:endParaRPr lang="en-US"/>
           </a:p>
         </p:txBody>
       </p:sp>
@@ -5051,9 +5070,9 @@
           <a:p>
             <a:fld id="{2E8BBFA8-C775-4121-A7F6-6851C8035873}" type="datetime1">
               <a:rPr lang="en-US" smtClean="0"/>
-              <a:t>3/11/20</a:t>
+              <a:t>4/16/2020</a:t>
             </a:fld>
-            <a:endParaRPr lang="en-US" dirty="0"/>
+            <a:endParaRPr lang="en-US"/>
           </a:p>
         </p:txBody>
       </p:sp>
@@ -5072,7 +5091,7 @@
           <a:bodyPr/>
           <a:lstStyle/>
           <a:p>
-            <a:endParaRPr lang="en-US" dirty="0"/>
+            <a:endParaRPr lang="en-US"/>
           </a:p>
         </p:txBody>
       </p:sp>
@@ -5096,7 +5115,7 @@
               <a:pPr/>
               <a:t>‹#›</a:t>
             </a:fld>
-            <a:endParaRPr lang="en-US" dirty="0"/>
+            <a:endParaRPr lang="en-US"/>
           </a:p>
         </p:txBody>
       </p:sp>
@@ -5282,7 +5301,6 @@
               <a:rPr lang="en-US"/>
               <a:t>Click icon to add picture</a:t>
             </a:r>
-            <a:endParaRPr lang="en-US" dirty="0"/>
           </a:p>
         </p:txBody>
       </p:sp>
@@ -5370,9 +5388,9 @@
           <a:p>
             <a:fld id="{6EC01760-8EEC-4A4C-BD0D-3CDAAA80A266}" type="datetime1">
               <a:rPr lang="en-US" smtClean="0"/>
-              <a:t>3/11/20</a:t>
+              <a:t>4/16/2020</a:t>
             </a:fld>
-            <a:endParaRPr lang="en-US" dirty="0"/>
+            <a:endParaRPr lang="en-US"/>
           </a:p>
         </p:txBody>
       </p:sp>
@@ -5391,7 +5409,7 @@
           <a:bodyPr/>
           <a:lstStyle/>
           <a:p>
-            <a:endParaRPr lang="en-US" dirty="0"/>
+            <a:endParaRPr lang="en-US"/>
           </a:p>
         </p:txBody>
       </p:sp>
@@ -5415,7 +5433,7 @@
               <a:pPr/>
               <a:t>‹#›</a:t>
             </a:fld>
-            <a:endParaRPr lang="en-US" dirty="0"/>
+            <a:endParaRPr lang="en-US"/>
           </a:p>
         </p:txBody>
       </p:sp>
@@ -5578,9 +5596,9 @@
           <a:p>
             <a:fld id="{B183DE74-4CAD-4852-95E7-A055FD779420}" type="datetime1">
               <a:rPr lang="en-US" smtClean="0"/>
-              <a:t>3/11/20</a:t>
+              <a:t>4/16/2020</a:t>
             </a:fld>
-            <a:endParaRPr lang="en-US" dirty="0"/>
+            <a:endParaRPr lang="en-US"/>
           </a:p>
         </p:txBody>
       </p:sp>
@@ -5617,7 +5635,7 @@
             </a:lvl1pPr>
           </a:lstStyle>
           <a:p>
-            <a:endParaRPr lang="en-US" dirty="0"/>
+            <a:endParaRPr lang="en-US"/>
           </a:p>
         </p:txBody>
       </p:sp>
@@ -5659,7 +5677,7 @@
               <a:pPr/>
               <a:t>‹#›</a:t>
             </a:fld>
-            <a:endParaRPr lang="en-US" dirty="0"/>
+            <a:endParaRPr lang="en-US"/>
           </a:p>
         </p:txBody>
       </p:sp>
@@ -6075,9 +6093,13 @@
 <p:sld xmlns:a="http://schemas.openxmlformats.org/drawingml/2006/main" xmlns:r="http://schemas.openxmlformats.org/officeDocument/2006/relationships" xmlns:p="http://schemas.openxmlformats.org/presentationml/2006/main">
   <p:cSld>
     <p:bg>
-      <p:bgRef idx="1003">
-        <a:schemeClr val="bg1"/>
-      </p:bgRef>
+      <p:bgPr>
+        <a:blipFill>
+          <a:blip r:embed="rId2"/>
+          <a:stretch/>
+        </a:blipFill>
+        <a:effectLst/>
+      </p:bgPr>
     </p:bg>
     <p:spTree>
       <p:nvGrpSpPr>
@@ -6095,10 +6117,10 @@
       </p:grpSpPr>
       <p:sp useBgFill="1">
         <p:nvSpPr>
-          <p:cNvPr id="89" name="Rectangle 88">
+          <p:cNvPr id="96" name="Rectangle 95">
             <a:extLst>
               <a:ext uri="{FF2B5EF4-FFF2-40B4-BE49-F238E27FC236}">
-                <a16:creationId xmlns:a16="http://schemas.microsoft.com/office/drawing/2014/main" id="{3D1E5586-8BB5-40F6-96C3-2E87DD7CE5CD}"/>
+                <a16:creationId xmlns:a16="http://schemas.microsoft.com/office/drawing/2014/main" id="{DF43132E-D4DF-4A83-9344-A782D0F5D9F6}"/>
               </a:ext>
               <a:ext uri="{C183D7F6-B498-43B3-948B-1728B52AA6E4}">
                 <adec:decorative xmlns:adec="http://schemas.microsoft.com/office/drawing/2017/decorative" val="1"/>
@@ -6149,7 +6171,7 @@
           <a:lstStyle/>
           <a:p>
             <a:pPr algn="ctr"/>
-            <a:endParaRPr lang="en-US" dirty="0"/>
+            <a:endParaRPr lang="en-US"/>
           </a:p>
         </p:txBody>
       </p:sp>
@@ -6171,34 +6193,73 @@
         </p:nvSpPr>
         <p:spPr>
           <a:xfrm>
-            <a:off x="1993805" y="1354668"/>
-            <a:ext cx="8204391" cy="2346475"/>
+            <a:off x="1031875" y="1212935"/>
+            <a:ext cx="6020177" cy="4432130"/>
           </a:xfrm>
         </p:spPr>
         <p:txBody>
-          <a:bodyPr>
+          <a:bodyPr anchor="ctr">
             <a:normAutofit/>
           </a:bodyPr>
           <a:lstStyle/>
           <a:p>
-            <a:pPr algn="ctr"/>
-            <a:r>
-              <a:rPr lang="en-US" sz="6000" dirty="0" err="1"/>
-              <a:t>Galaga</a:t>
-            </a:r>
-            <a:r>
-              <a:rPr lang="en-US" sz="6000" dirty="0"/>
-              <a:t> Net</a:t>
+            <a:r>
+              <a:rPr lang="en-US" sz="6600"/>
+              <a:t>Galaga Net</a:t>
+            </a:r>
+          </a:p>
+        </p:txBody>
+      </p:sp>
+      <p:sp>
+        <p:nvSpPr>
+          <p:cNvPr id="3" name="Subtitle 2">
+            <a:extLst>
+              <a:ext uri="{FF2B5EF4-FFF2-40B4-BE49-F238E27FC236}">
+                <a16:creationId xmlns:a16="http://schemas.microsoft.com/office/drawing/2014/main" id="{616351BD-4BE1-47AD-8B65-1472A3BE63E4}"/>
+              </a:ext>
+            </a:extLst>
+          </p:cNvPr>
+          <p:cNvSpPr>
+            <a:spLocks noGrp="1"/>
+          </p:cNvSpPr>
+          <p:nvPr>
+            <p:ph type="subTitle" idx="1"/>
+          </p:nvPr>
+        </p:nvSpPr>
+        <p:spPr>
+          <a:xfrm>
+            <a:off x="8017261" y="2087881"/>
+            <a:ext cx="3142864" cy="2682239"/>
+          </a:xfrm>
+        </p:spPr>
+        <p:txBody>
+          <a:bodyPr anchor="ctr">
+            <a:normAutofit/>
+          </a:bodyPr>
+          <a:lstStyle/>
+          <a:p>
+            <a:pPr algn="l"/>
+            <a:r>
+              <a:rPr lang="en-US">
+                <a:cs typeface="Calibri"/>
+              </a:rPr>
+              <a:t>Team </a:t>
+            </a:r>
+            <a:r>
+              <a:rPr lang="en-US" err="1">
+                <a:cs typeface="Calibri"/>
+              </a:rPr>
+              <a:t>neocognitron</a:t>
             </a:r>
           </a:p>
         </p:txBody>
       </p:sp>
       <p:cxnSp>
         <p:nvCxnSpPr>
-          <p:cNvPr id="91" name="Straight Connector 90">
+          <p:cNvPr id="98" name="Straight Connector 97">
             <a:extLst>
               <a:ext uri="{FF2B5EF4-FFF2-40B4-BE49-F238E27FC236}">
-                <a16:creationId xmlns:a16="http://schemas.microsoft.com/office/drawing/2014/main" id="{8A832D40-B9E2-4CE7-9E0A-B35591EA2035}"/>
+                <a16:creationId xmlns:a16="http://schemas.microsoft.com/office/drawing/2014/main" id="{6AA24BC1-1577-4586-AD7A-417660E37253}"/>
               </a:ext>
               <a:ext uri="{C183D7F6-B498-43B3-948B-1728B52AA6E4}">
                 <adec:decorative xmlns:adec="http://schemas.microsoft.com/office/drawing/2017/decorative" val="1"/>
@@ -6218,244 +6279,7 @@
         </p:nvCxnSpPr>
         <p:spPr>
           <a:xfrm>
-            <a:off x="5845629" y="3810000"/>
-            <a:ext cx="500743" cy="0"/>
-          </a:xfrm>
-          <a:prstGeom prst="line">
-            <a:avLst/>
-          </a:prstGeom>
-          <a:ln w="19050"/>
-        </p:spPr>
-        <p:style>
-          <a:lnRef idx="1">
-            <a:schemeClr val="accent1"/>
-          </a:lnRef>
-          <a:fillRef idx="0">
-            <a:schemeClr val="accent1"/>
-          </a:fillRef>
-          <a:effectRef idx="0">
-            <a:schemeClr val="accent1"/>
-          </a:effectRef>
-          <a:fontRef idx="minor">
-            <a:schemeClr val="tx1"/>
-          </a:fontRef>
-        </p:style>
-      </p:cxnSp>
-      <p:sp>
-        <p:nvSpPr>
-          <p:cNvPr id="3" name="Subtitle 2">
-            <a:extLst>
-              <a:ext uri="{FF2B5EF4-FFF2-40B4-BE49-F238E27FC236}">
-                <a16:creationId xmlns:a16="http://schemas.microsoft.com/office/drawing/2014/main" id="{616351BD-4BE1-47AD-8B65-1472A3BE63E4}"/>
-              </a:ext>
-            </a:extLst>
-          </p:cNvPr>
-          <p:cNvSpPr>
-            <a:spLocks noGrp="1"/>
-          </p:cNvSpPr>
-          <p:nvPr>
-            <p:ph type="subTitle" idx="1"/>
-          </p:nvPr>
-        </p:nvSpPr>
-        <p:spPr>
-          <a:xfrm>
-            <a:off x="2497137" y="3940629"/>
-            <a:ext cx="7197726" cy="1240970"/>
-          </a:xfrm>
-        </p:spPr>
-        <p:txBody>
-          <a:bodyPr>
-            <a:normAutofit/>
-          </a:bodyPr>
-          <a:lstStyle/>
-          <a:p>
-            <a:pPr algn="ctr"/>
-            <a:r>
-              <a:rPr lang="en-US" dirty="0" err="1"/>
-              <a:t>Neocognitron</a:t>
-            </a:r>
-            <a:r>
-              <a:rPr lang="en-US" dirty="0"/>
-              <a:t> </a:t>
-            </a:r>
-            <a:r>
-              <a:rPr lang="en-US" dirty="0" err="1"/>
-              <a:t>TeaM</a:t>
-            </a:r>
-            <a:endParaRPr lang="en-US" dirty="0"/>
-          </a:p>
-        </p:txBody>
-      </p:sp>
-    </p:spTree>
-    <p:extLst>
-      <p:ext uri="{BB962C8B-B14F-4D97-AF65-F5344CB8AC3E}">
-        <p14:creationId xmlns:p14="http://schemas.microsoft.com/office/powerpoint/2010/main" val="2803136203"/>
-      </p:ext>
-    </p:extLst>
-  </p:cSld>
-  <p:clrMapOvr>
-    <a:overrideClrMapping bg1="dk1" tx1="lt1" bg2="dk2" tx2="lt2" accent1="accent1" accent2="accent2" accent3="accent3" accent4="accent4" accent5="accent5" accent6="accent6" hlink="hlink" folHlink="folHlink"/>
-  </p:clrMapOvr>
-</p:sld>
-</file>
-
-<file path=ppt/slides/slide2.xml><?xml version="1.0" encoding="utf-8"?>
-<p:sld xmlns:a="http://schemas.openxmlformats.org/drawingml/2006/main" xmlns:r="http://schemas.openxmlformats.org/officeDocument/2006/relationships" xmlns:p="http://schemas.openxmlformats.org/presentationml/2006/main">
-  <p:cSld>
-    <p:bg>
-      <p:bgPr>
-        <a:blipFill>
-          <a:blip r:embed="rId2"/>
-          <a:stretch/>
-        </a:blipFill>
-        <a:effectLst/>
-      </p:bgPr>
-    </p:bg>
-    <p:spTree>
-      <p:nvGrpSpPr>
-        <p:cNvPr id="1" name=""/>
-        <p:cNvGrpSpPr/>
-        <p:nvPr/>
-      </p:nvGrpSpPr>
-      <p:grpSpPr>
-        <a:xfrm>
-          <a:off x="0" y="0"/>
-          <a:ext cx="0" cy="0"/>
-          <a:chOff x="0" y="0"/>
-          <a:chExt cx="0" cy="0"/>
-        </a:xfrm>
-      </p:grpSpPr>
-      <p:sp useBgFill="1">
-        <p:nvSpPr>
-          <p:cNvPr id="8" name="Rectangle 7">
-            <a:extLst>
-              <a:ext uri="{FF2B5EF4-FFF2-40B4-BE49-F238E27FC236}">
-                <a16:creationId xmlns:a16="http://schemas.microsoft.com/office/drawing/2014/main" id="{50E53EDA-3B94-4F6B-9E86-D3BB9EBB9616}"/>
-              </a:ext>
-              <a:ext uri="{C183D7F6-B498-43B3-948B-1728B52AA6E4}">
-                <adec:decorative xmlns:adec="http://schemas.microsoft.com/office/drawing/2017/decorative" val="1"/>
-              </a:ext>
-            </a:extLst>
-          </p:cNvPr>
-          <p:cNvSpPr>
-            <a:spLocks noGrp="1" noRot="1" noChangeAspect="1" noMove="1" noResize="1" noEditPoints="1" noAdjustHandles="1" noChangeArrowheads="1" noChangeShapeType="1" noTextEdit="1"/>
-          </p:cNvSpPr>
-          <p:nvPr>
-            <p:extLst>
-              <p:ext uri="{386F3935-93C4-4BCD-93E2-E3B085C9AB24}">
-                <p16:designElem xmlns:p16="http://schemas.microsoft.com/office/powerpoint/2015/main" val="1"/>
-              </p:ext>
-            </p:extLst>
-          </p:nvPr>
-        </p:nvSpPr>
-        <p:spPr>
-          <a:xfrm>
-            <a:off x="0" y="0"/>
-            <a:ext cx="12192000" cy="6858000"/>
-          </a:xfrm>
-          <a:prstGeom prst="rect">
-            <a:avLst/>
-          </a:prstGeom>
-          <a:ln>
-            <a:noFill/>
-          </a:ln>
-        </p:spPr>
-        <p:style>
-          <a:lnRef idx="2">
-            <a:schemeClr val="accent1">
-              <a:shade val="50000"/>
-            </a:schemeClr>
-          </a:lnRef>
-          <a:fillRef idx="1">
-            <a:schemeClr val="accent1"/>
-          </a:fillRef>
-          <a:effectRef idx="0">
-            <a:schemeClr val="accent1"/>
-          </a:effectRef>
-          <a:fontRef idx="minor">
-            <a:schemeClr val="lt1"/>
-          </a:fontRef>
-        </p:style>
-        <p:txBody>
-          <a:bodyPr rtlCol="0" anchor="ctr"/>
-          <a:lstStyle/>
-          <a:p>
-            <a:pPr algn="ctr"/>
-            <a:endParaRPr lang="en-US"/>
-          </a:p>
-        </p:txBody>
-      </p:sp>
-      <p:sp>
-        <p:nvSpPr>
-          <p:cNvPr id="2" name="Title 1">
-            <a:extLst>
-              <a:ext uri="{FF2B5EF4-FFF2-40B4-BE49-F238E27FC236}">
-                <a16:creationId xmlns:a16="http://schemas.microsoft.com/office/drawing/2014/main" id="{92F48163-4D78-664A-A0A5-489E6F51835C}"/>
-              </a:ext>
-            </a:extLst>
-          </p:cNvPr>
-          <p:cNvSpPr>
-            <a:spLocks noGrp="1"/>
-          </p:cNvSpPr>
-          <p:nvPr>
-            <p:ph type="title"/>
-          </p:nvPr>
-        </p:nvSpPr>
-        <p:spPr>
-          <a:xfrm>
-            <a:off x="685799" y="1150076"/>
-            <a:ext cx="3659389" cy="4557849"/>
-          </a:xfrm>
-        </p:spPr>
-        <p:txBody>
-          <a:bodyPr>
-            <a:normAutofit/>
-          </a:bodyPr>
-          <a:lstStyle/>
-          <a:p>
-            <a:pPr algn="r"/>
-            <a:r>
-              <a:rPr lang="en-US" dirty="0"/>
-              <a:t>The </a:t>
-            </a:r>
-            <a:r>
-              <a:rPr lang="en-US" dirty="0" err="1"/>
-              <a:t>Neocognitron</a:t>
-            </a:r>
-            <a:r>
-              <a:rPr lang="en-US" dirty="0"/>
-              <a:t> Team</a:t>
-            </a:r>
-            <a:endParaRPr lang="en-US"/>
-          </a:p>
-        </p:txBody>
-      </p:sp>
-      <p:cxnSp>
-        <p:nvCxnSpPr>
-          <p:cNvPr id="10" name="Straight Connector 9">
-            <a:extLst>
-              <a:ext uri="{FF2B5EF4-FFF2-40B4-BE49-F238E27FC236}">
-                <a16:creationId xmlns:a16="http://schemas.microsoft.com/office/drawing/2014/main" id="{30EFD79F-7790-479B-B7DB-BD0D8C101DDD}"/>
-              </a:ext>
-              <a:ext uri="{C183D7F6-B498-43B3-948B-1728B52AA6E4}">
-                <adec:decorative xmlns:adec="http://schemas.microsoft.com/office/drawing/2017/decorative" val="1"/>
-              </a:ext>
-            </a:extLst>
-          </p:cNvPr>
-          <p:cNvCxnSpPr>
-            <a:cxnSpLocks noGrp="1" noRot="1" noChangeAspect="1" noMove="1" noResize="1" noEditPoints="1" noAdjustHandles="1" noChangeArrowheads="1" noChangeShapeType="1"/>
-          </p:cNvCxnSpPr>
-          <p:nvPr>
-            <p:extLst>
-              <p:ext uri="{386F3935-93C4-4BCD-93E2-E3B085C9AB24}">
-                <p16:designElem xmlns:p16="http://schemas.microsoft.com/office/powerpoint/2015/main" val="1"/>
-              </p:ext>
-            </p:extLst>
-          </p:nvPr>
-        </p:nvCxnSpPr>
-        <p:spPr>
-          <a:xfrm>
-            <a:off x="4666923" y="1668780"/>
+            <a:off x="7534656" y="1668780"/>
             <a:ext cx="0" cy="3520440"/>
           </a:xfrm>
           <a:prstGeom prst="line">
@@ -6478,335 +6302,20 @@
           </a:fontRef>
         </p:style>
       </p:cxnSp>
-      <p:sp>
-        <p:nvSpPr>
-          <p:cNvPr id="3" name="Content Placeholder 2">
-            <a:extLst>
-              <a:ext uri="{FF2B5EF4-FFF2-40B4-BE49-F238E27FC236}">
-                <a16:creationId xmlns:a16="http://schemas.microsoft.com/office/drawing/2014/main" id="{3D8E7CD7-6A86-944A-A239-73F1CF55B6EE}"/>
-              </a:ext>
-            </a:extLst>
-          </p:cNvPr>
-          <p:cNvSpPr>
-            <a:spLocks noGrp="1"/>
-          </p:cNvSpPr>
-          <p:nvPr>
-            <p:ph idx="1"/>
-          </p:nvPr>
-        </p:nvSpPr>
-        <p:spPr>
-          <a:xfrm>
-            <a:off x="4988658" y="1150076"/>
-            <a:ext cx="6517543" cy="4557849"/>
-          </a:xfrm>
-        </p:spPr>
-        <p:txBody>
-          <a:bodyPr>
-            <a:normAutofit fontScale="92500" lnSpcReduction="10000"/>
-          </a:bodyPr>
-          <a:lstStyle/>
-          <a:p>
-            <a:pPr>
-              <a:lnSpc>
-                <a:spcPct val="90000"/>
-              </a:lnSpc>
-            </a:pPr>
-            <a:r>
-              <a:rPr lang="en-US" sz="1100" dirty="0"/>
-              <a:t>Chris </a:t>
-            </a:r>
-            <a:r>
-              <a:rPr lang="en-US" sz="1100" dirty="0" err="1"/>
-              <a:t>Gerspacher</a:t>
-            </a:r>
-            <a:endParaRPr lang="en-US" sz="1100" dirty="0"/>
-          </a:p>
-          <a:p>
-            <a:pPr lvl="1">
-              <a:lnSpc>
-                <a:spcPct val="90000"/>
-              </a:lnSpc>
-            </a:pPr>
-            <a:r>
-              <a:rPr lang="en-US" sz="1100" dirty="0">
-                <a:hlinkClick r:id="rId3"/>
-              </a:rPr>
-              <a:t>cag7a@mtmail.mtsu.edu</a:t>
-            </a:r>
-            <a:endParaRPr lang="en-US" sz="1100" dirty="0"/>
-          </a:p>
-          <a:p>
-            <a:pPr lvl="1">
-              <a:lnSpc>
-                <a:spcPct val="90000"/>
-              </a:lnSpc>
-            </a:pPr>
-            <a:r>
-              <a:rPr lang="en-US" sz="1100" dirty="0"/>
-              <a:t>https://</a:t>
-            </a:r>
-            <a:r>
-              <a:rPr lang="en-US" sz="1100" dirty="0" err="1"/>
-              <a:t>github.com</a:t>
-            </a:r>
-            <a:r>
-              <a:rPr lang="en-US" sz="1100" dirty="0"/>
-              <a:t>/cag7a</a:t>
-            </a:r>
-          </a:p>
-          <a:p>
-            <a:pPr>
-              <a:lnSpc>
-                <a:spcPct val="90000"/>
-              </a:lnSpc>
-            </a:pPr>
-            <a:r>
-              <a:rPr lang="en-US" sz="1100" dirty="0"/>
-              <a:t>Cameron Justice</a:t>
-            </a:r>
-          </a:p>
-          <a:p>
-            <a:pPr lvl="1">
-              <a:lnSpc>
-                <a:spcPct val="90000"/>
-              </a:lnSpc>
-            </a:pPr>
-            <a:r>
-              <a:rPr lang="en-US" sz="1100" dirty="0">
-                <a:hlinkClick r:id="rId4"/>
-              </a:rPr>
-              <a:t>cj4g@mtmail.mtsu.edu</a:t>
-            </a:r>
-            <a:endParaRPr lang="en-US" sz="1100" dirty="0"/>
-          </a:p>
-          <a:p>
-            <a:pPr lvl="1">
-              <a:lnSpc>
-                <a:spcPct val="90000"/>
-              </a:lnSpc>
-            </a:pPr>
-            <a:r>
-              <a:rPr lang="en-US" sz="1100" dirty="0"/>
-              <a:t>https://</a:t>
-            </a:r>
-            <a:r>
-              <a:rPr lang="en-US" sz="1100" dirty="0" err="1"/>
-              <a:t>github.com</a:t>
-            </a:r>
-            <a:r>
-              <a:rPr lang="en-US" sz="1100" dirty="0"/>
-              <a:t>/</a:t>
-            </a:r>
-            <a:r>
-              <a:rPr lang="en-US" sz="1100" dirty="0" err="1"/>
-              <a:t>cameron</a:t>
-            </a:r>
-            <a:r>
-              <a:rPr lang="en-US" sz="1100" dirty="0"/>
-              <a:t>-justice</a:t>
-            </a:r>
-          </a:p>
-          <a:p>
-            <a:pPr>
-              <a:lnSpc>
-                <a:spcPct val="90000"/>
-              </a:lnSpc>
-            </a:pPr>
-            <a:r>
-              <a:rPr lang="en-US" sz="1100" dirty="0"/>
-              <a:t>Ian Seal</a:t>
-            </a:r>
-          </a:p>
-          <a:p>
-            <a:pPr lvl="1">
-              <a:lnSpc>
-                <a:spcPct val="90000"/>
-              </a:lnSpc>
-            </a:pPr>
-            <a:r>
-              <a:rPr lang="en-US" sz="1100" dirty="0">
-                <a:hlinkClick r:id="rId5"/>
-              </a:rPr>
-              <a:t>ins2c@mtmail.mtsu.edu</a:t>
-            </a:r>
-            <a:endParaRPr lang="en-US" sz="1100" dirty="0"/>
-          </a:p>
-          <a:p>
-            <a:pPr lvl="1">
-              <a:lnSpc>
-                <a:spcPct val="90000"/>
-              </a:lnSpc>
-            </a:pPr>
-            <a:r>
-              <a:rPr lang="en-US" sz="1100" dirty="0"/>
-              <a:t>https://</a:t>
-            </a:r>
-            <a:r>
-              <a:rPr lang="en-US" sz="1100" dirty="0" err="1"/>
-              <a:t>github.com</a:t>
-            </a:r>
-            <a:r>
-              <a:rPr lang="en-US" sz="1100" dirty="0"/>
-              <a:t>/</a:t>
-            </a:r>
-            <a:r>
-              <a:rPr lang="en-US" sz="1100" dirty="0" err="1"/>
-              <a:t>masturffect</a:t>
-            </a:r>
-            <a:endParaRPr lang="en-US" sz="1100" dirty="0"/>
-          </a:p>
-          <a:p>
-            <a:pPr>
-              <a:lnSpc>
-                <a:spcPct val="90000"/>
-              </a:lnSpc>
-            </a:pPr>
-            <a:r>
-              <a:rPr lang="en-US" sz="1100" dirty="0"/>
-              <a:t>Jonathan Gregory</a:t>
-            </a:r>
-          </a:p>
-          <a:p>
-            <a:pPr lvl="1">
-              <a:lnSpc>
-                <a:spcPct val="90000"/>
-              </a:lnSpc>
-            </a:pPr>
-            <a:endParaRPr lang="en-US" sz="900" dirty="0"/>
-          </a:p>
-          <a:p>
-            <a:pPr lvl="1">
-              <a:lnSpc>
-                <a:spcPct val="90000"/>
-              </a:lnSpc>
-            </a:pPr>
-            <a:r>
-              <a:rPr lang="en-US" sz="1100" dirty="0"/>
-              <a:t>https://</a:t>
-            </a:r>
-            <a:r>
-              <a:rPr lang="en-US" sz="1100" dirty="0" err="1"/>
-              <a:t>github.com</a:t>
-            </a:r>
-            <a:r>
-              <a:rPr lang="en-US" sz="1100" dirty="0"/>
-              <a:t>/vat880</a:t>
-            </a:r>
-          </a:p>
-          <a:p>
-            <a:pPr>
-              <a:lnSpc>
-                <a:spcPct val="90000"/>
-              </a:lnSpc>
-            </a:pPr>
-            <a:r>
-              <a:rPr lang="en-US" sz="1100" dirty="0"/>
-              <a:t>Justin Wade</a:t>
-            </a:r>
-          </a:p>
-          <a:p>
-            <a:pPr lvl="1">
-              <a:lnSpc>
-                <a:spcPct val="90000"/>
-              </a:lnSpc>
-            </a:pPr>
-            <a:r>
-              <a:rPr lang="en-US" sz="1100" dirty="0">
-                <a:hlinkClick r:id="rId6"/>
-              </a:rPr>
-              <a:t>jww5f@mtmail.mtsu.edu</a:t>
-            </a:r>
-            <a:endParaRPr lang="en-US" sz="1100" dirty="0"/>
-          </a:p>
-          <a:p>
-            <a:pPr lvl="1">
-              <a:lnSpc>
-                <a:spcPct val="90000"/>
-              </a:lnSpc>
-            </a:pPr>
-            <a:r>
-              <a:rPr lang="en-US" sz="1100" dirty="0"/>
-              <a:t>https://</a:t>
-            </a:r>
-            <a:r>
-              <a:rPr lang="en-US" sz="1100" dirty="0" err="1"/>
-              <a:t>github.com</a:t>
-            </a:r>
-            <a:r>
-              <a:rPr lang="en-US" sz="1100" dirty="0"/>
-              <a:t>/</a:t>
-            </a:r>
-            <a:r>
-              <a:rPr lang="en-US" sz="1100" dirty="0" err="1"/>
-              <a:t>JustinWade</a:t>
-            </a:r>
-            <a:endParaRPr lang="en-US" sz="1100" dirty="0"/>
-          </a:p>
-          <a:p>
-            <a:pPr>
-              <a:lnSpc>
-                <a:spcPct val="90000"/>
-              </a:lnSpc>
-            </a:pPr>
-            <a:r>
-              <a:rPr lang="en-US" sz="1100" dirty="0"/>
-              <a:t>Nathan Byrnes</a:t>
-            </a:r>
-          </a:p>
-          <a:p>
-            <a:pPr lvl="1">
-              <a:lnSpc>
-                <a:spcPct val="90000"/>
-              </a:lnSpc>
-            </a:pPr>
-            <a:r>
-              <a:rPr lang="en-US" sz="1100" dirty="0">
-                <a:hlinkClick r:id="rId7"/>
-              </a:rPr>
-              <a:t>ndb3w@mtmail.mtsu.edu</a:t>
-            </a:r>
-            <a:endParaRPr lang="en-US" sz="1100" dirty="0"/>
-          </a:p>
-          <a:p>
-            <a:pPr lvl="1">
-              <a:lnSpc>
-                <a:spcPct val="90000"/>
-              </a:lnSpc>
-            </a:pPr>
-            <a:r>
-              <a:rPr lang="en-US" sz="1100" dirty="0"/>
-              <a:t>https://</a:t>
-            </a:r>
-            <a:r>
-              <a:rPr lang="en-US" sz="1100" dirty="0" err="1"/>
-              <a:t>github.com</a:t>
-            </a:r>
-            <a:r>
-              <a:rPr lang="en-US" sz="1100" dirty="0"/>
-              <a:t>/</a:t>
-            </a:r>
-            <a:r>
-              <a:rPr lang="en-US" sz="1100" dirty="0" err="1"/>
-              <a:t>NathanByrnes</a:t>
-            </a:r>
-            <a:endParaRPr lang="en-US" sz="1100" dirty="0"/>
-          </a:p>
-        </p:txBody>
-      </p:sp>
     </p:spTree>
     <p:extLst>
       <p:ext uri="{BB962C8B-B14F-4D97-AF65-F5344CB8AC3E}">
-        <p14:creationId xmlns:p14="http://schemas.microsoft.com/office/powerpoint/2010/main" val="1332873996"/>
+        <p14:creationId xmlns:p14="http://schemas.microsoft.com/office/powerpoint/2010/main" val="2803136203"/>
       </p:ext>
     </p:extLst>
   </p:cSld>
   <p:clrMapOvr>
-    <a:masterClrMapping/>
+    <a:overrideClrMapping bg1="dk1" tx1="lt1" bg2="dk2" tx2="lt2" accent1="accent1" accent2="accent2" accent3="accent3" accent4="accent4" accent5="accent5" accent6="accent6" hlink="hlink" folHlink="folHlink"/>
   </p:clrMapOvr>
 </p:sld>
 </file>
 
-<file path=ppt/slides/slide3.xml><?xml version="1.0" encoding="utf-8"?>
+<file path=ppt/slides/slide10.xml><?xml version="1.0" encoding="utf-8"?>
 <p:sld xmlns:a="http://schemas.openxmlformats.org/drawingml/2006/main" xmlns:r="http://schemas.openxmlformats.org/officeDocument/2006/relationships" xmlns:p="http://schemas.openxmlformats.org/presentationml/2006/main">
   <p:cSld>
     <p:spTree>
@@ -6828,7 +6337,7 @@
           <p:cNvPr id="2" name="Title 1">
             <a:extLst>
               <a:ext uri="{FF2B5EF4-FFF2-40B4-BE49-F238E27FC236}">
-                <a16:creationId xmlns:a16="http://schemas.microsoft.com/office/drawing/2014/main" id="{A22B6BF2-D989-6D4B-B52C-1AECA7F988DD}"/>
+                <a16:creationId xmlns:a16="http://schemas.microsoft.com/office/drawing/2014/main" id="{D3C93FDE-9885-4109-A5C6-B69148CD3635}"/>
               </a:ext>
             </a:extLst>
           </p:cNvPr>
@@ -6845,9 +6354,12 @@
           <a:lstStyle/>
           <a:p>
             <a:r>
-              <a:rPr lang="en-US" dirty="0"/>
-              <a:t>Introduction</a:t>
-            </a:r>
+              <a:rPr lang="en-US">
+                <a:cs typeface="Calibri Light"/>
+              </a:rPr>
+              <a:t>Team Contributions</a:t>
+            </a:r>
+            <a:endParaRPr lang="en-US"/>
           </a:p>
         </p:txBody>
       </p:sp>
@@ -6856,7 +6368,7 @@
           <p:cNvPr id="3" name="Content Placeholder 2">
             <a:extLst>
               <a:ext uri="{FF2B5EF4-FFF2-40B4-BE49-F238E27FC236}">
-                <a16:creationId xmlns:a16="http://schemas.microsoft.com/office/drawing/2014/main" id="{51676B98-E40D-BD46-B073-D8CC09EB0336}"/>
+                <a16:creationId xmlns:a16="http://schemas.microsoft.com/office/drawing/2014/main" id="{4D4B0F1F-0591-4A4A-8E04-170A67F22905}"/>
               </a:ext>
             </a:extLst>
           </p:cNvPr>
@@ -6872,14 +6384,69 @@
           <a:bodyPr/>
           <a:lstStyle/>
           <a:p>
-            <a:endParaRPr lang="en-US"/>
+            <a:r>
+              <a:rPr lang="en-US">
+                <a:cs typeface="Calibri"/>
+              </a:rPr>
+              <a:t>Nathan : Double Q-Learning, Replay Memory &amp; Presentation</a:t>
+            </a:r>
+          </a:p>
+          <a:p>
+            <a:r>
+              <a:rPr lang="en-US">
+                <a:cs typeface="Calibri"/>
+              </a:rPr>
+              <a:t>Chris: Utilities, GPU Training &amp; Paper</a:t>
+            </a:r>
+          </a:p>
+          <a:p>
+            <a:r>
+              <a:rPr lang="en-US">
+                <a:cs typeface="Calibri"/>
+              </a:rPr>
+              <a:t>Ian: DQN Model &amp; Paper</a:t>
+            </a:r>
+          </a:p>
+          <a:p>
+            <a:r>
+              <a:rPr lang="en-US">
+                <a:cs typeface="Calibri"/>
+              </a:rPr>
+              <a:t>Jonathan: DQN Model &amp; Paper</a:t>
+            </a:r>
+          </a:p>
+          <a:p>
+            <a:r>
+              <a:rPr lang="en-US">
+                <a:cs typeface="Calibri"/>
+              </a:rPr>
+              <a:t>Cameron: Project Management, Q-Learning &amp; Paper</a:t>
+            </a:r>
+          </a:p>
+          <a:p>
+            <a:r>
+              <a:rPr lang="en-US">
+                <a:cs typeface="Calibri"/>
+              </a:rPr>
+              <a:t>Justin: Single Q-Learning &amp; Presentation</a:t>
+            </a:r>
+          </a:p>
+          <a:p>
+            <a:endParaRPr lang="en-US">
+              <a:cs typeface="Calibri"/>
+            </a:endParaRPr>
+          </a:p>
+          <a:p>
+            <a:endParaRPr lang="en-US">
+              <a:cs typeface="Calibri"/>
+            </a:endParaRPr>
           </a:p>
         </p:txBody>
       </p:sp>
     </p:spTree>
     <p:extLst>
       <p:ext uri="{BB962C8B-B14F-4D97-AF65-F5344CB8AC3E}">
-        <p14:creationId xmlns:p14="http://schemas.microsoft.com/office/powerpoint/2010/main" val="1617740769"/>
+        <p14:creationId xmlns:p14="http://schemas.microsoft.com/office/powerpoint/2010/main" val="2331914074"/>
       </p:ext>
     </p:extLst>
   </p:cSld>
@@ -6889,176 +6456,7 @@
 </p:sld>
 </file>
 
-<file path=ppt/slides/slide4.xml><?xml version="1.0" encoding="utf-8"?>
-<p:sld xmlns:a="http://schemas.openxmlformats.org/drawingml/2006/main" xmlns:r="http://schemas.openxmlformats.org/officeDocument/2006/relationships" xmlns:p="http://schemas.openxmlformats.org/presentationml/2006/main">
-  <p:cSld>
-    <p:spTree>
-      <p:nvGrpSpPr>
-        <p:cNvPr id="1" name=""/>
-        <p:cNvGrpSpPr/>
-        <p:nvPr/>
-      </p:nvGrpSpPr>
-      <p:grpSpPr>
-        <a:xfrm>
-          <a:off x="0" y="0"/>
-          <a:ext cx="0" cy="0"/>
-          <a:chOff x="0" y="0"/>
-          <a:chExt cx="0" cy="0"/>
-        </a:xfrm>
-      </p:grpSpPr>
-      <p:sp>
-        <p:nvSpPr>
-          <p:cNvPr id="2" name="Title 1">
-            <a:extLst>
-              <a:ext uri="{FF2B5EF4-FFF2-40B4-BE49-F238E27FC236}">
-                <a16:creationId xmlns:a16="http://schemas.microsoft.com/office/drawing/2014/main" id="{0EF1D97C-32BB-244D-BDB2-849A5E598239}"/>
-              </a:ext>
-            </a:extLst>
-          </p:cNvPr>
-          <p:cNvSpPr>
-            <a:spLocks noGrp="1"/>
-          </p:cNvSpPr>
-          <p:nvPr>
-            <p:ph type="title"/>
-          </p:nvPr>
-        </p:nvSpPr>
-        <p:spPr/>
-        <p:txBody>
-          <a:bodyPr/>
-          <a:lstStyle/>
-          <a:p>
-            <a:r>
-              <a:rPr lang="en-US" dirty="0"/>
-              <a:t>Motivations &amp; Key Aims</a:t>
-            </a:r>
-          </a:p>
-        </p:txBody>
-      </p:sp>
-      <p:sp>
-        <p:nvSpPr>
-          <p:cNvPr id="3" name="Content Placeholder 2">
-            <a:extLst>
-              <a:ext uri="{FF2B5EF4-FFF2-40B4-BE49-F238E27FC236}">
-                <a16:creationId xmlns:a16="http://schemas.microsoft.com/office/drawing/2014/main" id="{C08DC46F-E2C3-474A-994D-F8EE8B660A57}"/>
-              </a:ext>
-            </a:extLst>
-          </p:cNvPr>
-          <p:cNvSpPr>
-            <a:spLocks noGrp="1"/>
-          </p:cNvSpPr>
-          <p:nvPr>
-            <p:ph idx="1"/>
-          </p:nvPr>
-        </p:nvSpPr>
-        <p:spPr/>
-        <p:txBody>
-          <a:bodyPr/>
-          <a:lstStyle/>
-          <a:p>
-            <a:endParaRPr lang="en-US"/>
-          </a:p>
-        </p:txBody>
-      </p:sp>
-    </p:spTree>
-    <p:extLst>
-      <p:ext uri="{BB962C8B-B14F-4D97-AF65-F5344CB8AC3E}">
-        <p14:creationId xmlns:p14="http://schemas.microsoft.com/office/powerpoint/2010/main" val="1091531056"/>
-      </p:ext>
-    </p:extLst>
-  </p:cSld>
-  <p:clrMapOvr>
-    <a:masterClrMapping/>
-  </p:clrMapOvr>
-</p:sld>
-</file>
-
-<file path=ppt/slides/slide5.xml><?xml version="1.0" encoding="utf-8"?>
-<p:sld xmlns:a="http://schemas.openxmlformats.org/drawingml/2006/main" xmlns:r="http://schemas.openxmlformats.org/officeDocument/2006/relationships" xmlns:p="http://schemas.openxmlformats.org/presentationml/2006/main">
-  <p:cSld>
-    <p:spTree>
-      <p:nvGrpSpPr>
-        <p:cNvPr id="1" name=""/>
-        <p:cNvGrpSpPr/>
-        <p:nvPr/>
-      </p:nvGrpSpPr>
-      <p:grpSpPr>
-        <a:xfrm>
-          <a:off x="0" y="0"/>
-          <a:ext cx="0" cy="0"/>
-          <a:chOff x="0" y="0"/>
-          <a:chExt cx="0" cy="0"/>
-        </a:xfrm>
-      </p:grpSpPr>
-      <p:sp>
-        <p:nvSpPr>
-          <p:cNvPr id="2" name="Title 1">
-            <a:extLst>
-              <a:ext uri="{FF2B5EF4-FFF2-40B4-BE49-F238E27FC236}">
-                <a16:creationId xmlns:a16="http://schemas.microsoft.com/office/drawing/2014/main" id="{F9817360-60A3-4947-B7DA-A6D716618E04}"/>
-              </a:ext>
-            </a:extLst>
-          </p:cNvPr>
-          <p:cNvSpPr>
-            <a:spLocks noGrp="1"/>
-          </p:cNvSpPr>
-          <p:nvPr>
-            <p:ph type="title"/>
-          </p:nvPr>
-        </p:nvSpPr>
-        <p:spPr/>
-        <p:txBody>
-          <a:bodyPr/>
-          <a:lstStyle/>
-          <a:p>
-            <a:r>
-              <a:rPr lang="en-US" dirty="0"/>
-              <a:t>General strategy</a:t>
-            </a:r>
-          </a:p>
-        </p:txBody>
-      </p:sp>
-      <p:sp>
-        <p:nvSpPr>
-          <p:cNvPr id="3" name="Content Placeholder 2">
-            <a:extLst>
-              <a:ext uri="{FF2B5EF4-FFF2-40B4-BE49-F238E27FC236}">
-                <a16:creationId xmlns:a16="http://schemas.microsoft.com/office/drawing/2014/main" id="{01DDCE54-9979-7E4F-8B77-0AEE6A4EBCAA}"/>
-              </a:ext>
-            </a:extLst>
-          </p:cNvPr>
-          <p:cNvSpPr>
-            <a:spLocks noGrp="1"/>
-          </p:cNvSpPr>
-          <p:nvPr>
-            <p:ph idx="1"/>
-          </p:nvPr>
-        </p:nvSpPr>
-        <p:spPr/>
-        <p:txBody>
-          <a:bodyPr/>
-          <a:lstStyle/>
-          <a:p>
-            <a:r>
-              <a:rPr lang="en-US" dirty="0"/>
-              <a:t>address those project aims (include technical details when needed, but remember that you should spend more time talking about what you accomplished with your software than the software itself). </a:t>
-            </a:r>
-          </a:p>
-        </p:txBody>
-      </p:sp>
-    </p:spTree>
-    <p:extLst>
-      <p:ext uri="{BB962C8B-B14F-4D97-AF65-F5344CB8AC3E}">
-        <p14:creationId xmlns:p14="http://schemas.microsoft.com/office/powerpoint/2010/main" val="940096663"/>
-      </p:ext>
-    </p:extLst>
-  </p:cSld>
-  <p:clrMapOvr>
-    <a:masterClrMapping/>
-  </p:clrMapOvr>
-</p:sld>
-</file>
-
-<file path=ppt/slides/slide6.xml><?xml version="1.0" encoding="utf-8"?>
+<file path=ppt/slides/slide11.xml><?xml version="1.0" encoding="utf-8"?>
 <p:sld xmlns:a="http://schemas.openxmlformats.org/drawingml/2006/main" xmlns:r="http://schemas.openxmlformats.org/officeDocument/2006/relationships" xmlns:p="http://schemas.openxmlformats.org/presentationml/2006/main">
   <p:cSld>
     <p:spTree>
@@ -7091,13 +6489,20 @@
             <p:ph type="title"/>
           </p:nvPr>
         </p:nvSpPr>
-        <p:spPr/>
+        <p:spPr>
+          <a:xfrm>
+            <a:off x="3725142" y="2696441"/>
+            <a:ext cx="4736812" cy="1456267"/>
+          </a:xfrm>
+        </p:spPr>
         <p:txBody>
-          <a:bodyPr/>
+          <a:bodyPr>
+            <a:normAutofit/>
+          </a:bodyPr>
           <a:lstStyle/>
           <a:p>
             <a:r>
-              <a:rPr lang="en-US" dirty="0"/>
+              <a:rPr lang="en-US" sz="6000"/>
               <a:t>Questions?</a:t>
             </a:r>
           </a:p>
@@ -7116,14 +6521,15 @@
 </p:sld>
 </file>
 
-<file path=ppt/slides/slide7.xml><?xml version="1.0" encoding="utf-8"?>
+<file path=ppt/slides/slide12.xml><?xml version="1.0" encoding="utf-8"?>
 <p:sld xmlns:a="http://schemas.openxmlformats.org/drawingml/2006/main" xmlns:r="http://schemas.openxmlformats.org/officeDocument/2006/relationships" xmlns:p="http://schemas.openxmlformats.org/presentationml/2006/main">
   <p:cSld>
     <p:bg>
       <p:bgPr>
-        <a:solidFill>
-          <a:schemeClr val="bg1"/>
-        </a:solidFill>
+        <a:blipFill>
+          <a:blip r:embed="rId2"/>
+          <a:stretch/>
+        </a:blipFill>
         <a:effectLst/>
       </p:bgPr>
     </p:bg>
@@ -7143,10 +6549,10 @@
       </p:grpSpPr>
       <p:pic>
         <p:nvPicPr>
-          <p:cNvPr id="9" name="Picture 8">
+          <p:cNvPr id="177" name="Picture 176">
             <a:extLst>
               <a:ext uri="{FF2B5EF4-FFF2-40B4-BE49-F238E27FC236}">
-                <a16:creationId xmlns:a16="http://schemas.microsoft.com/office/drawing/2014/main" id="{6AF6706C-CF07-43A1-BCC4-CBA5D33820DA}"/>
+                <a16:creationId xmlns:a16="http://schemas.microsoft.com/office/drawing/2014/main" id="{CBECFFDC-94DB-4DA3-94FE-22FEDDA8FA30}"/>
               </a:ext>
               <a:ext uri="{C183D7F6-B498-43B3-948B-1728B52AA6E4}">
                 <adec:decorative xmlns:adec="http://schemas.microsoft.com/office/drawing/2017/decorative" val="1"/>
@@ -7165,7 +6571,81 @@
           </p:nvPr>
         </p:nvPicPr>
         <p:blipFill>
-          <a:blip r:embed="rId2">
+          <a:blip r:embed="rId3">
+            <a:extLst>
+              <a:ext uri="{28A0092B-C50C-407E-A947-70E740481C1C}">
+                <a14:useLocalDpi xmlns:a14="http://schemas.microsoft.com/office/drawing/2010/main" val="0"/>
+              </a:ext>
+            </a:extLst>
+          </a:blip>
+          <a:stretch>
+            <a:fillRect/>
+          </a:stretch>
+        </p:blipFill>
+        <p:spPr>
+          <a:xfrm>
+            <a:off x="0" y="0"/>
+            <a:ext cx="12188825" cy="6856214"/>
+          </a:xfrm>
+          <a:prstGeom prst="rect">
+            <a:avLst/>
+          </a:prstGeom>
+        </p:spPr>
+      </p:pic>
+      <p:pic>
+        <p:nvPicPr>
+          <p:cNvPr id="6" name="Picture 6" descr="A picture containing drawing&#10;&#10;Description generated with very high confidence">
+            <a:extLst>
+              <a:ext uri="{FF2B5EF4-FFF2-40B4-BE49-F238E27FC236}">
+                <a16:creationId xmlns:a16="http://schemas.microsoft.com/office/drawing/2014/main" id="{DC1BE6DB-49A6-4358-AA22-D6BB101A9E2D}"/>
+              </a:ext>
+            </a:extLst>
+          </p:cNvPr>
+          <p:cNvPicPr>
+            <a:picLocks noChangeAspect="1"/>
+          </p:cNvPicPr>
+          <p:nvPr/>
+        </p:nvPicPr>
+        <p:blipFill rotWithShape="1">
+          <a:blip r:embed="rId4"/>
+          <a:srcRect t="33884" b="9866"/>
+          <a:stretch/>
+        </p:blipFill>
+        <p:spPr>
+          <a:xfrm>
+            <a:off x="20" y="10"/>
+            <a:ext cx="12191980" cy="6857990"/>
+          </a:xfrm>
+          <a:prstGeom prst="rect">
+            <a:avLst/>
+          </a:prstGeom>
+        </p:spPr>
+      </p:pic>
+      <p:pic>
+        <p:nvPicPr>
+          <p:cNvPr id="179" name="Picture 178">
+            <a:extLst>
+              <a:ext uri="{FF2B5EF4-FFF2-40B4-BE49-F238E27FC236}">
+                <a16:creationId xmlns:a16="http://schemas.microsoft.com/office/drawing/2014/main" id="{545F67A4-7428-47F3-AE14-8CA43D976E11}"/>
+              </a:ext>
+              <a:ext uri="{C183D7F6-B498-43B3-948B-1728B52AA6E4}">
+                <adec:decorative xmlns:adec="http://schemas.microsoft.com/office/drawing/2017/decorative" val="1"/>
+              </a:ext>
+            </a:extLst>
+          </p:cNvPr>
+          <p:cNvPicPr>
+            <a:picLocks noGrp="1" noRot="1" noChangeAspect="1" noMove="1" noResize="1" noEditPoints="1" noAdjustHandles="1" noChangeArrowheads="1" noChangeShapeType="1" noCrop="1"/>
+          </p:cNvPicPr>
+          <p:nvPr>
+            <p:extLst>
+              <p:ext uri="{386F3935-93C4-4BCD-93E2-E3B085C9AB24}">
+                <p16:designElem xmlns:p16="http://schemas.microsoft.com/office/powerpoint/2015/main" val="1"/>
+              </p:ext>
+            </p:extLst>
+          </p:nvPr>
+        </p:nvPicPr>
+        <p:blipFill>
+          <a:blip r:embed="rId3">
             <a:extLst>
               <a:ext uri="{28A0092B-C50C-407E-A947-70E740481C1C}">
                 <a14:useLocalDpi xmlns:a14="http://schemas.microsoft.com/office/drawing/2010/main" val="0"/>
@@ -7188,154 +6668,10 @@
       </p:pic>
       <p:sp>
         <p:nvSpPr>
-          <p:cNvPr id="11" name="Rectangle 10">
+          <p:cNvPr id="181" name="Freeform 5">
             <a:extLst>
               <a:ext uri="{FF2B5EF4-FFF2-40B4-BE49-F238E27FC236}">
-                <a16:creationId xmlns:a16="http://schemas.microsoft.com/office/drawing/2014/main" id="{1F94DC1C-47D1-41D7-8B1B-9A036D614027}"/>
-              </a:ext>
-              <a:ext uri="{C183D7F6-B498-43B3-948B-1728B52AA6E4}">
-                <adec:decorative xmlns:adec="http://schemas.microsoft.com/office/drawing/2017/decorative" val="1"/>
-              </a:ext>
-            </a:extLst>
-          </p:cNvPr>
-          <p:cNvSpPr>
-            <a:spLocks noGrp="1" noRot="1" noChangeAspect="1" noMove="1" noResize="1" noEditPoints="1" noAdjustHandles="1" noChangeArrowheads="1" noChangeShapeType="1" noTextEdit="1"/>
-          </p:cNvSpPr>
-          <p:nvPr>
-            <p:extLst>
-              <p:ext uri="{386F3935-93C4-4BCD-93E2-E3B085C9AB24}">
-                <p16:designElem xmlns:p16="http://schemas.microsoft.com/office/powerpoint/2015/main" val="1"/>
-              </p:ext>
-            </p:extLst>
-          </p:nvPr>
-        </p:nvSpPr>
-        <p:spPr>
-          <a:xfrm>
-            <a:off x="0" y="0"/>
-            <a:ext cx="12188952" cy="6858000"/>
-          </a:xfrm>
-          <a:prstGeom prst="rect">
-            <a:avLst/>
-          </a:prstGeom>
-          <a:ln>
-            <a:noFill/>
-          </a:ln>
-        </p:spPr>
-        <p:style>
-          <a:lnRef idx="2">
-            <a:schemeClr val="accent1">
-              <a:shade val="50000"/>
-            </a:schemeClr>
-          </a:lnRef>
-          <a:fillRef idx="1003">
-            <a:schemeClr val="lt1"/>
-          </a:fillRef>
-          <a:effectRef idx="0">
-            <a:schemeClr val="accent1"/>
-          </a:effectRef>
-          <a:fontRef idx="minor">
-            <a:schemeClr val="lt1"/>
-          </a:fontRef>
-        </p:style>
-        <p:txBody>
-          <a:bodyPr rtlCol="0" anchor="ctr"/>
-          <a:lstStyle/>
-          <a:p>
-            <a:pPr algn="ctr"/>
-            <a:endParaRPr lang="en-US"/>
-          </a:p>
-        </p:txBody>
-      </p:sp>
-      <p:pic>
-        <p:nvPicPr>
-          <p:cNvPr id="13" name="Picture 12">
-            <a:extLst>
-              <a:ext uri="{FF2B5EF4-FFF2-40B4-BE49-F238E27FC236}">
-                <a16:creationId xmlns:a16="http://schemas.microsoft.com/office/drawing/2014/main" id="{811383CE-CE86-4E1C-B289-798EB9E6E0E5}"/>
-              </a:ext>
-              <a:ext uri="{C183D7F6-B498-43B3-948B-1728B52AA6E4}">
-                <adec:decorative xmlns:adec="http://schemas.microsoft.com/office/drawing/2017/decorative" val="1"/>
-              </a:ext>
-            </a:extLst>
-          </p:cNvPr>
-          <p:cNvPicPr>
-            <a:picLocks noGrp="1" noRot="1" noChangeAspect="1" noMove="1" noResize="1" noEditPoints="1" noAdjustHandles="1" noChangeArrowheads="1" noChangeShapeType="1" noCrop="1"/>
-          </p:cNvPicPr>
-          <p:nvPr>
-            <p:extLst>
-              <p:ext uri="{386F3935-93C4-4BCD-93E2-E3B085C9AB24}">
-                <p16:designElem xmlns:p16="http://schemas.microsoft.com/office/powerpoint/2015/main" val="1"/>
-              </p:ext>
-            </p:extLst>
-          </p:nvPr>
-        </p:nvPicPr>
-        <p:blipFill rotWithShape="1">
-          <a:blip r:embed="rId2">
-            <a:extLst>
-              <a:ext uri="{28A0092B-C50C-407E-A947-70E740481C1C}">
-                <a14:useLocalDpi xmlns:a14="http://schemas.microsoft.com/office/drawing/2010/main" val="0"/>
-              </a:ext>
-            </a:extLst>
-          </a:blip>
-          <a:srcRect r="51622"/>
-          <a:stretch/>
-        </p:blipFill>
-        <p:spPr>
-          <a:xfrm>
-            <a:off x="1" y="0"/>
-            <a:ext cx="5896768" cy="6856214"/>
-          </a:xfrm>
-          <a:prstGeom prst="rect">
-            <a:avLst/>
-          </a:prstGeom>
-        </p:spPr>
-      </p:pic>
-      <p:sp>
-        <p:nvSpPr>
-          <p:cNvPr id="2" name="Title 1">
-            <a:extLst>
-              <a:ext uri="{FF2B5EF4-FFF2-40B4-BE49-F238E27FC236}">
-                <a16:creationId xmlns:a16="http://schemas.microsoft.com/office/drawing/2014/main" id="{4CA6FBC4-9DF5-7D4B-B454-0F5161D704A4}"/>
-              </a:ext>
-            </a:extLst>
-          </p:cNvPr>
-          <p:cNvSpPr>
-            <a:spLocks noGrp="1"/>
-          </p:cNvSpPr>
-          <p:nvPr>
-            <p:ph type="title"/>
-          </p:nvPr>
-        </p:nvSpPr>
-        <p:spPr>
-          <a:xfrm>
-            <a:off x="486876" y="2032000"/>
-            <a:ext cx="4513792" cy="2819398"/>
-          </a:xfrm>
-        </p:spPr>
-        <p:txBody>
-          <a:bodyPr vert="horz" lIns="91440" tIns="45720" rIns="91440" bIns="45720" rtlCol="0" anchor="b">
-            <a:normAutofit/>
-          </a:bodyPr>
-          <a:lstStyle/>
-          <a:p>
-            <a:pPr algn="r"/>
-            <a:r>
-              <a:rPr lang="en-US" sz="4800">
-                <a:solidFill>
-                  <a:srgbClr val="FFFFFF"/>
-                </a:solidFill>
-              </a:rPr>
-              <a:t>DEMO</a:t>
-            </a:r>
-          </a:p>
-        </p:txBody>
-      </p:sp>
-      <p:sp useBgFill="1">
-        <p:nvSpPr>
-          <p:cNvPr id="15" name="Freeform 5">
-            <a:extLst>
-              <a:ext uri="{FF2B5EF4-FFF2-40B4-BE49-F238E27FC236}">
-                <a16:creationId xmlns:a16="http://schemas.microsoft.com/office/drawing/2014/main" id="{AC12A592-C02D-46EF-8E1F-9335DB8D71DF}"/>
+                <a16:creationId xmlns:a16="http://schemas.microsoft.com/office/drawing/2014/main" id="{F4A20210-FA90-4B6D-8D2E-1B90054E097A}"/>
               </a:ext>
               <a:ext uri="{C183D7F6-B498-43B3-948B-1728B52AA6E4}">
                 <adec:decorative xmlns:adec="http://schemas.microsoft.com/office/drawing/2017/decorative" val="1"/>
@@ -7440,6 +6776,11 @@
               </a:path>
             </a:pathLst>
           </a:custGeom>
+          <a:solidFill>
+            <a:schemeClr val="bg1">
+              <a:alpha val="60000"/>
+            </a:schemeClr>
+          </a:solidFill>
           <a:ln w="50800" cap="sq" cmpd="dbl">
             <a:gradFill flip="none" rotWithShape="1">
               <a:gsLst>
@@ -7490,10 +6831,10 @@
       </p:sp>
       <p:sp>
         <p:nvSpPr>
-          <p:cNvPr id="17" name="Freeform 14">
+          <p:cNvPr id="183" name="Freeform 14">
             <a:extLst>
               <a:ext uri="{FF2B5EF4-FFF2-40B4-BE49-F238E27FC236}">
-                <a16:creationId xmlns:a16="http://schemas.microsoft.com/office/drawing/2014/main" id="{24005816-5BCA-4665-8A58-5580F8E9C84A}"/>
+                <a16:creationId xmlns:a16="http://schemas.microsoft.com/office/drawing/2014/main" id="{39213B44-68B7-47E7-B506-5C79FCF80924}"/>
               </a:ext>
               <a:ext uri="{C183D7F6-B498-43B3-948B-1728B52AA6E4}">
                 <adec:decorative xmlns:adec="http://schemas.microsoft.com/office/drawing/2017/decorative" val="1"/>
@@ -7682,10 +7023,10 @@
       </p:sp>
       <p:grpSp>
         <p:nvGrpSpPr>
-          <p:cNvPr id="19" name="Group 18">
+          <p:cNvPr id="185" name="Group 184">
             <a:extLst>
               <a:ext uri="{FF2B5EF4-FFF2-40B4-BE49-F238E27FC236}">
-                <a16:creationId xmlns:a16="http://schemas.microsoft.com/office/drawing/2014/main" id="{BF07F359-8CA3-4854-91E7-EE6004020511}"/>
+                <a16:creationId xmlns:a16="http://schemas.microsoft.com/office/drawing/2014/main" id="{39084D60-65A6-45F8-8C17-3529E43F1C39}"/>
               </a:ext>
               <a:ext uri="{C183D7F6-B498-43B3-948B-1728B52AA6E4}">
                 <adec:decorative xmlns:adec="http://schemas.microsoft.com/office/drawing/2017/decorative" val="1"/>
@@ -7713,10 +7054,10 @@
         </p:grpSpPr>
         <p:cxnSp>
           <p:nvCxnSpPr>
-            <p:cNvPr id="20" name="Straight Connector 19">
+            <p:cNvPr id="186" name="Straight Connector 185">
               <a:extLst>
                 <a:ext uri="{FF2B5EF4-FFF2-40B4-BE49-F238E27FC236}">
-                  <a16:creationId xmlns:a16="http://schemas.microsoft.com/office/drawing/2014/main" id="{8A7FCE86-4904-4337-8D0A-3ABA73F609EF}"/>
+                  <a16:creationId xmlns:a16="http://schemas.microsoft.com/office/drawing/2014/main" id="{444A2572-2BF1-4C8E-AF59-F3AD411D894D}"/>
                 </a:ext>
                 <a:ext uri="{C183D7F6-B498-43B3-948B-1728B52AA6E4}">
                   <adec:decorative xmlns:adec="http://schemas.microsoft.com/office/drawing/2017/decorative" val="1"/>
@@ -7765,10 +7106,10 @@
         </p:cxnSp>
         <p:cxnSp>
           <p:nvCxnSpPr>
-            <p:cNvPr id="21" name="Straight Connector 20">
+            <p:cNvPr id="187" name="Straight Connector 186">
               <a:extLst>
                 <a:ext uri="{FF2B5EF4-FFF2-40B4-BE49-F238E27FC236}">
-                  <a16:creationId xmlns:a16="http://schemas.microsoft.com/office/drawing/2014/main" id="{BA32C234-504D-411A-A62B-C1CFD8CE74D5}"/>
+                  <a16:creationId xmlns:a16="http://schemas.microsoft.com/office/drawing/2014/main" id="{F5DF3485-B455-470C-8FA8-A1BDE087B88C}"/>
                 </a:ext>
                 <a:ext uri="{C183D7F6-B498-43B3-948B-1728B52AA6E4}">
                   <adec:decorative xmlns:adec="http://schemas.microsoft.com/office/drawing/2017/decorative" val="1"/>
@@ -7817,10 +7158,10 @@
         </p:cxnSp>
         <p:cxnSp>
           <p:nvCxnSpPr>
-            <p:cNvPr id="22" name="Straight Connector 21">
+            <p:cNvPr id="188" name="Straight Connector 187">
               <a:extLst>
                 <a:ext uri="{FF2B5EF4-FFF2-40B4-BE49-F238E27FC236}">
-                  <a16:creationId xmlns:a16="http://schemas.microsoft.com/office/drawing/2014/main" id="{881593A9-FD94-454C-9225-478E90706132}"/>
+                  <a16:creationId xmlns:a16="http://schemas.microsoft.com/office/drawing/2014/main" id="{35E9DCD0-EE49-4CB4-89B6-C25F9861C358}"/>
                 </a:ext>
                 <a:ext uri="{C183D7F6-B498-43B3-948B-1728B52AA6E4}">
                   <adec:decorative xmlns:adec="http://schemas.microsoft.com/office/drawing/2017/decorative" val="1"/>
@@ -7869,10 +7210,10 @@
         </p:cxnSp>
         <p:cxnSp>
           <p:nvCxnSpPr>
-            <p:cNvPr id="23" name="Straight Connector 22">
+            <p:cNvPr id="189" name="Straight Connector 188">
               <a:extLst>
                 <a:ext uri="{FF2B5EF4-FFF2-40B4-BE49-F238E27FC236}">
-                  <a16:creationId xmlns:a16="http://schemas.microsoft.com/office/drawing/2014/main" id="{FA3524A1-6DED-4D15-ADE5-F797DBCEC728}"/>
+                  <a16:creationId xmlns:a16="http://schemas.microsoft.com/office/drawing/2014/main" id="{A713CF62-C96C-44E9-8C28-E3F2C6E7C62A}"/>
                 </a:ext>
                 <a:ext uri="{C183D7F6-B498-43B3-948B-1728B52AA6E4}">
                   <adec:decorative xmlns:adec="http://schemas.microsoft.com/office/drawing/2017/decorative" val="1"/>
@@ -7921,10 +7262,10 @@
         </p:cxnSp>
         <p:cxnSp>
           <p:nvCxnSpPr>
-            <p:cNvPr id="24" name="Straight Connector 23">
+            <p:cNvPr id="190" name="Straight Connector 189">
               <a:extLst>
                 <a:ext uri="{FF2B5EF4-FFF2-40B4-BE49-F238E27FC236}">
-                  <a16:creationId xmlns:a16="http://schemas.microsoft.com/office/drawing/2014/main" id="{AA8491CF-856E-4A54-84A5-45C558D41A7B}"/>
+                  <a16:creationId xmlns:a16="http://schemas.microsoft.com/office/drawing/2014/main" id="{2D06558F-07E9-4D78-A6F3-8BCFA9E73407}"/>
                 </a:ext>
                 <a:ext uri="{C183D7F6-B498-43B3-948B-1728B52AA6E4}">
                   <adec:decorative xmlns:adec="http://schemas.microsoft.com/office/drawing/2017/decorative" val="1"/>
@@ -7973,10 +7314,10 @@
         </p:cxnSp>
         <p:cxnSp>
           <p:nvCxnSpPr>
-            <p:cNvPr id="25" name="Straight Connector 24">
+            <p:cNvPr id="191" name="Straight Connector 190">
               <a:extLst>
                 <a:ext uri="{FF2B5EF4-FFF2-40B4-BE49-F238E27FC236}">
-                  <a16:creationId xmlns:a16="http://schemas.microsoft.com/office/drawing/2014/main" id="{AD63A388-BF18-4ABD-96E0-5946B1ABB1D6}"/>
+                  <a16:creationId xmlns:a16="http://schemas.microsoft.com/office/drawing/2014/main" id="{512D8773-83C0-4D51-9E1F-046DA7DA0DF5}"/>
                 </a:ext>
                 <a:ext uri="{C183D7F6-B498-43B3-948B-1728B52AA6E4}">
                   <adec:decorative xmlns:adec="http://schemas.microsoft.com/office/drawing/2017/decorative" val="1"/>
@@ -8025,10 +7366,10 @@
         </p:cxnSp>
         <p:cxnSp>
           <p:nvCxnSpPr>
-            <p:cNvPr id="26" name="Straight Connector 25">
+            <p:cNvPr id="192" name="Straight Connector 191">
               <a:extLst>
                 <a:ext uri="{FF2B5EF4-FFF2-40B4-BE49-F238E27FC236}">
-                  <a16:creationId xmlns:a16="http://schemas.microsoft.com/office/drawing/2014/main" id="{9CF6D779-BD20-4058-AC29-AF4E2510C2C2}"/>
+                  <a16:creationId xmlns:a16="http://schemas.microsoft.com/office/drawing/2014/main" id="{5880C3FB-3E2E-4054-A6D1-38176D6E2E00}"/>
                 </a:ext>
                 <a:ext uri="{C183D7F6-B498-43B3-948B-1728B52AA6E4}">
                   <adec:decorative xmlns:adec="http://schemas.microsoft.com/office/drawing/2017/decorative" val="1"/>
@@ -8077,10 +7418,10 @@
         </p:cxnSp>
         <p:cxnSp>
           <p:nvCxnSpPr>
-            <p:cNvPr id="27" name="Straight Connector 26">
+            <p:cNvPr id="193" name="Straight Connector 192">
               <a:extLst>
                 <a:ext uri="{FF2B5EF4-FFF2-40B4-BE49-F238E27FC236}">
-                  <a16:creationId xmlns:a16="http://schemas.microsoft.com/office/drawing/2014/main" id="{4189C0F2-FCB0-4636-9B05-F9FCBB2020A6}"/>
+                  <a16:creationId xmlns:a16="http://schemas.microsoft.com/office/drawing/2014/main" id="{8505591A-6112-4B84-8E9E-923E43C4ED61}"/>
                 </a:ext>
                 <a:ext uri="{C183D7F6-B498-43B3-948B-1728B52AA6E4}">
                   <adec:decorative xmlns:adec="http://schemas.microsoft.com/office/drawing/2017/decorative" val="1"/>
@@ -8129,10 +7470,10 @@
         </p:cxnSp>
         <p:cxnSp>
           <p:nvCxnSpPr>
-            <p:cNvPr id="28" name="Straight Connector 27">
+            <p:cNvPr id="194" name="Straight Connector 193">
               <a:extLst>
                 <a:ext uri="{FF2B5EF4-FFF2-40B4-BE49-F238E27FC236}">
-                  <a16:creationId xmlns:a16="http://schemas.microsoft.com/office/drawing/2014/main" id="{E74CB59A-0AC3-4235-A93D-73EE12466967}"/>
+                  <a16:creationId xmlns:a16="http://schemas.microsoft.com/office/drawing/2014/main" id="{54884290-8E39-4425-BB4F-48D955C1F80D}"/>
                 </a:ext>
                 <a:ext uri="{C183D7F6-B498-43B3-948B-1728B52AA6E4}">
                   <adec:decorative xmlns:adec="http://schemas.microsoft.com/office/drawing/2017/decorative" val="1"/>
@@ -8181,10 +7522,10 @@
         </p:cxnSp>
         <p:cxnSp>
           <p:nvCxnSpPr>
-            <p:cNvPr id="29" name="Straight Connector 28">
+            <p:cNvPr id="195" name="Straight Connector 194">
               <a:extLst>
                 <a:ext uri="{FF2B5EF4-FFF2-40B4-BE49-F238E27FC236}">
-                  <a16:creationId xmlns:a16="http://schemas.microsoft.com/office/drawing/2014/main" id="{2B6E97A3-E95A-4D79-A8F8-1945EA2634FB}"/>
+                  <a16:creationId xmlns:a16="http://schemas.microsoft.com/office/drawing/2014/main" id="{00C383A3-6D77-41CE-8121-498BC3BA51FF}"/>
                 </a:ext>
                 <a:ext uri="{C183D7F6-B498-43B3-948B-1728B52AA6E4}">
                   <adec:decorative xmlns:adec="http://schemas.microsoft.com/office/drawing/2017/decorative" val="1"/>
@@ -8233,10 +7574,10 @@
         </p:cxnSp>
         <p:cxnSp>
           <p:nvCxnSpPr>
-            <p:cNvPr id="30" name="Straight Connector 29">
+            <p:cNvPr id="196" name="Straight Connector 195">
               <a:extLst>
                 <a:ext uri="{FF2B5EF4-FFF2-40B4-BE49-F238E27FC236}">
-                  <a16:creationId xmlns:a16="http://schemas.microsoft.com/office/drawing/2014/main" id="{9F4ABF86-0905-4DE8-8F0B-D10D3D6F9C41}"/>
+                  <a16:creationId xmlns:a16="http://schemas.microsoft.com/office/drawing/2014/main" id="{E120A319-4A10-4542-B48C-5FB2714C4AC4}"/>
                 </a:ext>
                 <a:ext uri="{C183D7F6-B498-43B3-948B-1728B52AA6E4}">
                   <adec:decorative xmlns:adec="http://schemas.microsoft.com/office/drawing/2017/decorative" val="1"/>
@@ -8285,10 +7626,10 @@
         </p:cxnSp>
         <p:cxnSp>
           <p:nvCxnSpPr>
-            <p:cNvPr id="31" name="Straight Connector 30">
+            <p:cNvPr id="197" name="Straight Connector 196">
               <a:extLst>
                 <a:ext uri="{FF2B5EF4-FFF2-40B4-BE49-F238E27FC236}">
-                  <a16:creationId xmlns:a16="http://schemas.microsoft.com/office/drawing/2014/main" id="{4FAAFEF7-DFA1-48C7-9E4E-FF7B1453C718}"/>
+                  <a16:creationId xmlns:a16="http://schemas.microsoft.com/office/drawing/2014/main" id="{5B15B038-50ED-419D-B142-C96EE418B5C8}"/>
                 </a:ext>
                 <a:ext uri="{C183D7F6-B498-43B3-948B-1728B52AA6E4}">
                   <adec:decorative xmlns:adec="http://schemas.microsoft.com/office/drawing/2017/decorative" val="1"/>
@@ -8337,10 +7678,10 @@
         </p:cxnSp>
         <p:cxnSp>
           <p:nvCxnSpPr>
-            <p:cNvPr id="32" name="Straight Connector 31">
+            <p:cNvPr id="198" name="Straight Connector 197">
               <a:extLst>
                 <a:ext uri="{FF2B5EF4-FFF2-40B4-BE49-F238E27FC236}">
-                  <a16:creationId xmlns:a16="http://schemas.microsoft.com/office/drawing/2014/main" id="{ED828735-DFD9-4894-8461-77A2FB0C9276}"/>
+                  <a16:creationId xmlns:a16="http://schemas.microsoft.com/office/drawing/2014/main" id="{9BAFF2F4-75B2-4498-8559-BAE80D89B493}"/>
                 </a:ext>
                 <a:ext uri="{C183D7F6-B498-43B3-948B-1728B52AA6E4}">
                   <adec:decorative xmlns:adec="http://schemas.microsoft.com/office/drawing/2017/decorative" val="1"/>
@@ -8389,10 +7730,10 @@
         </p:cxnSp>
         <p:cxnSp>
           <p:nvCxnSpPr>
-            <p:cNvPr id="33" name="Straight Connector 32">
+            <p:cNvPr id="199" name="Straight Connector 198">
               <a:extLst>
                 <a:ext uri="{FF2B5EF4-FFF2-40B4-BE49-F238E27FC236}">
-                  <a16:creationId xmlns:a16="http://schemas.microsoft.com/office/drawing/2014/main" id="{7A6C2585-E93E-489D-8819-FCEE3CFF11C5}"/>
+                  <a16:creationId xmlns:a16="http://schemas.microsoft.com/office/drawing/2014/main" id="{B56AE167-8087-4A4B-B41D-5658EEBA6848}"/>
                 </a:ext>
                 <a:ext uri="{C183D7F6-B498-43B3-948B-1728B52AA6E4}">
                   <adec:decorative xmlns:adec="http://schemas.microsoft.com/office/drawing/2017/decorative" val="1"/>
@@ -8441,10 +7782,10 @@
         </p:cxnSp>
         <p:cxnSp>
           <p:nvCxnSpPr>
-            <p:cNvPr id="34" name="Straight Connector 33">
+            <p:cNvPr id="200" name="Straight Connector 199">
               <a:extLst>
                 <a:ext uri="{FF2B5EF4-FFF2-40B4-BE49-F238E27FC236}">
-                  <a16:creationId xmlns:a16="http://schemas.microsoft.com/office/drawing/2014/main" id="{E57C1F25-FC5C-4082-B4F6-888F8E467EE5}"/>
+                  <a16:creationId xmlns:a16="http://schemas.microsoft.com/office/drawing/2014/main" id="{8D353E8A-CBA6-44F9-9C00-D0AD27C96C5E}"/>
                 </a:ext>
                 <a:ext uri="{C183D7F6-B498-43B3-948B-1728B52AA6E4}">
                   <adec:decorative xmlns:adec="http://schemas.microsoft.com/office/drawing/2017/decorative" val="1"/>
@@ -8493,10 +7834,10 @@
         </p:cxnSp>
         <p:cxnSp>
           <p:nvCxnSpPr>
-            <p:cNvPr id="35" name="Straight Connector 34">
+            <p:cNvPr id="201" name="Straight Connector 200">
               <a:extLst>
                 <a:ext uri="{FF2B5EF4-FFF2-40B4-BE49-F238E27FC236}">
-                  <a16:creationId xmlns:a16="http://schemas.microsoft.com/office/drawing/2014/main" id="{F5DF4BDB-CA1D-4DA1-8D26-6BAEE0A21AE7}"/>
+                  <a16:creationId xmlns:a16="http://schemas.microsoft.com/office/drawing/2014/main" id="{CA2C318A-A79F-4CAD-BA7A-51427BF9ED2B}"/>
                 </a:ext>
                 <a:ext uri="{C183D7F6-B498-43B3-948B-1728B52AA6E4}">
                   <adec:decorative xmlns:adec="http://schemas.microsoft.com/office/drawing/2017/decorative" val="1"/>
@@ -8545,10 +7886,10 @@
         </p:cxnSp>
         <p:cxnSp>
           <p:nvCxnSpPr>
-            <p:cNvPr id="36" name="Straight Connector 35">
+            <p:cNvPr id="202" name="Straight Connector 201">
               <a:extLst>
                 <a:ext uri="{FF2B5EF4-FFF2-40B4-BE49-F238E27FC236}">
-                  <a16:creationId xmlns:a16="http://schemas.microsoft.com/office/drawing/2014/main" id="{3315D2A0-DDA4-4A25-9CC7-7F90CCF0C409}"/>
+                  <a16:creationId xmlns:a16="http://schemas.microsoft.com/office/drawing/2014/main" id="{4F2996E3-5E01-4F22-B23C-7CD0CF72C45A}"/>
                 </a:ext>
                 <a:ext uri="{C183D7F6-B498-43B3-948B-1728B52AA6E4}">
                   <adec:decorative xmlns:adec="http://schemas.microsoft.com/office/drawing/2017/decorative" val="1"/>
@@ -8597,10 +7938,10 @@
         </p:cxnSp>
         <p:cxnSp>
           <p:nvCxnSpPr>
-            <p:cNvPr id="37" name="Straight Connector 36">
+            <p:cNvPr id="203" name="Straight Connector 202">
               <a:extLst>
                 <a:ext uri="{FF2B5EF4-FFF2-40B4-BE49-F238E27FC236}">
-                  <a16:creationId xmlns:a16="http://schemas.microsoft.com/office/drawing/2014/main" id="{75312B72-7E7D-4B0B-960E-7D7C9540EBDC}"/>
+                  <a16:creationId xmlns:a16="http://schemas.microsoft.com/office/drawing/2014/main" id="{760F6BC4-AB51-4DE7-B83C-E71FE4EC8623}"/>
                 </a:ext>
                 <a:ext uri="{C183D7F6-B498-43B3-948B-1728B52AA6E4}">
                   <adec:decorative xmlns:adec="http://schemas.microsoft.com/office/drawing/2017/decorative" val="1"/>
@@ -8649,10 +7990,10 @@
         </p:cxnSp>
         <p:cxnSp>
           <p:nvCxnSpPr>
-            <p:cNvPr id="38" name="Straight Connector 37">
+            <p:cNvPr id="204" name="Straight Connector 203">
               <a:extLst>
                 <a:ext uri="{FF2B5EF4-FFF2-40B4-BE49-F238E27FC236}">
-                  <a16:creationId xmlns:a16="http://schemas.microsoft.com/office/drawing/2014/main" id="{C48B42BB-3C0E-4546-957B-AB593E308C93}"/>
+                  <a16:creationId xmlns:a16="http://schemas.microsoft.com/office/drawing/2014/main" id="{AF65FC1C-93BF-4ACA-BF17-17372DD108DA}"/>
                 </a:ext>
                 <a:ext uri="{C183D7F6-B498-43B3-948B-1728B52AA6E4}">
                   <adec:decorative xmlns:adec="http://schemas.microsoft.com/office/drawing/2017/decorative" val="1"/>
@@ -8701,10 +8042,10 @@
         </p:cxnSp>
         <p:cxnSp>
           <p:nvCxnSpPr>
-            <p:cNvPr id="39" name="Straight Connector 38">
+            <p:cNvPr id="205" name="Straight Connector 204">
               <a:extLst>
                 <a:ext uri="{FF2B5EF4-FFF2-40B4-BE49-F238E27FC236}">
-                  <a16:creationId xmlns:a16="http://schemas.microsoft.com/office/drawing/2014/main" id="{437809D5-5F69-4BC6-A661-44B2A8A68220}"/>
+                  <a16:creationId xmlns:a16="http://schemas.microsoft.com/office/drawing/2014/main" id="{89F9913C-8CCE-4D56-9D2A-0C2D68667696}"/>
                 </a:ext>
                 <a:ext uri="{C183D7F6-B498-43B3-948B-1728B52AA6E4}">
                   <adec:decorative xmlns:adec="http://schemas.microsoft.com/office/drawing/2017/decorative" val="1"/>
@@ -8753,10 +8094,10 @@
         </p:cxnSp>
         <p:cxnSp>
           <p:nvCxnSpPr>
-            <p:cNvPr id="40" name="Straight Connector 39">
+            <p:cNvPr id="206" name="Straight Connector 205">
               <a:extLst>
                 <a:ext uri="{FF2B5EF4-FFF2-40B4-BE49-F238E27FC236}">
-                  <a16:creationId xmlns:a16="http://schemas.microsoft.com/office/drawing/2014/main" id="{B269CB4C-8BB5-4F63-8961-7EB8FE56D44A}"/>
+                  <a16:creationId xmlns:a16="http://schemas.microsoft.com/office/drawing/2014/main" id="{40EDD18C-1AAD-48E5-AAAD-73F4B5643C3A}"/>
                 </a:ext>
                 <a:ext uri="{C183D7F6-B498-43B3-948B-1728B52AA6E4}">
                   <adec:decorative xmlns:adec="http://schemas.microsoft.com/office/drawing/2017/decorative" val="1"/>
@@ -8805,10 +8146,10 @@
         </p:cxnSp>
         <p:cxnSp>
           <p:nvCxnSpPr>
-            <p:cNvPr id="41" name="Straight Connector 40">
+            <p:cNvPr id="207" name="Straight Connector 206">
               <a:extLst>
                 <a:ext uri="{FF2B5EF4-FFF2-40B4-BE49-F238E27FC236}">
-                  <a16:creationId xmlns:a16="http://schemas.microsoft.com/office/drawing/2014/main" id="{D5E7B60C-3F52-49EA-99F5-BE42AF88DD33}"/>
+                  <a16:creationId xmlns:a16="http://schemas.microsoft.com/office/drawing/2014/main" id="{22D7A5C4-18C8-43E9-A50A-F87A362C8526}"/>
                 </a:ext>
                 <a:ext uri="{C183D7F6-B498-43B3-948B-1728B52AA6E4}">
                   <adec:decorative xmlns:adec="http://schemas.microsoft.com/office/drawing/2017/decorative" val="1"/>
@@ -8857,10 +8198,10 @@
         </p:cxnSp>
         <p:cxnSp>
           <p:nvCxnSpPr>
-            <p:cNvPr id="42" name="Straight Connector 41">
+            <p:cNvPr id="208" name="Straight Connector 207">
               <a:extLst>
                 <a:ext uri="{FF2B5EF4-FFF2-40B4-BE49-F238E27FC236}">
-                  <a16:creationId xmlns:a16="http://schemas.microsoft.com/office/drawing/2014/main" id="{1C5E885C-0F0D-4E11-8B78-4CE951E26921}"/>
+                  <a16:creationId xmlns:a16="http://schemas.microsoft.com/office/drawing/2014/main" id="{3A0C484E-A224-4DB0-8C34-89BE54BD12F3}"/>
                 </a:ext>
                 <a:ext uri="{C183D7F6-B498-43B3-948B-1728B52AA6E4}">
                   <adec:decorative xmlns:adec="http://schemas.microsoft.com/office/drawing/2017/decorative" val="1"/>
@@ -8909,10 +8250,10 @@
         </p:cxnSp>
         <p:cxnSp>
           <p:nvCxnSpPr>
-            <p:cNvPr id="43" name="Straight Connector 42">
+            <p:cNvPr id="209" name="Straight Connector 208">
               <a:extLst>
                 <a:ext uri="{FF2B5EF4-FFF2-40B4-BE49-F238E27FC236}">
-                  <a16:creationId xmlns:a16="http://schemas.microsoft.com/office/drawing/2014/main" id="{4BFA6E20-F564-4CA4-9150-FDD50B02CD24}"/>
+                  <a16:creationId xmlns:a16="http://schemas.microsoft.com/office/drawing/2014/main" id="{79BB438E-A25F-4A7F-B209-8899B7CEC42F}"/>
                 </a:ext>
                 <a:ext uri="{C183D7F6-B498-43B3-948B-1728B52AA6E4}">
                   <adec:decorative xmlns:adec="http://schemas.microsoft.com/office/drawing/2017/decorative" val="1"/>
@@ -8961,10 +8302,10 @@
         </p:cxnSp>
         <p:cxnSp>
           <p:nvCxnSpPr>
-            <p:cNvPr id="44" name="Straight Connector 43">
+            <p:cNvPr id="210" name="Straight Connector 209">
               <a:extLst>
                 <a:ext uri="{FF2B5EF4-FFF2-40B4-BE49-F238E27FC236}">
-                  <a16:creationId xmlns:a16="http://schemas.microsoft.com/office/drawing/2014/main" id="{C3C02C6B-B913-486F-ACAE-432DE1F7704D}"/>
+                  <a16:creationId xmlns:a16="http://schemas.microsoft.com/office/drawing/2014/main" id="{7F8BA6DC-B1E9-4F32-A5CC-8F61976B697F}"/>
                 </a:ext>
                 <a:ext uri="{C183D7F6-B498-43B3-948B-1728B52AA6E4}">
                   <adec:decorative xmlns:adec="http://schemas.microsoft.com/office/drawing/2017/decorative" val="1"/>
@@ -9013,10 +8354,10 @@
         </p:cxnSp>
         <p:cxnSp>
           <p:nvCxnSpPr>
-            <p:cNvPr id="45" name="Straight Connector 44">
+            <p:cNvPr id="211" name="Straight Connector 210">
               <a:extLst>
                 <a:ext uri="{FF2B5EF4-FFF2-40B4-BE49-F238E27FC236}">
-                  <a16:creationId xmlns:a16="http://schemas.microsoft.com/office/drawing/2014/main" id="{B6B5EE64-D401-45A4-82D4-85D4BF5C8EC6}"/>
+                  <a16:creationId xmlns:a16="http://schemas.microsoft.com/office/drawing/2014/main" id="{CF6D95B2-1C8D-4156-AB05-523619B4FCD7}"/>
                 </a:ext>
                 <a:ext uri="{C183D7F6-B498-43B3-948B-1728B52AA6E4}">
                   <adec:decorative xmlns:adec="http://schemas.microsoft.com/office/drawing/2017/decorative" val="1"/>
@@ -9065,10 +8406,10 @@
         </p:cxnSp>
         <p:cxnSp>
           <p:nvCxnSpPr>
-            <p:cNvPr id="46" name="Straight Connector 45">
+            <p:cNvPr id="212" name="Straight Connector 211">
               <a:extLst>
                 <a:ext uri="{FF2B5EF4-FFF2-40B4-BE49-F238E27FC236}">
-                  <a16:creationId xmlns:a16="http://schemas.microsoft.com/office/drawing/2014/main" id="{5F622D05-678C-405E-A74F-8D92A9C64438}"/>
+                  <a16:creationId xmlns:a16="http://schemas.microsoft.com/office/drawing/2014/main" id="{288409AD-A77F-4304-9E8B-08A4891C7074}"/>
                 </a:ext>
                 <a:ext uri="{C183D7F6-B498-43B3-948B-1728B52AA6E4}">
                   <adec:decorative xmlns:adec="http://schemas.microsoft.com/office/drawing/2017/decorative" val="1"/>
@@ -9117,10 +8458,10 @@
         </p:cxnSp>
         <p:cxnSp>
           <p:nvCxnSpPr>
-            <p:cNvPr id="47" name="Straight Connector 46">
+            <p:cNvPr id="213" name="Straight Connector 212">
               <a:extLst>
                 <a:ext uri="{FF2B5EF4-FFF2-40B4-BE49-F238E27FC236}">
-                  <a16:creationId xmlns:a16="http://schemas.microsoft.com/office/drawing/2014/main" id="{D8E01EF1-6517-49CC-9891-1BD6D0F49D00}"/>
+                  <a16:creationId xmlns:a16="http://schemas.microsoft.com/office/drawing/2014/main" id="{862AD08A-B385-4D18-B948-8D53B3918486}"/>
                 </a:ext>
                 <a:ext uri="{C183D7F6-B498-43B3-948B-1728B52AA6E4}">
                   <adec:decorative xmlns:adec="http://schemas.microsoft.com/office/drawing/2017/decorative" val="1"/>
@@ -9169,10 +8510,10 @@
         </p:cxnSp>
         <p:cxnSp>
           <p:nvCxnSpPr>
-            <p:cNvPr id="48" name="Straight Connector 47">
+            <p:cNvPr id="214" name="Straight Connector 213">
               <a:extLst>
                 <a:ext uri="{FF2B5EF4-FFF2-40B4-BE49-F238E27FC236}">
-                  <a16:creationId xmlns:a16="http://schemas.microsoft.com/office/drawing/2014/main" id="{EC93E79A-63A6-4782-9D2C-BC50CD3B9444}"/>
+                  <a16:creationId xmlns:a16="http://schemas.microsoft.com/office/drawing/2014/main" id="{E32A413E-FF1A-46B1-BF8B-3C1C408B3440}"/>
                 </a:ext>
                 <a:ext uri="{C183D7F6-B498-43B3-948B-1728B52AA6E4}">
                   <adec:decorative xmlns:adec="http://schemas.microsoft.com/office/drawing/2017/decorative" val="1"/>
@@ -9221,10 +8562,10 @@
         </p:cxnSp>
         <p:cxnSp>
           <p:nvCxnSpPr>
-            <p:cNvPr id="49" name="Straight Connector 48">
+            <p:cNvPr id="215" name="Straight Connector 214">
               <a:extLst>
                 <a:ext uri="{FF2B5EF4-FFF2-40B4-BE49-F238E27FC236}">
-                  <a16:creationId xmlns:a16="http://schemas.microsoft.com/office/drawing/2014/main" id="{46C4B4DB-9B57-4C69-96EB-3E1910CEF40A}"/>
+                  <a16:creationId xmlns:a16="http://schemas.microsoft.com/office/drawing/2014/main" id="{3CFF4E44-2BEB-4FAE-97C9-BC6E8296D111}"/>
                 </a:ext>
                 <a:ext uri="{C183D7F6-B498-43B3-948B-1728B52AA6E4}">
                   <adec:decorative xmlns:adec="http://schemas.microsoft.com/office/drawing/2017/decorative" val="1"/>
@@ -9273,10 +8614,10 @@
         </p:cxnSp>
         <p:cxnSp>
           <p:nvCxnSpPr>
-            <p:cNvPr id="50" name="Straight Connector 49">
+            <p:cNvPr id="216" name="Straight Connector 215">
               <a:extLst>
                 <a:ext uri="{FF2B5EF4-FFF2-40B4-BE49-F238E27FC236}">
-                  <a16:creationId xmlns:a16="http://schemas.microsoft.com/office/drawing/2014/main" id="{9BBDCDA7-4ECB-42B1-8524-3D30023D6B68}"/>
+                  <a16:creationId xmlns:a16="http://schemas.microsoft.com/office/drawing/2014/main" id="{F0486C0A-9B93-46B8-932F-876BE26CEFE1}"/>
                 </a:ext>
                 <a:ext uri="{C183D7F6-B498-43B3-948B-1728B52AA6E4}">
                   <adec:decorative xmlns:adec="http://schemas.microsoft.com/office/drawing/2017/decorative" val="1"/>
@@ -9325,10 +8666,10 @@
         </p:cxnSp>
         <p:cxnSp>
           <p:nvCxnSpPr>
-            <p:cNvPr id="51" name="Straight Connector 50">
+            <p:cNvPr id="217" name="Straight Connector 216">
               <a:extLst>
                 <a:ext uri="{FF2B5EF4-FFF2-40B4-BE49-F238E27FC236}">
-                  <a16:creationId xmlns:a16="http://schemas.microsoft.com/office/drawing/2014/main" id="{C7483057-DCDA-4BC6-8E99-7EAD94E8786A}"/>
+                  <a16:creationId xmlns:a16="http://schemas.microsoft.com/office/drawing/2014/main" id="{1429BF5D-8D5B-4A48-89EE-8B779826EEC6}"/>
                 </a:ext>
                 <a:ext uri="{C183D7F6-B498-43B3-948B-1728B52AA6E4}">
                   <adec:decorative xmlns:adec="http://schemas.microsoft.com/office/drawing/2017/decorative" val="1"/>
@@ -9377,10 +8718,10 @@
         </p:cxnSp>
         <p:cxnSp>
           <p:nvCxnSpPr>
-            <p:cNvPr id="52" name="Straight Connector 51">
+            <p:cNvPr id="218" name="Straight Connector 217">
               <a:extLst>
                 <a:ext uri="{FF2B5EF4-FFF2-40B4-BE49-F238E27FC236}">
-                  <a16:creationId xmlns:a16="http://schemas.microsoft.com/office/drawing/2014/main" id="{E5C35A56-0BFD-443F-8C2B-CA73A3BFE9E5}"/>
+                  <a16:creationId xmlns:a16="http://schemas.microsoft.com/office/drawing/2014/main" id="{CDC996EE-5EB1-4943-A1E8-70810CBD67FC}"/>
                 </a:ext>
                 <a:ext uri="{C183D7F6-B498-43B3-948B-1728B52AA6E4}">
                   <adec:decorative xmlns:adec="http://schemas.microsoft.com/office/drawing/2017/decorative" val="1"/>
@@ -9429,10 +8770,10 @@
         </p:cxnSp>
         <p:cxnSp>
           <p:nvCxnSpPr>
-            <p:cNvPr id="53" name="Straight Connector 52">
+            <p:cNvPr id="219" name="Straight Connector 218">
               <a:extLst>
                 <a:ext uri="{FF2B5EF4-FFF2-40B4-BE49-F238E27FC236}">
-                  <a16:creationId xmlns:a16="http://schemas.microsoft.com/office/drawing/2014/main" id="{214A0AE5-3A88-4D5D-845C-5E906888C81F}"/>
+                  <a16:creationId xmlns:a16="http://schemas.microsoft.com/office/drawing/2014/main" id="{32F833C8-E3CE-4399-B78B-9DD0EEA64C6C}"/>
                 </a:ext>
                 <a:ext uri="{C183D7F6-B498-43B3-948B-1728B52AA6E4}">
                   <adec:decorative xmlns:adec="http://schemas.microsoft.com/office/drawing/2017/decorative" val="1"/>
@@ -9481,10 +8822,10 @@
         </p:cxnSp>
         <p:cxnSp>
           <p:nvCxnSpPr>
-            <p:cNvPr id="54" name="Straight Connector 53">
+            <p:cNvPr id="220" name="Straight Connector 219">
               <a:extLst>
                 <a:ext uri="{FF2B5EF4-FFF2-40B4-BE49-F238E27FC236}">
-                  <a16:creationId xmlns:a16="http://schemas.microsoft.com/office/drawing/2014/main" id="{44D7BF13-EDB8-4740-A3C5-87E2E7C67669}"/>
+                  <a16:creationId xmlns:a16="http://schemas.microsoft.com/office/drawing/2014/main" id="{07C92DB2-78F1-4872-B9C7-C658A78869C3}"/>
                 </a:ext>
                 <a:ext uri="{C183D7F6-B498-43B3-948B-1728B52AA6E4}">
                   <adec:decorative xmlns:adec="http://schemas.microsoft.com/office/drawing/2017/decorative" val="1"/>
@@ -9533,10 +8874,10 @@
         </p:cxnSp>
         <p:cxnSp>
           <p:nvCxnSpPr>
-            <p:cNvPr id="55" name="Straight Connector 54">
+            <p:cNvPr id="221" name="Straight Connector 220">
               <a:extLst>
                 <a:ext uri="{FF2B5EF4-FFF2-40B4-BE49-F238E27FC236}">
-                  <a16:creationId xmlns:a16="http://schemas.microsoft.com/office/drawing/2014/main" id="{16DAB64F-4B49-434F-BFB6-0BEB41AFB610}"/>
+                  <a16:creationId xmlns:a16="http://schemas.microsoft.com/office/drawing/2014/main" id="{1F8A2FAA-05E1-448E-A606-FA9D67036C2D}"/>
                 </a:ext>
                 <a:ext uri="{C183D7F6-B498-43B3-948B-1728B52AA6E4}">
                   <adec:decorative xmlns:adec="http://schemas.microsoft.com/office/drawing/2017/decorative" val="1"/>
@@ -9585,10 +8926,10 @@
         </p:cxnSp>
         <p:cxnSp>
           <p:nvCxnSpPr>
-            <p:cNvPr id="56" name="Straight Connector 55">
+            <p:cNvPr id="222" name="Straight Connector 221">
               <a:extLst>
                 <a:ext uri="{FF2B5EF4-FFF2-40B4-BE49-F238E27FC236}">
-                  <a16:creationId xmlns:a16="http://schemas.microsoft.com/office/drawing/2014/main" id="{93B5AD9A-BDA6-42CE-A1C0-C07210307227}"/>
+                  <a16:creationId xmlns:a16="http://schemas.microsoft.com/office/drawing/2014/main" id="{E5AAB5D1-1672-4825-88A7-D93923475E27}"/>
                 </a:ext>
                 <a:ext uri="{C183D7F6-B498-43B3-948B-1728B52AA6E4}">
                   <adec:decorative xmlns:adec="http://schemas.microsoft.com/office/drawing/2017/decorative" val="1"/>
@@ -9637,10 +8978,10 @@
         </p:cxnSp>
         <p:cxnSp>
           <p:nvCxnSpPr>
-            <p:cNvPr id="57" name="Straight Connector 56">
+            <p:cNvPr id="223" name="Straight Connector 222">
               <a:extLst>
                 <a:ext uri="{FF2B5EF4-FFF2-40B4-BE49-F238E27FC236}">
-                  <a16:creationId xmlns:a16="http://schemas.microsoft.com/office/drawing/2014/main" id="{5FD67DCC-475F-4BED-A634-FCDD63176BB5}"/>
+                  <a16:creationId xmlns:a16="http://schemas.microsoft.com/office/drawing/2014/main" id="{02CAAFDB-2BA2-4D04-8B8B-1241D5EC097B}"/>
                 </a:ext>
                 <a:ext uri="{C183D7F6-B498-43B3-948B-1728B52AA6E4}">
                   <adec:decorative xmlns:adec="http://schemas.microsoft.com/office/drawing/2017/decorative" val="1"/>
@@ -9689,10 +9030,10 @@
         </p:cxnSp>
         <p:cxnSp>
           <p:nvCxnSpPr>
-            <p:cNvPr id="58" name="Straight Connector 57">
+            <p:cNvPr id="224" name="Straight Connector 223">
               <a:extLst>
                 <a:ext uri="{FF2B5EF4-FFF2-40B4-BE49-F238E27FC236}">
-                  <a16:creationId xmlns:a16="http://schemas.microsoft.com/office/drawing/2014/main" id="{ED276E23-C86D-408D-821A-1E9A44CAEAFC}"/>
+                  <a16:creationId xmlns:a16="http://schemas.microsoft.com/office/drawing/2014/main" id="{4C381B3C-0009-451B-BCB3-48F7810C1BAC}"/>
                 </a:ext>
                 <a:ext uri="{C183D7F6-B498-43B3-948B-1728B52AA6E4}">
                   <adec:decorative xmlns:adec="http://schemas.microsoft.com/office/drawing/2017/decorative" val="1"/>
@@ -9741,10 +9082,10 @@
         </p:cxnSp>
         <p:cxnSp>
           <p:nvCxnSpPr>
-            <p:cNvPr id="59" name="Straight Connector 58">
+            <p:cNvPr id="225" name="Straight Connector 224">
               <a:extLst>
                 <a:ext uri="{FF2B5EF4-FFF2-40B4-BE49-F238E27FC236}">
-                  <a16:creationId xmlns:a16="http://schemas.microsoft.com/office/drawing/2014/main" id="{A879A029-D911-41C4-B218-E41871762F3A}"/>
+                  <a16:creationId xmlns:a16="http://schemas.microsoft.com/office/drawing/2014/main" id="{2A10544C-1EAD-47FB-A17E-52C622282632}"/>
                 </a:ext>
                 <a:ext uri="{C183D7F6-B498-43B3-948B-1728B52AA6E4}">
                   <adec:decorative xmlns:adec="http://schemas.microsoft.com/office/drawing/2017/decorative" val="1"/>
@@ -9793,10 +9134,10 @@
         </p:cxnSp>
         <p:cxnSp>
           <p:nvCxnSpPr>
-            <p:cNvPr id="60" name="Straight Connector 59">
+            <p:cNvPr id="226" name="Straight Connector 225">
               <a:extLst>
                 <a:ext uri="{FF2B5EF4-FFF2-40B4-BE49-F238E27FC236}">
-                  <a16:creationId xmlns:a16="http://schemas.microsoft.com/office/drawing/2014/main" id="{E9C7C9F5-65FB-4EF9-9AAD-F7E1FC14B84B}"/>
+                  <a16:creationId xmlns:a16="http://schemas.microsoft.com/office/drawing/2014/main" id="{A2540B37-D854-4525-93F8-410685438FEC}"/>
                 </a:ext>
                 <a:ext uri="{C183D7F6-B498-43B3-948B-1728B52AA6E4}">
                   <adec:decorative xmlns:adec="http://schemas.microsoft.com/office/drawing/2017/decorative" val="1"/>
@@ -9845,10 +9186,10 @@
         </p:cxnSp>
         <p:cxnSp>
           <p:nvCxnSpPr>
-            <p:cNvPr id="61" name="Straight Connector 60">
+            <p:cNvPr id="227" name="Straight Connector 226">
               <a:extLst>
                 <a:ext uri="{FF2B5EF4-FFF2-40B4-BE49-F238E27FC236}">
-                  <a16:creationId xmlns:a16="http://schemas.microsoft.com/office/drawing/2014/main" id="{6115B885-5742-431C-BA48-96FC1F6D2280}"/>
+                  <a16:creationId xmlns:a16="http://schemas.microsoft.com/office/drawing/2014/main" id="{7450DFE8-D07F-435C-B5A2-47D126FD9F8D}"/>
                 </a:ext>
                 <a:ext uri="{C183D7F6-B498-43B3-948B-1728B52AA6E4}">
                   <adec:decorative xmlns:adec="http://schemas.microsoft.com/office/drawing/2017/decorative" val="1"/>
@@ -9897,10 +9238,10 @@
         </p:cxnSp>
         <p:cxnSp>
           <p:nvCxnSpPr>
-            <p:cNvPr id="62" name="Straight Connector 61">
+            <p:cNvPr id="228" name="Straight Connector 227">
               <a:extLst>
                 <a:ext uri="{FF2B5EF4-FFF2-40B4-BE49-F238E27FC236}">
-                  <a16:creationId xmlns:a16="http://schemas.microsoft.com/office/drawing/2014/main" id="{6ACE37A6-0062-4B86-B4E6-18088040CDC9}"/>
+                  <a16:creationId xmlns:a16="http://schemas.microsoft.com/office/drawing/2014/main" id="{6C1A6513-2D5D-458C-B841-D5DD9844B845}"/>
                 </a:ext>
                 <a:ext uri="{C183D7F6-B498-43B3-948B-1728B52AA6E4}">
                   <adec:decorative xmlns:adec="http://schemas.microsoft.com/office/drawing/2017/decorative" val="1"/>
@@ -9949,10 +9290,10 @@
         </p:cxnSp>
         <p:cxnSp>
           <p:nvCxnSpPr>
-            <p:cNvPr id="63" name="Straight Connector 62">
+            <p:cNvPr id="229" name="Straight Connector 228">
               <a:extLst>
                 <a:ext uri="{FF2B5EF4-FFF2-40B4-BE49-F238E27FC236}">
-                  <a16:creationId xmlns:a16="http://schemas.microsoft.com/office/drawing/2014/main" id="{0A8679B4-56BA-43AB-A0A2-E2DA3E205303}"/>
+                  <a16:creationId xmlns:a16="http://schemas.microsoft.com/office/drawing/2014/main" id="{9931CF18-850E-41CD-823E-D311BD5CCE1C}"/>
                 </a:ext>
                 <a:ext uri="{C183D7F6-B498-43B3-948B-1728B52AA6E4}">
                   <adec:decorative xmlns:adec="http://schemas.microsoft.com/office/drawing/2017/decorative" val="1"/>
@@ -10001,10 +9342,10 @@
         </p:cxnSp>
         <p:cxnSp>
           <p:nvCxnSpPr>
-            <p:cNvPr id="64" name="Straight Connector 63">
+            <p:cNvPr id="230" name="Straight Connector 229">
               <a:extLst>
                 <a:ext uri="{FF2B5EF4-FFF2-40B4-BE49-F238E27FC236}">
-                  <a16:creationId xmlns:a16="http://schemas.microsoft.com/office/drawing/2014/main" id="{80DE24D2-627B-4C47-A858-A572BCDBACF6}"/>
+                  <a16:creationId xmlns:a16="http://schemas.microsoft.com/office/drawing/2014/main" id="{44497A09-1B1C-4EB6-B728-6FC3A1C125FB}"/>
                 </a:ext>
                 <a:ext uri="{C183D7F6-B498-43B3-948B-1728B52AA6E4}">
                   <adec:decorative xmlns:adec="http://schemas.microsoft.com/office/drawing/2017/decorative" val="1"/>
@@ -10053,10 +9394,10 @@
         </p:cxnSp>
         <p:cxnSp>
           <p:nvCxnSpPr>
-            <p:cNvPr id="65" name="Straight Connector 64">
+            <p:cNvPr id="231" name="Straight Connector 230">
               <a:extLst>
                 <a:ext uri="{FF2B5EF4-FFF2-40B4-BE49-F238E27FC236}">
-                  <a16:creationId xmlns:a16="http://schemas.microsoft.com/office/drawing/2014/main" id="{B612A33E-5DE0-4E4D-9469-0BD0B3E0E72E}"/>
+                  <a16:creationId xmlns:a16="http://schemas.microsoft.com/office/drawing/2014/main" id="{FA60DE04-F3E8-437E-A2E4-A8A7BA01CB3A}"/>
                 </a:ext>
                 <a:ext uri="{C183D7F6-B498-43B3-948B-1728B52AA6E4}">
                   <adec:decorative xmlns:adec="http://schemas.microsoft.com/office/drawing/2017/decorative" val="1"/>
@@ -10105,10 +9446,10 @@
         </p:cxnSp>
         <p:cxnSp>
           <p:nvCxnSpPr>
-            <p:cNvPr id="66" name="Straight Connector 65">
+            <p:cNvPr id="232" name="Straight Connector 231">
               <a:extLst>
                 <a:ext uri="{FF2B5EF4-FFF2-40B4-BE49-F238E27FC236}">
-                  <a16:creationId xmlns:a16="http://schemas.microsoft.com/office/drawing/2014/main" id="{91673515-5E42-490F-85A0-45658D81C6CA}"/>
+                  <a16:creationId xmlns:a16="http://schemas.microsoft.com/office/drawing/2014/main" id="{CDBBA541-852C-4AE6-82E8-6BD13AFB4FF2}"/>
                 </a:ext>
                 <a:ext uri="{C183D7F6-B498-43B3-948B-1728B52AA6E4}">
                   <adec:decorative xmlns:adec="http://schemas.microsoft.com/office/drawing/2017/decorative" val="1"/>
@@ -10157,10 +9498,10 @@
         </p:cxnSp>
         <p:cxnSp>
           <p:nvCxnSpPr>
-            <p:cNvPr id="67" name="Straight Connector 66">
+            <p:cNvPr id="233" name="Straight Connector 232">
               <a:extLst>
                 <a:ext uri="{FF2B5EF4-FFF2-40B4-BE49-F238E27FC236}">
-                  <a16:creationId xmlns:a16="http://schemas.microsoft.com/office/drawing/2014/main" id="{6B048C17-3768-4DAF-A7AE-B2E717497021}"/>
+                  <a16:creationId xmlns:a16="http://schemas.microsoft.com/office/drawing/2014/main" id="{2FC3362F-AD7E-45D7-BE85-7C8DD81347C4}"/>
                 </a:ext>
                 <a:ext uri="{C183D7F6-B498-43B3-948B-1728B52AA6E4}">
                   <adec:decorative xmlns:adec="http://schemas.microsoft.com/office/drawing/2017/decorative" val="1"/>
@@ -10209,10 +9550,10 @@
         </p:cxnSp>
         <p:cxnSp>
           <p:nvCxnSpPr>
-            <p:cNvPr id="68" name="Straight Connector 67">
+            <p:cNvPr id="234" name="Straight Connector 233">
               <a:extLst>
                 <a:ext uri="{FF2B5EF4-FFF2-40B4-BE49-F238E27FC236}">
-                  <a16:creationId xmlns:a16="http://schemas.microsoft.com/office/drawing/2014/main" id="{BAA4E6AA-9D65-4EED-91CB-87A5762ED0A4}"/>
+                  <a16:creationId xmlns:a16="http://schemas.microsoft.com/office/drawing/2014/main" id="{FCD83E0F-C8AF-4D52-94DB-CD949A2B165D}"/>
                 </a:ext>
                 <a:ext uri="{C183D7F6-B498-43B3-948B-1728B52AA6E4}">
                   <adec:decorative xmlns:adec="http://schemas.microsoft.com/office/drawing/2017/decorative" val="1"/>
@@ -10261,10 +9602,10 @@
         </p:cxnSp>
         <p:cxnSp>
           <p:nvCxnSpPr>
-            <p:cNvPr id="69" name="Straight Connector 68">
+            <p:cNvPr id="235" name="Straight Connector 234">
               <a:extLst>
                 <a:ext uri="{FF2B5EF4-FFF2-40B4-BE49-F238E27FC236}">
-                  <a16:creationId xmlns:a16="http://schemas.microsoft.com/office/drawing/2014/main" id="{DB48B9EB-BBF2-48D7-A1D7-720D94506BF3}"/>
+                  <a16:creationId xmlns:a16="http://schemas.microsoft.com/office/drawing/2014/main" id="{60D5F865-890F-483F-B407-516CE6D22224}"/>
                 </a:ext>
                 <a:ext uri="{C183D7F6-B498-43B3-948B-1728B52AA6E4}">
                   <adec:decorative xmlns:adec="http://schemas.microsoft.com/office/drawing/2017/decorative" val="1"/>
@@ -10313,10 +9654,10 @@
         </p:cxnSp>
         <p:cxnSp>
           <p:nvCxnSpPr>
-            <p:cNvPr id="70" name="Straight Connector 69">
+            <p:cNvPr id="236" name="Straight Connector 235">
               <a:extLst>
                 <a:ext uri="{FF2B5EF4-FFF2-40B4-BE49-F238E27FC236}">
-                  <a16:creationId xmlns:a16="http://schemas.microsoft.com/office/drawing/2014/main" id="{21492B79-7338-4309-8667-BB29A7BC7B07}"/>
+                  <a16:creationId xmlns:a16="http://schemas.microsoft.com/office/drawing/2014/main" id="{DE6A2505-E617-4419-AB05-10B779B5C23D}"/>
                 </a:ext>
                 <a:ext uri="{C183D7F6-B498-43B3-948B-1728B52AA6E4}">
                   <adec:decorative xmlns:adec="http://schemas.microsoft.com/office/drawing/2017/decorative" val="1"/>
@@ -10365,10 +9706,10 @@
         </p:cxnSp>
         <p:cxnSp>
           <p:nvCxnSpPr>
-            <p:cNvPr id="71" name="Straight Connector 70">
+            <p:cNvPr id="237" name="Straight Connector 236">
               <a:extLst>
                 <a:ext uri="{FF2B5EF4-FFF2-40B4-BE49-F238E27FC236}">
-                  <a16:creationId xmlns:a16="http://schemas.microsoft.com/office/drawing/2014/main" id="{0352FD87-EC9C-4EB5-9ACC-A152F78FC815}"/>
+                  <a16:creationId xmlns:a16="http://schemas.microsoft.com/office/drawing/2014/main" id="{BDFF0D66-52FC-4F64-B67F-72D9EFEED15D}"/>
                 </a:ext>
                 <a:ext uri="{C183D7F6-B498-43B3-948B-1728B52AA6E4}">
                   <adec:decorative xmlns:adec="http://schemas.microsoft.com/office/drawing/2017/decorative" val="1"/>
@@ -10417,10 +9758,10 @@
         </p:cxnSp>
         <p:cxnSp>
           <p:nvCxnSpPr>
-            <p:cNvPr id="72" name="Straight Connector 71">
+            <p:cNvPr id="238" name="Straight Connector 237">
               <a:extLst>
                 <a:ext uri="{FF2B5EF4-FFF2-40B4-BE49-F238E27FC236}">
-                  <a16:creationId xmlns:a16="http://schemas.microsoft.com/office/drawing/2014/main" id="{FF2CEA1F-EFA8-4353-B5F8-CCE27955A123}"/>
+                  <a16:creationId xmlns:a16="http://schemas.microsoft.com/office/drawing/2014/main" id="{DCC72040-7945-4051-989C-2B728F6D5041}"/>
                 </a:ext>
                 <a:ext uri="{C183D7F6-B498-43B3-948B-1728B52AA6E4}">
                   <adec:decorative xmlns:adec="http://schemas.microsoft.com/office/drawing/2017/decorative" val="1"/>
@@ -10469,10 +9810,10 @@
         </p:cxnSp>
         <p:cxnSp>
           <p:nvCxnSpPr>
-            <p:cNvPr id="73" name="Straight Connector 72">
+            <p:cNvPr id="239" name="Straight Connector 238">
               <a:extLst>
                 <a:ext uri="{FF2B5EF4-FFF2-40B4-BE49-F238E27FC236}">
-                  <a16:creationId xmlns:a16="http://schemas.microsoft.com/office/drawing/2014/main" id="{63E2723F-2530-4636-9A19-8F11B156628C}"/>
+                  <a16:creationId xmlns:a16="http://schemas.microsoft.com/office/drawing/2014/main" id="{96EB6302-2333-45D4-AE20-B0F6D45CC13E}"/>
                 </a:ext>
                 <a:ext uri="{C183D7F6-B498-43B3-948B-1728B52AA6E4}">
                   <adec:decorative xmlns:adec="http://schemas.microsoft.com/office/drawing/2017/decorative" val="1"/>
@@ -10521,10 +9862,10 @@
         </p:cxnSp>
         <p:cxnSp>
           <p:nvCxnSpPr>
-            <p:cNvPr id="74" name="Straight Connector 73">
+            <p:cNvPr id="240" name="Straight Connector 239">
               <a:extLst>
                 <a:ext uri="{FF2B5EF4-FFF2-40B4-BE49-F238E27FC236}">
-                  <a16:creationId xmlns:a16="http://schemas.microsoft.com/office/drawing/2014/main" id="{4A9EE901-51C9-4292-BB45-5EDB8568A000}"/>
+                  <a16:creationId xmlns:a16="http://schemas.microsoft.com/office/drawing/2014/main" id="{EECC1105-D16E-411D-B4B7-80BF039BF977}"/>
                 </a:ext>
                 <a:ext uri="{C183D7F6-B498-43B3-948B-1728B52AA6E4}">
                   <adec:decorative xmlns:adec="http://schemas.microsoft.com/office/drawing/2017/decorative" val="1"/>
@@ -10573,10 +9914,10 @@
         </p:cxnSp>
         <p:cxnSp>
           <p:nvCxnSpPr>
-            <p:cNvPr id="75" name="Straight Connector 74">
+            <p:cNvPr id="241" name="Straight Connector 240">
               <a:extLst>
                 <a:ext uri="{FF2B5EF4-FFF2-40B4-BE49-F238E27FC236}">
-                  <a16:creationId xmlns:a16="http://schemas.microsoft.com/office/drawing/2014/main" id="{555407C2-7321-48CD-811F-92C71F701C28}"/>
+                  <a16:creationId xmlns:a16="http://schemas.microsoft.com/office/drawing/2014/main" id="{C7D2F518-4540-44DE-BC62-7D598EC99BBC}"/>
                 </a:ext>
                 <a:ext uri="{C183D7F6-B498-43B3-948B-1728B52AA6E4}">
                   <adec:decorative xmlns:adec="http://schemas.microsoft.com/office/drawing/2017/decorative" val="1"/>
@@ -10625,10 +9966,10 @@
         </p:cxnSp>
         <p:cxnSp>
           <p:nvCxnSpPr>
-            <p:cNvPr id="76" name="Straight Connector 75">
+            <p:cNvPr id="242" name="Straight Connector 241">
               <a:extLst>
                 <a:ext uri="{FF2B5EF4-FFF2-40B4-BE49-F238E27FC236}">
-                  <a16:creationId xmlns:a16="http://schemas.microsoft.com/office/drawing/2014/main" id="{E5298A8A-2787-4153-BDA2-E939BFD51412}"/>
+                  <a16:creationId xmlns:a16="http://schemas.microsoft.com/office/drawing/2014/main" id="{F19566BC-880A-4113-A9C4-0017E5184C19}"/>
                 </a:ext>
                 <a:ext uri="{C183D7F6-B498-43B3-948B-1728B52AA6E4}">
                   <adec:decorative xmlns:adec="http://schemas.microsoft.com/office/drawing/2017/decorative" val="1"/>
@@ -10677,10 +10018,10 @@
         </p:cxnSp>
         <p:cxnSp>
           <p:nvCxnSpPr>
-            <p:cNvPr id="77" name="Straight Connector 76">
+            <p:cNvPr id="243" name="Straight Connector 242">
               <a:extLst>
                 <a:ext uri="{FF2B5EF4-FFF2-40B4-BE49-F238E27FC236}">
-                  <a16:creationId xmlns:a16="http://schemas.microsoft.com/office/drawing/2014/main" id="{C45057B3-3FAB-42ED-AF52-F00BB07FA52B}"/>
+                  <a16:creationId xmlns:a16="http://schemas.microsoft.com/office/drawing/2014/main" id="{718E7D73-F4E4-4F5D-AFF9-EE491954A05C}"/>
                 </a:ext>
                 <a:ext uri="{C183D7F6-B498-43B3-948B-1728B52AA6E4}">
                   <adec:decorative xmlns:adec="http://schemas.microsoft.com/office/drawing/2017/decorative" val="1"/>
@@ -10729,10 +10070,10 @@
         </p:cxnSp>
         <p:cxnSp>
           <p:nvCxnSpPr>
-            <p:cNvPr id="78" name="Straight Connector 77">
+            <p:cNvPr id="244" name="Straight Connector 243">
               <a:extLst>
                 <a:ext uri="{FF2B5EF4-FFF2-40B4-BE49-F238E27FC236}">
-                  <a16:creationId xmlns:a16="http://schemas.microsoft.com/office/drawing/2014/main" id="{DA3F09E9-F476-4352-90E3-6A15C74268B9}"/>
+                  <a16:creationId xmlns:a16="http://schemas.microsoft.com/office/drawing/2014/main" id="{8D0988A2-3571-4C16-BDEF-58254F04E5B1}"/>
                 </a:ext>
                 <a:ext uri="{C183D7F6-B498-43B3-948B-1728B52AA6E4}">
                   <adec:decorative xmlns:adec="http://schemas.microsoft.com/office/drawing/2017/decorative" val="1"/>
@@ -10781,10 +10122,10 @@
         </p:cxnSp>
         <p:cxnSp>
           <p:nvCxnSpPr>
-            <p:cNvPr id="79" name="Straight Connector 78">
+            <p:cNvPr id="245" name="Straight Connector 244">
               <a:extLst>
                 <a:ext uri="{FF2B5EF4-FFF2-40B4-BE49-F238E27FC236}">
-                  <a16:creationId xmlns:a16="http://schemas.microsoft.com/office/drawing/2014/main" id="{128F7C5C-CECC-45A8-8A1F-D679534D4CBA}"/>
+                  <a16:creationId xmlns:a16="http://schemas.microsoft.com/office/drawing/2014/main" id="{4550BAC8-41FE-4300-910B-EE7BBD7A0C1D}"/>
                 </a:ext>
                 <a:ext uri="{C183D7F6-B498-43B3-948B-1728B52AA6E4}">
                   <adec:decorative xmlns:adec="http://schemas.microsoft.com/office/drawing/2017/decorative" val="1"/>
@@ -10833,10 +10174,10 @@
         </p:cxnSp>
         <p:cxnSp>
           <p:nvCxnSpPr>
-            <p:cNvPr id="80" name="Straight Connector 79">
+            <p:cNvPr id="246" name="Straight Connector 245">
               <a:extLst>
                 <a:ext uri="{FF2B5EF4-FFF2-40B4-BE49-F238E27FC236}">
-                  <a16:creationId xmlns:a16="http://schemas.microsoft.com/office/drawing/2014/main" id="{FFFDFE9C-2017-4831-9F1B-6A03B58B10DE}"/>
+                  <a16:creationId xmlns:a16="http://schemas.microsoft.com/office/drawing/2014/main" id="{38CD175C-18A7-4589-8C46-A61FEF6D9996}"/>
                 </a:ext>
                 <a:ext uri="{C183D7F6-B498-43B3-948B-1728B52AA6E4}">
                   <adec:decorative xmlns:adec="http://schemas.microsoft.com/office/drawing/2017/decorative" val="1"/>
@@ -10885,10 +10226,10 @@
         </p:cxnSp>
         <p:cxnSp>
           <p:nvCxnSpPr>
-            <p:cNvPr id="81" name="Straight Connector 80">
+            <p:cNvPr id="247" name="Straight Connector 246">
               <a:extLst>
                 <a:ext uri="{FF2B5EF4-FFF2-40B4-BE49-F238E27FC236}">
-                  <a16:creationId xmlns:a16="http://schemas.microsoft.com/office/drawing/2014/main" id="{01BC942F-09CF-4A51-85A5-E23E2D71C8C8}"/>
+                  <a16:creationId xmlns:a16="http://schemas.microsoft.com/office/drawing/2014/main" id="{B6BE3031-FD1C-443C-9889-243CEEAEDF84}"/>
                 </a:ext>
                 <a:ext uri="{C183D7F6-B498-43B3-948B-1728B52AA6E4}">
                   <adec:decorative xmlns:adec="http://schemas.microsoft.com/office/drawing/2017/decorative" val="1"/>
@@ -10937,10 +10278,10 @@
         </p:cxnSp>
         <p:cxnSp>
           <p:nvCxnSpPr>
-            <p:cNvPr id="82" name="Straight Connector 81">
+            <p:cNvPr id="248" name="Straight Connector 247">
               <a:extLst>
                 <a:ext uri="{FF2B5EF4-FFF2-40B4-BE49-F238E27FC236}">
-                  <a16:creationId xmlns:a16="http://schemas.microsoft.com/office/drawing/2014/main" id="{1456B520-137F-484D-A1B1-7DA5C3F823E6}"/>
+                  <a16:creationId xmlns:a16="http://schemas.microsoft.com/office/drawing/2014/main" id="{7E37BF5D-3732-41F2-B9AF-A56C9214D63B}"/>
                 </a:ext>
                 <a:ext uri="{C183D7F6-B498-43B3-948B-1728B52AA6E4}">
                   <adec:decorative xmlns:adec="http://schemas.microsoft.com/office/drawing/2017/decorative" val="1"/>
@@ -10989,10 +10330,10 @@
         </p:cxnSp>
         <p:cxnSp>
           <p:nvCxnSpPr>
-            <p:cNvPr id="83" name="Straight Connector 82">
+            <p:cNvPr id="249" name="Straight Connector 248">
               <a:extLst>
                 <a:ext uri="{FF2B5EF4-FFF2-40B4-BE49-F238E27FC236}">
-                  <a16:creationId xmlns:a16="http://schemas.microsoft.com/office/drawing/2014/main" id="{9ECA29F0-381E-4770-97BF-54C4E52201C4}"/>
+                  <a16:creationId xmlns:a16="http://schemas.microsoft.com/office/drawing/2014/main" id="{077B6718-917A-4A01-BCF8-5C6E1217B2A0}"/>
                 </a:ext>
                 <a:ext uri="{C183D7F6-B498-43B3-948B-1728B52AA6E4}">
                   <adec:decorative xmlns:adec="http://schemas.microsoft.com/office/drawing/2017/decorative" val="1"/>
@@ -11041,10 +10382,10 @@
         </p:cxnSp>
         <p:cxnSp>
           <p:nvCxnSpPr>
-            <p:cNvPr id="84" name="Straight Connector 83">
+            <p:cNvPr id="250" name="Straight Connector 249">
               <a:extLst>
                 <a:ext uri="{FF2B5EF4-FFF2-40B4-BE49-F238E27FC236}">
-                  <a16:creationId xmlns:a16="http://schemas.microsoft.com/office/drawing/2014/main" id="{D43CCF9F-8F11-4676-82F3-DEE8A48C8567}"/>
+                  <a16:creationId xmlns:a16="http://schemas.microsoft.com/office/drawing/2014/main" id="{1C23AB5B-98FB-43F1-B590-BBA79814F21C}"/>
                 </a:ext>
                 <a:ext uri="{C183D7F6-B498-43B3-948B-1728B52AA6E4}">
                   <adec:decorative xmlns:adec="http://schemas.microsoft.com/office/drawing/2017/decorative" val="1"/>
@@ -11093,10 +10434,10 @@
         </p:cxnSp>
         <p:cxnSp>
           <p:nvCxnSpPr>
-            <p:cNvPr id="85" name="Straight Connector 84">
+            <p:cNvPr id="251" name="Straight Connector 250">
               <a:extLst>
                 <a:ext uri="{FF2B5EF4-FFF2-40B4-BE49-F238E27FC236}">
-                  <a16:creationId xmlns:a16="http://schemas.microsoft.com/office/drawing/2014/main" id="{6FA620FD-6A45-4754-BF42-A9FA44966DD9}"/>
+                  <a16:creationId xmlns:a16="http://schemas.microsoft.com/office/drawing/2014/main" id="{D6EEC146-226B-4C83-9C1B-DD5495DE161D}"/>
                 </a:ext>
                 <a:ext uri="{C183D7F6-B498-43B3-948B-1728B52AA6E4}">
                   <adec:decorative xmlns:adec="http://schemas.microsoft.com/office/drawing/2017/decorative" val="1"/>
@@ -11145,10 +10486,10 @@
         </p:cxnSp>
         <p:cxnSp>
           <p:nvCxnSpPr>
-            <p:cNvPr id="86" name="Straight Connector 85">
+            <p:cNvPr id="252" name="Straight Connector 251">
               <a:extLst>
                 <a:ext uri="{FF2B5EF4-FFF2-40B4-BE49-F238E27FC236}">
-                  <a16:creationId xmlns:a16="http://schemas.microsoft.com/office/drawing/2014/main" id="{DC4D38F3-F3A2-42F4-8B57-DE978EC4AD5A}"/>
+                  <a16:creationId xmlns:a16="http://schemas.microsoft.com/office/drawing/2014/main" id="{9C24D094-41EF-4CA2-9834-B04793FA12C4}"/>
                 </a:ext>
                 <a:ext uri="{C183D7F6-B498-43B3-948B-1728B52AA6E4}">
                   <adec:decorative xmlns:adec="http://schemas.microsoft.com/office/drawing/2017/decorative" val="1"/>
@@ -11197,10 +10538,10 @@
         </p:cxnSp>
         <p:cxnSp>
           <p:nvCxnSpPr>
-            <p:cNvPr id="87" name="Straight Connector 86">
+            <p:cNvPr id="253" name="Straight Connector 252">
               <a:extLst>
                 <a:ext uri="{FF2B5EF4-FFF2-40B4-BE49-F238E27FC236}">
-                  <a16:creationId xmlns:a16="http://schemas.microsoft.com/office/drawing/2014/main" id="{3C26D30E-A91E-4A5B-A419-0B9D79D57CED}"/>
+                  <a16:creationId xmlns:a16="http://schemas.microsoft.com/office/drawing/2014/main" id="{8DA46AD8-674F-46C3-8A22-280F78F91AC2}"/>
                 </a:ext>
                 <a:ext uri="{C183D7F6-B498-43B3-948B-1728B52AA6E4}">
                   <adec:decorative xmlns:adec="http://schemas.microsoft.com/office/drawing/2017/decorative" val="1"/>
@@ -11249,10 +10590,10 @@
         </p:cxnSp>
         <p:cxnSp>
           <p:nvCxnSpPr>
-            <p:cNvPr id="88" name="Straight Connector 87">
+            <p:cNvPr id="254" name="Straight Connector 253">
               <a:extLst>
                 <a:ext uri="{FF2B5EF4-FFF2-40B4-BE49-F238E27FC236}">
-                  <a16:creationId xmlns:a16="http://schemas.microsoft.com/office/drawing/2014/main" id="{ADAB3EBC-722A-462E-AAAE-506E50038ED8}"/>
+                  <a16:creationId xmlns:a16="http://schemas.microsoft.com/office/drawing/2014/main" id="{AE9D757B-CD9D-447C-8780-79F2FF875113}"/>
                 </a:ext>
                 <a:ext uri="{C183D7F6-B498-43B3-948B-1728B52AA6E4}">
                   <adec:decorative xmlns:adec="http://schemas.microsoft.com/office/drawing/2017/decorative" val="1"/>
@@ -11301,10 +10642,10 @@
         </p:cxnSp>
         <p:cxnSp>
           <p:nvCxnSpPr>
-            <p:cNvPr id="89" name="Straight Connector 88">
+            <p:cNvPr id="255" name="Straight Connector 254">
               <a:extLst>
                 <a:ext uri="{FF2B5EF4-FFF2-40B4-BE49-F238E27FC236}">
-                  <a16:creationId xmlns:a16="http://schemas.microsoft.com/office/drawing/2014/main" id="{CBAABC17-832F-48CF-B0D7-0F7DE54607F5}"/>
+                  <a16:creationId xmlns:a16="http://schemas.microsoft.com/office/drawing/2014/main" id="{276B76E9-7342-43BC-B629-9180ABF5778A}"/>
                 </a:ext>
                 <a:ext uri="{C183D7F6-B498-43B3-948B-1728B52AA6E4}">
                   <adec:decorative xmlns:adec="http://schemas.microsoft.com/office/drawing/2017/decorative" val="1"/>
@@ -11353,10 +10694,10 @@
         </p:cxnSp>
         <p:cxnSp>
           <p:nvCxnSpPr>
-            <p:cNvPr id="90" name="Straight Connector 89">
+            <p:cNvPr id="373" name="Straight Connector 372">
               <a:extLst>
                 <a:ext uri="{FF2B5EF4-FFF2-40B4-BE49-F238E27FC236}">
-                  <a16:creationId xmlns:a16="http://schemas.microsoft.com/office/drawing/2014/main" id="{E1FCA513-75D7-414B-BE8F-D780746A1A66}"/>
+                  <a16:creationId xmlns:a16="http://schemas.microsoft.com/office/drawing/2014/main" id="{3F25F68A-2DCB-4183-86F1-3428326E595B}"/>
                 </a:ext>
                 <a:ext uri="{C183D7F6-B498-43B3-948B-1728B52AA6E4}">
                   <adec:decorative xmlns:adec="http://schemas.microsoft.com/office/drawing/2017/decorative" val="1"/>
@@ -11405,10 +10746,10 @@
         </p:cxnSp>
         <p:cxnSp>
           <p:nvCxnSpPr>
-            <p:cNvPr id="91" name="Straight Connector 90">
+            <p:cNvPr id="374" name="Straight Connector 373">
               <a:extLst>
                 <a:ext uri="{FF2B5EF4-FFF2-40B4-BE49-F238E27FC236}">
-                  <a16:creationId xmlns:a16="http://schemas.microsoft.com/office/drawing/2014/main" id="{F2EDEC73-B6F5-473F-934A-CEF57604A8A4}"/>
+                  <a16:creationId xmlns:a16="http://schemas.microsoft.com/office/drawing/2014/main" id="{BA5FA913-066C-4504-A753-026056454CE9}"/>
                 </a:ext>
                 <a:ext uri="{C183D7F6-B498-43B3-948B-1728B52AA6E4}">
                   <adec:decorative xmlns:adec="http://schemas.microsoft.com/office/drawing/2017/decorative" val="1"/>
@@ -11457,10 +10798,10 @@
         </p:cxnSp>
         <p:cxnSp>
           <p:nvCxnSpPr>
-            <p:cNvPr id="92" name="Straight Connector 91">
+            <p:cNvPr id="375" name="Straight Connector 374">
               <a:extLst>
                 <a:ext uri="{FF2B5EF4-FFF2-40B4-BE49-F238E27FC236}">
-                  <a16:creationId xmlns:a16="http://schemas.microsoft.com/office/drawing/2014/main" id="{5B987884-C452-4492-A9F8-2770D3373BF9}"/>
+                  <a16:creationId xmlns:a16="http://schemas.microsoft.com/office/drawing/2014/main" id="{6A6E50AC-CA1E-4DD3-B85F-1720C019E68B}"/>
                 </a:ext>
                 <a:ext uri="{C183D7F6-B498-43B3-948B-1728B52AA6E4}">
                   <adec:decorative xmlns:adec="http://schemas.microsoft.com/office/drawing/2017/decorative" val="1"/>
@@ -11509,10 +10850,10 @@
         </p:cxnSp>
         <p:cxnSp>
           <p:nvCxnSpPr>
-            <p:cNvPr id="93" name="Straight Connector 92">
+            <p:cNvPr id="376" name="Straight Connector 375">
               <a:extLst>
                 <a:ext uri="{FF2B5EF4-FFF2-40B4-BE49-F238E27FC236}">
-                  <a16:creationId xmlns:a16="http://schemas.microsoft.com/office/drawing/2014/main" id="{9D978AF2-B7BB-4E05-81F1-1A5DBD1CB4EF}"/>
+                  <a16:creationId xmlns:a16="http://schemas.microsoft.com/office/drawing/2014/main" id="{1224B2B1-DBD8-4BA8-8CEB-BFAC8A15D336}"/>
                 </a:ext>
                 <a:ext uri="{C183D7F6-B498-43B3-948B-1728B52AA6E4}">
                   <adec:decorative xmlns:adec="http://schemas.microsoft.com/office/drawing/2017/decorative" val="1"/>
@@ -11561,10 +10902,10 @@
         </p:cxnSp>
         <p:cxnSp>
           <p:nvCxnSpPr>
-            <p:cNvPr id="94" name="Straight Connector 93">
+            <p:cNvPr id="377" name="Straight Connector 376">
               <a:extLst>
                 <a:ext uri="{FF2B5EF4-FFF2-40B4-BE49-F238E27FC236}">
-                  <a16:creationId xmlns:a16="http://schemas.microsoft.com/office/drawing/2014/main" id="{D7AD4D45-C3AB-458E-B826-0FACBD0DF3AF}"/>
+                  <a16:creationId xmlns:a16="http://schemas.microsoft.com/office/drawing/2014/main" id="{4DEFE1E7-69A3-47F5-B8B8-C0898281B6AF}"/>
                 </a:ext>
                 <a:ext uri="{C183D7F6-B498-43B3-948B-1728B52AA6E4}">
                   <adec:decorative xmlns:adec="http://schemas.microsoft.com/office/drawing/2017/decorative" val="1"/>
@@ -11613,10 +10954,10 @@
         </p:cxnSp>
         <p:cxnSp>
           <p:nvCxnSpPr>
-            <p:cNvPr id="95" name="Straight Connector 94">
+            <p:cNvPr id="378" name="Straight Connector 377">
               <a:extLst>
                 <a:ext uri="{FF2B5EF4-FFF2-40B4-BE49-F238E27FC236}">
-                  <a16:creationId xmlns:a16="http://schemas.microsoft.com/office/drawing/2014/main" id="{A6E15555-6738-463C-B7DF-86429F2F9677}"/>
+                  <a16:creationId xmlns:a16="http://schemas.microsoft.com/office/drawing/2014/main" id="{66F1F489-762E-4979-9EBC-50A62330B8ED}"/>
                 </a:ext>
                 <a:ext uri="{C183D7F6-B498-43B3-948B-1728B52AA6E4}">
                   <adec:decorative xmlns:adec="http://schemas.microsoft.com/office/drawing/2017/decorative" val="1"/>
@@ -11665,10 +11006,10 @@
         </p:cxnSp>
         <p:cxnSp>
           <p:nvCxnSpPr>
-            <p:cNvPr id="96" name="Straight Connector 95">
+            <p:cNvPr id="379" name="Straight Connector 378">
               <a:extLst>
                 <a:ext uri="{FF2B5EF4-FFF2-40B4-BE49-F238E27FC236}">
-                  <a16:creationId xmlns:a16="http://schemas.microsoft.com/office/drawing/2014/main" id="{AE487172-B4C3-4D13-A562-EF0BA3DD961F}"/>
+                  <a16:creationId xmlns:a16="http://schemas.microsoft.com/office/drawing/2014/main" id="{927DF22C-20E6-4DED-B405-1B26C521863F}"/>
                 </a:ext>
                 <a:ext uri="{C183D7F6-B498-43B3-948B-1728B52AA6E4}">
                   <adec:decorative xmlns:adec="http://schemas.microsoft.com/office/drawing/2017/decorative" val="1"/>
@@ -11717,10 +11058,10 @@
         </p:cxnSp>
         <p:cxnSp>
           <p:nvCxnSpPr>
-            <p:cNvPr id="97" name="Straight Connector 96">
+            <p:cNvPr id="380" name="Straight Connector 379">
               <a:extLst>
                 <a:ext uri="{FF2B5EF4-FFF2-40B4-BE49-F238E27FC236}">
-                  <a16:creationId xmlns:a16="http://schemas.microsoft.com/office/drawing/2014/main" id="{08E66297-1295-432A-AA84-7BB2341C1932}"/>
+                  <a16:creationId xmlns:a16="http://schemas.microsoft.com/office/drawing/2014/main" id="{236FD8D7-6E0F-468E-B8C4-F4E6707112A5}"/>
                 </a:ext>
                 <a:ext uri="{C183D7F6-B498-43B3-948B-1728B52AA6E4}">
                   <adec:decorative xmlns:adec="http://schemas.microsoft.com/office/drawing/2017/decorative" val="1"/>
@@ -11768,36 +11109,42 @@
           </p:style>
         </p:cxnSp>
       </p:grpSp>
-      <p:pic>
-        <p:nvPicPr>
-          <p:cNvPr id="4" name="Picture 3" descr="A picture containing man&#10;&#10;Description automatically generated">
+      <p:sp>
+        <p:nvSpPr>
+          <p:cNvPr id="2" name="Title 1">
             <a:extLst>
               <a:ext uri="{FF2B5EF4-FFF2-40B4-BE49-F238E27FC236}">
-                <a16:creationId xmlns:a16="http://schemas.microsoft.com/office/drawing/2014/main" id="{22CE9582-9F27-9F4C-A847-0E2640070B95}"/>
+                <a16:creationId xmlns:a16="http://schemas.microsoft.com/office/drawing/2014/main" id="{4CA6FBC4-9DF5-7D4B-B454-0F5161D704A4}"/>
               </a:ext>
             </a:extLst>
           </p:cNvPr>
-          <p:cNvPicPr>
-            <a:picLocks noChangeAspect="1"/>
-          </p:cNvPicPr>
-          <p:nvPr/>
-        </p:nvPicPr>
-        <p:blipFill>
-          <a:blip r:embed="rId3"/>
-          <a:stretch>
-            <a:fillRect/>
-          </a:stretch>
-        </p:blipFill>
+          <p:cNvSpPr>
+            <a:spLocks noGrp="1"/>
+          </p:cNvSpPr>
+          <p:nvPr>
+            <p:ph type="title"/>
+          </p:nvPr>
+        </p:nvSpPr>
         <p:spPr>
           <a:xfrm>
-            <a:off x="7681367" y="1237030"/>
-            <a:ext cx="2973950" cy="5178173"/>
+            <a:off x="6646333" y="2032000"/>
+            <a:ext cx="4513792" cy="2819398"/>
           </a:xfrm>
-          <a:prstGeom prst="rect">
-            <a:avLst/>
-          </a:prstGeom>
         </p:spPr>
-      </p:pic>
+        <p:txBody>
+          <a:bodyPr vert="horz" lIns="91440" tIns="45720" rIns="91440" bIns="45720" rtlCol="0" anchor="b">
+            <a:normAutofit/>
+          </a:bodyPr>
+          <a:lstStyle/>
+          <a:p>
+            <a:pPr algn="r"/>
+            <a:r>
+              <a:rPr lang="en-US" sz="4800"/>
+              <a:t>DEMO</a:t>
+            </a:r>
+          </a:p>
+        </p:txBody>
+      </p:sp>
     </p:spTree>
     <p:extLst>
       <p:ext uri="{BB962C8B-B14F-4D97-AF65-F5344CB8AC3E}">
@@ -11806,7 +11153,1581 @@
     </p:extLst>
   </p:cSld>
   <p:clrMapOvr>
-    <a:overrideClrMapping bg1="lt1" tx1="dk1" bg2="lt2" tx2="dk2" accent1="accent1" accent2="accent2" accent3="accent3" accent4="accent4" accent5="accent5" accent6="accent6" hlink="hlink" folHlink="folHlink"/>
+    <a:masterClrMapping/>
+  </p:clrMapOvr>
+</p:sld>
+</file>
+
+<file path=ppt/slides/slide2.xml><?xml version="1.0" encoding="utf-8"?>
+<p:sld xmlns:a="http://schemas.openxmlformats.org/drawingml/2006/main" xmlns:r="http://schemas.openxmlformats.org/officeDocument/2006/relationships" xmlns:p="http://schemas.openxmlformats.org/presentationml/2006/main">
+  <p:cSld>
+    <p:bg>
+      <p:bgPr>
+        <a:blipFill>
+          <a:blip r:embed="rId2"/>
+          <a:stretch/>
+        </a:blipFill>
+        <a:effectLst/>
+      </p:bgPr>
+    </p:bg>
+    <p:spTree>
+      <p:nvGrpSpPr>
+        <p:cNvPr id="1" name=""/>
+        <p:cNvGrpSpPr/>
+        <p:nvPr/>
+      </p:nvGrpSpPr>
+      <p:grpSpPr>
+        <a:xfrm>
+          <a:off x="0" y="0"/>
+          <a:ext cx="0" cy="0"/>
+          <a:chOff x="0" y="0"/>
+          <a:chExt cx="0" cy="0"/>
+        </a:xfrm>
+      </p:grpSpPr>
+      <p:sp useBgFill="1">
+        <p:nvSpPr>
+          <p:cNvPr id="28" name="Rectangle 14">
+            <a:extLst>
+              <a:ext uri="{FF2B5EF4-FFF2-40B4-BE49-F238E27FC236}">
+                <a16:creationId xmlns:a16="http://schemas.microsoft.com/office/drawing/2014/main" id="{50E53EDA-3B94-4F6B-9E86-D3BB9EBB9616}"/>
+              </a:ext>
+              <a:ext uri="{C183D7F6-B498-43B3-948B-1728B52AA6E4}">
+                <adec:decorative xmlns:adec="http://schemas.microsoft.com/office/drawing/2017/decorative" val="1"/>
+              </a:ext>
+            </a:extLst>
+          </p:cNvPr>
+          <p:cNvSpPr>
+            <a:spLocks noGrp="1" noRot="1" noChangeAspect="1" noMove="1" noResize="1" noEditPoints="1" noAdjustHandles="1" noChangeArrowheads="1" noChangeShapeType="1" noTextEdit="1"/>
+          </p:cNvSpPr>
+          <p:nvPr>
+            <p:extLst>
+              <p:ext uri="{386F3935-93C4-4BCD-93E2-E3B085C9AB24}">
+                <p16:designElem xmlns:p16="http://schemas.microsoft.com/office/powerpoint/2015/main" val="1"/>
+              </p:ext>
+            </p:extLst>
+          </p:nvPr>
+        </p:nvSpPr>
+        <p:spPr>
+          <a:xfrm>
+            <a:off x="0" y="0"/>
+            <a:ext cx="12192000" cy="6858000"/>
+          </a:xfrm>
+          <a:prstGeom prst="rect">
+            <a:avLst/>
+          </a:prstGeom>
+          <a:ln>
+            <a:noFill/>
+          </a:ln>
+        </p:spPr>
+        <p:style>
+          <a:lnRef idx="2">
+            <a:schemeClr val="accent1">
+              <a:shade val="50000"/>
+            </a:schemeClr>
+          </a:lnRef>
+          <a:fillRef idx="1">
+            <a:schemeClr val="accent1"/>
+          </a:fillRef>
+          <a:effectRef idx="0">
+            <a:schemeClr val="accent1"/>
+          </a:effectRef>
+          <a:fontRef idx="minor">
+            <a:schemeClr val="lt1"/>
+          </a:fontRef>
+        </p:style>
+        <p:txBody>
+          <a:bodyPr rtlCol="0" anchor="ctr"/>
+          <a:lstStyle/>
+          <a:p>
+            <a:pPr algn="ctr"/>
+            <a:endParaRPr lang="en-US"/>
+          </a:p>
+        </p:txBody>
+      </p:sp>
+      <p:sp>
+        <p:nvSpPr>
+          <p:cNvPr id="2" name="Title 1">
+            <a:extLst>
+              <a:ext uri="{FF2B5EF4-FFF2-40B4-BE49-F238E27FC236}">
+                <a16:creationId xmlns:a16="http://schemas.microsoft.com/office/drawing/2014/main" id="{92F48163-4D78-664A-A0A5-489E6F51835C}"/>
+              </a:ext>
+            </a:extLst>
+          </p:cNvPr>
+          <p:cNvSpPr>
+            <a:spLocks noGrp="1"/>
+          </p:cNvSpPr>
+          <p:nvPr>
+            <p:ph type="title"/>
+          </p:nvPr>
+        </p:nvSpPr>
+        <p:spPr>
+          <a:xfrm>
+            <a:off x="685799" y="1150076"/>
+            <a:ext cx="3659389" cy="4557849"/>
+          </a:xfrm>
+        </p:spPr>
+        <p:txBody>
+          <a:bodyPr>
+            <a:normAutofit/>
+          </a:bodyPr>
+          <a:lstStyle/>
+          <a:p>
+            <a:pPr algn="r"/>
+            <a:r>
+              <a:rPr lang="en-US"/>
+              <a:t>Team</a:t>
+            </a:r>
+            <a:br>
+              <a:rPr lang="en-US">
+                <a:cs typeface="Calibri Light"/>
+              </a:rPr>
+            </a:br>
+            <a:r>
+              <a:rPr lang="en-US" err="1">
+                <a:cs typeface="Calibri Light"/>
+              </a:rPr>
+              <a:t>Neocognitron</a:t>
+            </a:r>
+          </a:p>
+        </p:txBody>
+      </p:sp>
+      <p:cxnSp>
+        <p:nvCxnSpPr>
+          <p:cNvPr id="29" name="Straight Connector 16">
+            <a:extLst>
+              <a:ext uri="{FF2B5EF4-FFF2-40B4-BE49-F238E27FC236}">
+                <a16:creationId xmlns:a16="http://schemas.microsoft.com/office/drawing/2014/main" id="{30EFD79F-7790-479B-B7DB-BD0D8C101DDD}"/>
+              </a:ext>
+              <a:ext uri="{C183D7F6-B498-43B3-948B-1728B52AA6E4}">
+                <adec:decorative xmlns:adec="http://schemas.microsoft.com/office/drawing/2017/decorative" val="1"/>
+              </a:ext>
+            </a:extLst>
+          </p:cNvPr>
+          <p:cNvCxnSpPr>
+            <a:cxnSpLocks noGrp="1" noRot="1" noChangeAspect="1" noMove="1" noResize="1" noEditPoints="1" noAdjustHandles="1" noChangeArrowheads="1" noChangeShapeType="1"/>
+          </p:cNvCxnSpPr>
+          <p:nvPr>
+            <p:extLst>
+              <p:ext uri="{386F3935-93C4-4BCD-93E2-E3B085C9AB24}">
+                <p16:designElem xmlns:p16="http://schemas.microsoft.com/office/powerpoint/2015/main" val="1"/>
+              </p:ext>
+            </p:extLst>
+          </p:nvPr>
+        </p:nvCxnSpPr>
+        <p:spPr>
+          <a:xfrm>
+            <a:off x="4666923" y="1668780"/>
+            <a:ext cx="0" cy="3520440"/>
+          </a:xfrm>
+          <a:prstGeom prst="line">
+            <a:avLst/>
+          </a:prstGeom>
+          <a:ln w="19050"/>
+        </p:spPr>
+        <p:style>
+          <a:lnRef idx="1">
+            <a:schemeClr val="accent1"/>
+          </a:lnRef>
+          <a:fillRef idx="0">
+            <a:schemeClr val="accent1"/>
+          </a:fillRef>
+          <a:effectRef idx="0">
+            <a:schemeClr val="accent1"/>
+          </a:effectRef>
+          <a:fontRef idx="minor">
+            <a:schemeClr val="tx1"/>
+          </a:fontRef>
+        </p:style>
+      </p:cxnSp>
+      <p:sp>
+        <p:nvSpPr>
+          <p:cNvPr id="3" name="Content Placeholder 2">
+            <a:extLst>
+              <a:ext uri="{FF2B5EF4-FFF2-40B4-BE49-F238E27FC236}">
+                <a16:creationId xmlns:a16="http://schemas.microsoft.com/office/drawing/2014/main" id="{3D8E7CD7-6A86-944A-A239-73F1CF55B6EE}"/>
+              </a:ext>
+            </a:extLst>
+          </p:cNvPr>
+          <p:cNvSpPr>
+            <a:spLocks noGrp="1"/>
+          </p:cNvSpPr>
+          <p:nvPr>
+            <p:ph idx="1"/>
+          </p:nvPr>
+        </p:nvSpPr>
+        <p:spPr>
+          <a:xfrm>
+            <a:off x="4988658" y="1857647"/>
+            <a:ext cx="3242757" cy="3269707"/>
+          </a:xfrm>
+        </p:spPr>
+        <p:txBody>
+          <a:bodyPr vert="horz" lIns="91440" tIns="45720" rIns="91440" bIns="45720" rtlCol="0" anchor="t">
+            <a:normAutofit/>
+          </a:bodyPr>
+          <a:lstStyle/>
+          <a:p>
+            <a:pPr marL="0" indent="0">
+              <a:buNone/>
+            </a:pPr>
+            <a:r>
+              <a:rPr lang="en-US" sz="1400"/>
+              <a:t>Nathan Byrnes</a:t>
+            </a:r>
+            <a:endParaRPr lang="en-US" sz="1400">
+              <a:cs typeface="Calibri"/>
+            </a:endParaRPr>
+          </a:p>
+          <a:p>
+            <a:pPr marL="457200" lvl="1" indent="0">
+              <a:buNone/>
+            </a:pPr>
+            <a:r>
+              <a:rPr lang="en-US" sz="1400">
+                <a:hlinkClick r:id="rId3"/>
+              </a:rPr>
+              <a:t>ndb3w@mtmail.mtsu.edu</a:t>
+            </a:r>
+            <a:endParaRPr lang="en-US" sz="1400">
+              <a:cs typeface="Calibri"/>
+            </a:endParaRPr>
+          </a:p>
+          <a:p>
+            <a:pPr marL="457200" lvl="1" indent="0">
+              <a:buNone/>
+            </a:pPr>
+            <a:r>
+              <a:rPr lang="en-US" sz="1400">
+                <a:hlinkClick r:id="rId4"/>
+              </a:rPr>
+              <a:t>https://github.com/NathanByrnes</a:t>
+            </a:r>
+            <a:endParaRPr lang="en-US" sz="1400">
+              <a:cs typeface="Calibri"/>
+            </a:endParaRPr>
+          </a:p>
+          <a:p>
+            <a:pPr marL="0" indent="0">
+              <a:buNone/>
+            </a:pPr>
+            <a:r>
+              <a:rPr lang="en-US" sz="1400"/>
+              <a:t>Chris </a:t>
+            </a:r>
+            <a:r>
+              <a:rPr lang="en-US" sz="1400" err="1"/>
+              <a:t>Gerspacher</a:t>
+            </a:r>
+            <a:endParaRPr lang="en-US" sz="1400">
+              <a:cs typeface="Calibri"/>
+            </a:endParaRPr>
+          </a:p>
+          <a:p>
+            <a:pPr marL="457200" lvl="1" indent="0">
+              <a:buNone/>
+            </a:pPr>
+            <a:r>
+              <a:rPr lang="en-US" sz="1400">
+                <a:hlinkClick r:id="rId5"/>
+              </a:rPr>
+              <a:t>cag7a@mtmail.mtsu.edu</a:t>
+            </a:r>
+            <a:endParaRPr lang="en-US" sz="1400">
+              <a:cs typeface="Calibri"/>
+            </a:endParaRPr>
+          </a:p>
+          <a:p>
+            <a:pPr marL="457200" lvl="1" indent="0">
+              <a:buNone/>
+            </a:pPr>
+            <a:r>
+              <a:rPr lang="en-US" sz="1400">
+                <a:hlinkClick r:id="rId6"/>
+              </a:rPr>
+              <a:t>https://github.com/cag7a</a:t>
+            </a:r>
+            <a:endParaRPr lang="en-US" sz="1400">
+              <a:cs typeface="Calibri"/>
+            </a:endParaRPr>
+          </a:p>
+          <a:p>
+            <a:pPr marL="0" indent="0">
+              <a:buNone/>
+            </a:pPr>
+            <a:r>
+              <a:rPr lang="en-US" sz="1400"/>
+              <a:t>Jonathan Gregory</a:t>
+            </a:r>
+            <a:endParaRPr lang="en-US" sz="1400">
+              <a:cs typeface="Calibri"/>
+            </a:endParaRPr>
+          </a:p>
+          <a:p>
+            <a:pPr marL="457200" lvl="1" indent="0">
+              <a:buNone/>
+            </a:pPr>
+            <a:r>
+              <a:rPr lang="en-US" sz="1400">
+                <a:hlinkClick r:id="rId7"/>
+              </a:rPr>
+              <a:t>jbg4a@mtmail.mtsu.edu</a:t>
+            </a:r>
+            <a:endParaRPr lang="en-US" sz="1400">
+              <a:cs typeface="Calibri"/>
+            </a:endParaRPr>
+          </a:p>
+          <a:p>
+            <a:pPr marL="457200" lvl="1" indent="0">
+              <a:buNone/>
+            </a:pPr>
+            <a:r>
+              <a:rPr lang="en-US" sz="1400">
+                <a:hlinkClick r:id="rId8"/>
+              </a:rPr>
+              <a:t>https://github.com/vat880</a:t>
+            </a:r>
+            <a:endParaRPr lang="en-US" sz="1400">
+              <a:cs typeface="Calibri"/>
+            </a:endParaRPr>
+          </a:p>
+        </p:txBody>
+      </p:sp>
+      <p:sp>
+        <p:nvSpPr>
+          <p:cNvPr id="5" name="TextBox 4">
+            <a:extLst>
+              <a:ext uri="{FF2B5EF4-FFF2-40B4-BE49-F238E27FC236}">
+                <a16:creationId xmlns:a16="http://schemas.microsoft.com/office/drawing/2014/main" id="{4C6566BF-99EC-4814-9A6C-3FB3263876E5}"/>
+              </a:ext>
+            </a:extLst>
+          </p:cNvPr>
+          <p:cNvSpPr txBox="1"/>
+          <p:nvPr/>
+        </p:nvSpPr>
+        <p:spPr>
+          <a:xfrm>
+            <a:off x="8232563" y="1855560"/>
+            <a:ext cx="3251410" cy="3462486"/>
+          </a:xfrm>
+          <a:prstGeom prst="rect">
+            <a:avLst/>
+          </a:prstGeom>
+          <a:noFill/>
+        </p:spPr>
+        <p:txBody>
+          <a:bodyPr rot="0" spcFirstLastPara="0" vertOverflow="overflow" horzOverflow="overflow" vert="horz" wrap="square" lIns="91440" tIns="45720" rIns="91440" bIns="45720" numCol="1" spcCol="0" rtlCol="0" fromWordArt="0" anchor="t" anchorCtr="0" forceAA="0" compatLnSpc="1">
+            <a:prstTxWarp prst="textNoShape">
+              <a:avLst/>
+            </a:prstTxWarp>
+            <a:spAutoFit/>
+          </a:bodyPr>
+          <a:lstStyle/>
+          <a:p>
+            <a:pPr>
+              <a:spcAft>
+                <a:spcPts val="1000"/>
+              </a:spcAft>
+              <a:buClr>
+                <a:schemeClr val="tx1"/>
+              </a:buClr>
+              <a:buSzPct val="100000"/>
+            </a:pPr>
+            <a:r>
+              <a:rPr lang="en-US" sz="1400"/>
+              <a:t>Cameron Justice</a:t>
+            </a:r>
+            <a:endParaRPr lang="en-US">
+              <a:cs typeface="Calibri"/>
+            </a:endParaRPr>
+          </a:p>
+          <a:p>
+            <a:pPr lvl="1">
+              <a:spcAft>
+                <a:spcPts val="1000"/>
+              </a:spcAft>
+              <a:buClr>
+                <a:schemeClr val="tx1"/>
+              </a:buClr>
+              <a:buSzPct val="100000"/>
+            </a:pPr>
+            <a:r>
+              <a:rPr lang="en-US" sz="1400">
+                <a:hlinkClick r:id="rId9">
+                  <a:extLst>
+                    <a:ext uri="{A12FA001-AC4F-418D-AE19-62706E023703}">
+                      <ahyp:hlinkClr xmlns:ahyp="http://schemas.microsoft.com/office/drawing/2018/hyperlinkcolor" val="tx"/>
+                    </a:ext>
+                  </a:extLst>
+                </a:hlinkClick>
+              </a:rPr>
+              <a:t>cj4g@mtmail.mtsu.edu</a:t>
+            </a:r>
+            <a:endParaRPr lang="en-US" sz="1400">
+              <a:cs typeface="Calibri"/>
+            </a:endParaRPr>
+          </a:p>
+          <a:p>
+            <a:pPr lvl="1">
+              <a:spcAft>
+                <a:spcPts val="1000"/>
+              </a:spcAft>
+              <a:buClr>
+                <a:schemeClr val="tx1"/>
+              </a:buClr>
+              <a:buSzPct val="100000"/>
+            </a:pPr>
+            <a:r>
+              <a:rPr lang="en-US" sz="1400">
+                <a:hlinkClick r:id="rId10">
+                  <a:extLst>
+                    <a:ext uri="{A12FA001-AC4F-418D-AE19-62706E023703}">
+                      <ahyp:hlinkClr xmlns:ahyp="http://schemas.microsoft.com/office/drawing/2018/hyperlinkcolor" val="tx"/>
+                    </a:ext>
+                  </a:extLst>
+                </a:hlinkClick>
+              </a:rPr>
+              <a:t>https://github.com/cameron-justice</a:t>
+            </a:r>
+            <a:endParaRPr lang="en-US" sz="1400">
+              <a:cs typeface="Calibri"/>
+            </a:endParaRPr>
+          </a:p>
+          <a:p>
+            <a:pPr>
+              <a:spcAft>
+                <a:spcPts val="1000"/>
+              </a:spcAft>
+              <a:buClr>
+                <a:schemeClr val="tx1"/>
+              </a:buClr>
+              <a:buSzPct val="100000"/>
+            </a:pPr>
+            <a:r>
+              <a:rPr lang="en-US" sz="1400"/>
+              <a:t>Ian Seal</a:t>
+            </a:r>
+            <a:endParaRPr lang="en-US" sz="1400">
+              <a:cs typeface="Calibri"/>
+            </a:endParaRPr>
+          </a:p>
+          <a:p>
+            <a:pPr lvl="1">
+              <a:spcAft>
+                <a:spcPts val="1000"/>
+              </a:spcAft>
+              <a:buClr>
+                <a:schemeClr val="tx1"/>
+              </a:buClr>
+              <a:buSzPct val="100000"/>
+            </a:pPr>
+            <a:r>
+              <a:rPr lang="en-US" sz="1400">
+                <a:hlinkClick r:id="rId11">
+                  <a:extLst>
+                    <a:ext uri="{A12FA001-AC4F-418D-AE19-62706E023703}">
+                      <ahyp:hlinkClr xmlns:ahyp="http://schemas.microsoft.com/office/drawing/2018/hyperlinkcolor" val="tx"/>
+                    </a:ext>
+                  </a:extLst>
+                </a:hlinkClick>
+              </a:rPr>
+              <a:t>ins2c@mtmail.mtsu.edu</a:t>
+            </a:r>
+            <a:endParaRPr lang="en-US" sz="1400">
+              <a:cs typeface="Calibri"/>
+            </a:endParaRPr>
+          </a:p>
+          <a:p>
+            <a:pPr lvl="1">
+              <a:spcAft>
+                <a:spcPts val="1000"/>
+              </a:spcAft>
+              <a:buClr>
+                <a:schemeClr val="tx1"/>
+              </a:buClr>
+              <a:buSzPct val="100000"/>
+            </a:pPr>
+            <a:r>
+              <a:rPr lang="en-US" sz="1400">
+                <a:hlinkClick r:id="rId12">
+                  <a:extLst>
+                    <a:ext uri="{A12FA001-AC4F-418D-AE19-62706E023703}">
+                      <ahyp:hlinkClr xmlns:ahyp="http://schemas.microsoft.com/office/drawing/2018/hyperlinkcolor" val="tx"/>
+                    </a:ext>
+                  </a:extLst>
+                </a:hlinkClick>
+              </a:rPr>
+              <a:t>https://github.com/masturffect</a:t>
+            </a:r>
+            <a:endParaRPr lang="en-US" sz="1400">
+              <a:cs typeface="Calibri"/>
+            </a:endParaRPr>
+          </a:p>
+          <a:p>
+            <a:pPr>
+              <a:spcAft>
+                <a:spcPts val="1000"/>
+              </a:spcAft>
+              <a:buClr>
+                <a:schemeClr val="tx1"/>
+              </a:buClr>
+              <a:buSzPct val="100000"/>
+            </a:pPr>
+            <a:r>
+              <a:rPr lang="en-US" sz="1400"/>
+              <a:t>Justin Wade</a:t>
+            </a:r>
+            <a:endParaRPr lang="en-US" sz="1400">
+              <a:cs typeface="Calibri"/>
+            </a:endParaRPr>
+          </a:p>
+          <a:p>
+            <a:pPr lvl="1">
+              <a:spcAft>
+                <a:spcPts val="1000"/>
+              </a:spcAft>
+              <a:buClr>
+                <a:schemeClr val="tx1"/>
+              </a:buClr>
+              <a:buSzPct val="100000"/>
+            </a:pPr>
+            <a:r>
+              <a:rPr lang="en-US" sz="1400">
+                <a:hlinkClick r:id="rId13">
+                  <a:extLst>
+                    <a:ext uri="{A12FA001-AC4F-418D-AE19-62706E023703}">
+                      <ahyp:hlinkClr xmlns:ahyp="http://schemas.microsoft.com/office/drawing/2018/hyperlinkcolor" val="tx"/>
+                    </a:ext>
+                  </a:extLst>
+                </a:hlinkClick>
+              </a:rPr>
+              <a:t>jww5f@mtmail.mtsu.edu</a:t>
+            </a:r>
+            <a:endParaRPr lang="en-US" sz="1400">
+              <a:cs typeface="Calibri"/>
+            </a:endParaRPr>
+          </a:p>
+          <a:p>
+            <a:pPr lvl="1">
+              <a:spcAft>
+                <a:spcPts val="1000"/>
+              </a:spcAft>
+              <a:buClr>
+                <a:schemeClr val="tx1"/>
+              </a:buClr>
+              <a:buSzPct val="100000"/>
+            </a:pPr>
+            <a:r>
+              <a:rPr lang="en-US" sz="1400">
+                <a:hlinkClick r:id="rId14">
+                  <a:extLst>
+                    <a:ext uri="{A12FA001-AC4F-418D-AE19-62706E023703}">
+                      <ahyp:hlinkClr xmlns:ahyp="http://schemas.microsoft.com/office/drawing/2018/hyperlinkcolor" val="tx"/>
+                    </a:ext>
+                  </a:extLst>
+                </a:hlinkClick>
+              </a:rPr>
+              <a:t>https://github.com/JustinWade</a:t>
+            </a:r>
+            <a:endParaRPr lang="en-US" sz="1400">
+              <a:cs typeface="Calibri"/>
+            </a:endParaRPr>
+          </a:p>
+          <a:p>
+            <a:pPr algn="l">
+              <a:spcBef>
+                <a:spcPct val="0"/>
+              </a:spcBef>
+            </a:pPr>
+            <a:endParaRPr lang="en-US">
+              <a:cs typeface="Calibri"/>
+            </a:endParaRPr>
+          </a:p>
+        </p:txBody>
+      </p:sp>
+    </p:spTree>
+    <p:extLst>
+      <p:ext uri="{BB962C8B-B14F-4D97-AF65-F5344CB8AC3E}">
+        <p14:creationId xmlns:p14="http://schemas.microsoft.com/office/powerpoint/2010/main" val="1332873996"/>
+      </p:ext>
+    </p:extLst>
+  </p:cSld>
+  <p:clrMapOvr>
+    <a:masterClrMapping/>
+  </p:clrMapOvr>
+</p:sld>
+</file>
+
+<file path=ppt/slides/slide3.xml><?xml version="1.0" encoding="utf-8"?>
+<p:sld xmlns:a="http://schemas.openxmlformats.org/drawingml/2006/main" xmlns:r="http://schemas.openxmlformats.org/officeDocument/2006/relationships" xmlns:p="http://schemas.openxmlformats.org/presentationml/2006/main">
+  <p:cSld>
+    <p:spTree>
+      <p:nvGrpSpPr>
+        <p:cNvPr id="1" name=""/>
+        <p:cNvGrpSpPr/>
+        <p:nvPr/>
+      </p:nvGrpSpPr>
+      <p:grpSpPr>
+        <a:xfrm>
+          <a:off x="0" y="0"/>
+          <a:ext cx="0" cy="0"/>
+          <a:chOff x="0" y="0"/>
+          <a:chExt cx="0" cy="0"/>
+        </a:xfrm>
+      </p:grpSpPr>
+      <p:sp>
+        <p:nvSpPr>
+          <p:cNvPr id="2" name="Title 1">
+            <a:extLst>
+              <a:ext uri="{FF2B5EF4-FFF2-40B4-BE49-F238E27FC236}">
+                <a16:creationId xmlns:a16="http://schemas.microsoft.com/office/drawing/2014/main" id="{8C824332-634A-431A-9EF1-6BCB9278AEC4}"/>
+              </a:ext>
+            </a:extLst>
+          </p:cNvPr>
+          <p:cNvSpPr>
+            <a:spLocks noGrp="1"/>
+          </p:cNvSpPr>
+          <p:nvPr>
+            <p:ph type="title"/>
+          </p:nvPr>
+        </p:nvSpPr>
+        <p:spPr/>
+        <p:txBody>
+          <a:bodyPr/>
+          <a:lstStyle/>
+          <a:p>
+            <a:r>
+              <a:rPr lang="en-US">
+                <a:cs typeface="Calibri Light"/>
+              </a:rPr>
+              <a:t>Introduction</a:t>
+            </a:r>
+          </a:p>
+        </p:txBody>
+      </p:sp>
+      <p:sp>
+        <p:nvSpPr>
+          <p:cNvPr id="3" name="Content Placeholder 2">
+            <a:extLst>
+              <a:ext uri="{FF2B5EF4-FFF2-40B4-BE49-F238E27FC236}">
+                <a16:creationId xmlns:a16="http://schemas.microsoft.com/office/drawing/2014/main" id="{CF889E05-6517-4FD9-8A0E-A3570A6F9532}"/>
+              </a:ext>
+            </a:extLst>
+          </p:cNvPr>
+          <p:cNvSpPr>
+            <a:spLocks noGrp="1"/>
+          </p:cNvSpPr>
+          <p:nvPr>
+            <p:ph idx="1"/>
+          </p:nvPr>
+        </p:nvSpPr>
+        <p:spPr/>
+        <p:txBody>
+          <a:bodyPr/>
+          <a:lstStyle/>
+          <a:p>
+            <a:r>
+              <a:rPr lang="en-US" sz="1600">
+                <a:ea typeface="+mn-lt"/>
+                <a:cs typeface="+mn-lt"/>
+              </a:rPr>
+              <a:t>Comparisons of Different Deep Q-Learning variations by playing the Classic Arcade Game </a:t>
+            </a:r>
+            <a:r>
+              <a:rPr lang="en-US" sz="1600" err="1">
+                <a:ea typeface="+mn-lt"/>
+                <a:cs typeface="+mn-lt"/>
+              </a:rPr>
+              <a:t>Galaga</a:t>
+            </a:r>
+            <a:endParaRPr lang="en-US" sz="1600">
+              <a:ea typeface="+mn-lt"/>
+              <a:cs typeface="+mn-lt"/>
+            </a:endParaRPr>
+          </a:p>
+          <a:p>
+            <a:r>
+              <a:rPr lang="en-US" sz="1600">
+                <a:cs typeface="Calibri"/>
+              </a:rPr>
+              <a:t>Utilizes </a:t>
+            </a:r>
+            <a:r>
+              <a:rPr lang="en-US" sz="1600" err="1">
+                <a:cs typeface="Calibri"/>
+              </a:rPr>
+              <a:t>OpenAI</a:t>
+            </a:r>
+            <a:r>
+              <a:rPr lang="en-US" sz="1600">
+                <a:cs typeface="Calibri"/>
+              </a:rPr>
+              <a:t> Gym-Retro Environment</a:t>
+            </a:r>
+          </a:p>
+          <a:p>
+            <a:endParaRPr lang="en-US" sz="1600" dirty="0">
+              <a:cs typeface="Calibri"/>
+            </a:endParaRPr>
+          </a:p>
+        </p:txBody>
+      </p:sp>
+    </p:spTree>
+    <p:extLst>
+      <p:ext uri="{BB962C8B-B14F-4D97-AF65-F5344CB8AC3E}">
+        <p14:creationId xmlns:p14="http://schemas.microsoft.com/office/powerpoint/2010/main" val="115149441"/>
+      </p:ext>
+    </p:extLst>
+  </p:cSld>
+  <p:clrMapOvr>
+    <a:masterClrMapping/>
+  </p:clrMapOvr>
+</p:sld>
+</file>
+
+<file path=ppt/slides/slide4.xml><?xml version="1.0" encoding="utf-8"?>
+<p:sld xmlns:a="http://schemas.openxmlformats.org/drawingml/2006/main" xmlns:r="http://schemas.openxmlformats.org/officeDocument/2006/relationships" xmlns:p="http://schemas.openxmlformats.org/presentationml/2006/main">
+  <p:cSld>
+    <p:spTree>
+      <p:nvGrpSpPr>
+        <p:cNvPr id="1" name=""/>
+        <p:cNvGrpSpPr/>
+        <p:nvPr/>
+      </p:nvGrpSpPr>
+      <p:grpSpPr>
+        <a:xfrm>
+          <a:off x="0" y="0"/>
+          <a:ext cx="0" cy="0"/>
+          <a:chOff x="0" y="0"/>
+          <a:chExt cx="0" cy="0"/>
+        </a:xfrm>
+      </p:grpSpPr>
+      <p:sp>
+        <p:nvSpPr>
+          <p:cNvPr id="2" name="Title 1">
+            <a:extLst>
+              <a:ext uri="{FF2B5EF4-FFF2-40B4-BE49-F238E27FC236}">
+                <a16:creationId xmlns:a16="http://schemas.microsoft.com/office/drawing/2014/main" id="{0EF1D97C-32BB-244D-BDB2-849A5E598239}"/>
+              </a:ext>
+            </a:extLst>
+          </p:cNvPr>
+          <p:cNvSpPr>
+            <a:spLocks noGrp="1"/>
+          </p:cNvSpPr>
+          <p:nvPr>
+            <p:ph type="title"/>
+          </p:nvPr>
+        </p:nvSpPr>
+        <p:spPr/>
+        <p:txBody>
+          <a:bodyPr/>
+          <a:lstStyle/>
+          <a:p>
+            <a:r>
+              <a:rPr lang="en-US"/>
+              <a:t>Motivations &amp; Key Aims</a:t>
+            </a:r>
+          </a:p>
+        </p:txBody>
+      </p:sp>
+      <p:sp>
+        <p:nvSpPr>
+          <p:cNvPr id="3" name="Content Placeholder 2">
+            <a:extLst>
+              <a:ext uri="{FF2B5EF4-FFF2-40B4-BE49-F238E27FC236}">
+                <a16:creationId xmlns:a16="http://schemas.microsoft.com/office/drawing/2014/main" id="{C08DC46F-E2C3-474A-994D-F8EE8B660A57}"/>
+              </a:ext>
+            </a:extLst>
+          </p:cNvPr>
+          <p:cNvSpPr>
+            <a:spLocks noGrp="1"/>
+          </p:cNvSpPr>
+          <p:nvPr>
+            <p:ph idx="1"/>
+          </p:nvPr>
+        </p:nvSpPr>
+        <p:spPr/>
+        <p:txBody>
+          <a:bodyPr/>
+          <a:lstStyle/>
+          <a:p>
+            <a:pPr indent="0"/>
+            <a:r>
+              <a:rPr lang="en-US">
+                <a:cs typeface="Calibri"/>
+              </a:rPr>
+              <a:t> Compare &amp; Contrast Four Implementations of the </a:t>
+            </a:r>
+            <a:r>
+              <a:rPr lang="en-US" err="1">
+                <a:cs typeface="Calibri"/>
+              </a:rPr>
+              <a:t>Galaga</a:t>
+            </a:r>
+            <a:r>
+              <a:rPr lang="en-US">
+                <a:cs typeface="Calibri"/>
+              </a:rPr>
+              <a:t> Net based on Score</a:t>
+            </a:r>
+            <a:endParaRPr lang="en-US" dirty="0"/>
+          </a:p>
+          <a:p>
+            <a:pPr lvl="1"/>
+            <a:r>
+              <a:rPr lang="en-US">
+                <a:cs typeface="Calibri"/>
+              </a:rPr>
+              <a:t>Single Q-Learning with Uniform Replay Memory</a:t>
+            </a:r>
+          </a:p>
+          <a:p>
+            <a:pPr lvl="1"/>
+            <a:r>
+              <a:rPr lang="en-US">
+                <a:cs typeface="Calibri"/>
+              </a:rPr>
+              <a:t>Single Q-Learning with Prioritized Replay Memory</a:t>
+            </a:r>
+          </a:p>
+          <a:p>
+            <a:pPr lvl="1"/>
+            <a:r>
+              <a:rPr lang="en-US">
+                <a:cs typeface="Calibri"/>
+              </a:rPr>
+              <a:t>Double Q-Learning with Uniform Replay Memory</a:t>
+            </a:r>
+          </a:p>
+          <a:p>
+            <a:pPr lvl="1"/>
+            <a:r>
+              <a:rPr lang="en-US">
+                <a:cs typeface="Calibri"/>
+              </a:rPr>
+              <a:t>Double Q-Learning with Prioritized Replay Memory</a:t>
+            </a:r>
+          </a:p>
+          <a:p>
+            <a:pPr indent="0"/>
+            <a:r>
+              <a:rPr lang="en-US">
+                <a:cs typeface="Calibri"/>
+              </a:rPr>
+              <a:t> Find the best variation of the Net to play Galaga by direct comparison of results</a:t>
+            </a:r>
+          </a:p>
+        </p:txBody>
+      </p:sp>
+    </p:spTree>
+    <p:extLst>
+      <p:ext uri="{BB962C8B-B14F-4D97-AF65-F5344CB8AC3E}">
+        <p14:creationId xmlns:p14="http://schemas.microsoft.com/office/powerpoint/2010/main" val="1091531056"/>
+      </p:ext>
+    </p:extLst>
+  </p:cSld>
+  <p:clrMapOvr>
+    <a:masterClrMapping/>
+  </p:clrMapOvr>
+</p:sld>
+</file>
+
+<file path=ppt/slides/slide5.xml><?xml version="1.0" encoding="utf-8"?>
+<p:sld xmlns:a="http://schemas.openxmlformats.org/drawingml/2006/main" xmlns:r="http://schemas.openxmlformats.org/officeDocument/2006/relationships" xmlns:p="http://schemas.openxmlformats.org/presentationml/2006/main">
+  <p:cSld>
+    <p:spTree>
+      <p:nvGrpSpPr>
+        <p:cNvPr id="1" name=""/>
+        <p:cNvGrpSpPr/>
+        <p:nvPr/>
+      </p:nvGrpSpPr>
+      <p:grpSpPr>
+        <a:xfrm>
+          <a:off x="0" y="0"/>
+          <a:ext cx="0" cy="0"/>
+          <a:chOff x="0" y="0"/>
+          <a:chExt cx="0" cy="0"/>
+        </a:xfrm>
+      </p:grpSpPr>
+      <p:sp>
+        <p:nvSpPr>
+          <p:cNvPr id="2" name="Title 1">
+            <a:extLst>
+              <a:ext uri="{FF2B5EF4-FFF2-40B4-BE49-F238E27FC236}">
+                <a16:creationId xmlns:a16="http://schemas.microsoft.com/office/drawing/2014/main" id="{F9817360-60A3-4947-B7DA-A6D716618E04}"/>
+              </a:ext>
+            </a:extLst>
+          </p:cNvPr>
+          <p:cNvSpPr>
+            <a:spLocks noGrp="1"/>
+          </p:cNvSpPr>
+          <p:nvPr>
+            <p:ph type="title"/>
+          </p:nvPr>
+        </p:nvSpPr>
+        <p:spPr/>
+        <p:txBody>
+          <a:bodyPr/>
+          <a:lstStyle/>
+          <a:p>
+            <a:r>
+              <a:rPr lang="en-US"/>
+              <a:t>General strategy</a:t>
+            </a:r>
+          </a:p>
+        </p:txBody>
+      </p:sp>
+      <p:sp>
+        <p:nvSpPr>
+          <p:cNvPr id="5" name="Content Placeholder 4">
+            <a:extLst>
+              <a:ext uri="{FF2B5EF4-FFF2-40B4-BE49-F238E27FC236}">
+                <a16:creationId xmlns:a16="http://schemas.microsoft.com/office/drawing/2014/main" id="{A7352FD8-3387-4FEA-A5A5-9C068F65F054}"/>
+              </a:ext>
+            </a:extLst>
+          </p:cNvPr>
+          <p:cNvSpPr>
+            <a:spLocks noGrp="1"/>
+          </p:cNvSpPr>
+          <p:nvPr>
+            <p:ph idx="1"/>
+          </p:nvPr>
+        </p:nvSpPr>
+        <p:spPr/>
+        <p:txBody>
+          <a:bodyPr/>
+          <a:lstStyle/>
+          <a:p>
+            <a:endParaRPr lang="en-US">
+              <a:cs typeface="Calibri"/>
+            </a:endParaRPr>
+          </a:p>
+          <a:p>
+            <a:endParaRPr lang="en-US">
+              <a:cs typeface="Calibri"/>
+            </a:endParaRPr>
+          </a:p>
+          <a:p>
+            <a:endParaRPr lang="en-US">
+              <a:cs typeface="Calibri"/>
+            </a:endParaRPr>
+          </a:p>
+        </p:txBody>
+      </p:sp>
+      <p:sp>
+        <p:nvSpPr>
+          <p:cNvPr id="3" name="TextBox 2">
+            <a:extLst>
+              <a:ext uri="{FF2B5EF4-FFF2-40B4-BE49-F238E27FC236}">
+                <a16:creationId xmlns:a16="http://schemas.microsoft.com/office/drawing/2014/main" id="{7FF22128-6924-469D-B04D-269B7BAB573B}"/>
+              </a:ext>
+            </a:extLst>
+          </p:cNvPr>
+          <p:cNvSpPr txBox="1"/>
+          <p:nvPr/>
+        </p:nvSpPr>
+        <p:spPr>
+          <a:xfrm>
+            <a:off x="685360" y="1923058"/>
+            <a:ext cx="6786644" cy="369332"/>
+          </a:xfrm>
+          <a:prstGeom prst="rect">
+            <a:avLst/>
+          </a:prstGeom>
+          <a:noFill/>
+        </p:spPr>
+        <p:txBody>
+          <a:bodyPr rot="0" spcFirstLastPara="0" vertOverflow="overflow" horzOverflow="overflow" vert="horz" wrap="square" lIns="91440" tIns="45720" rIns="91440" bIns="45720" numCol="1" spcCol="0" rtlCol="0" fromWordArt="0" anchor="t" anchorCtr="0" forceAA="0" compatLnSpc="1">
+            <a:prstTxWarp prst="textNoShape">
+              <a:avLst/>
+            </a:prstTxWarp>
+            <a:spAutoFit/>
+          </a:bodyPr>
+          <a:lstStyle/>
+          <a:p>
+            <a:pPr algn="l"/>
+            <a:r>
+              <a:rPr lang="en-US"/>
+              <a:t>Click to add text</a:t>
+            </a:r>
+          </a:p>
+        </p:txBody>
+      </p:sp>
+    </p:spTree>
+    <p:extLst>
+      <p:ext uri="{BB962C8B-B14F-4D97-AF65-F5344CB8AC3E}">
+        <p14:creationId xmlns:p14="http://schemas.microsoft.com/office/powerpoint/2010/main" val="940096663"/>
+      </p:ext>
+    </p:extLst>
+  </p:cSld>
+  <p:clrMapOvr>
+    <a:masterClrMapping/>
+  </p:clrMapOvr>
+</p:sld>
+</file>
+
+<file path=ppt/slides/slide6.xml><?xml version="1.0" encoding="utf-8"?>
+<p:sld xmlns:a="http://schemas.openxmlformats.org/drawingml/2006/main" xmlns:r="http://schemas.openxmlformats.org/officeDocument/2006/relationships" xmlns:p="http://schemas.openxmlformats.org/presentationml/2006/main">
+  <p:cSld>
+    <p:spTree>
+      <p:nvGrpSpPr>
+        <p:cNvPr id="1" name=""/>
+        <p:cNvGrpSpPr/>
+        <p:nvPr/>
+      </p:nvGrpSpPr>
+      <p:grpSpPr>
+        <a:xfrm>
+          <a:off x="0" y="0"/>
+          <a:ext cx="0" cy="0"/>
+          <a:chOff x="0" y="0"/>
+          <a:chExt cx="0" cy="0"/>
+        </a:xfrm>
+      </p:grpSpPr>
+      <p:sp>
+        <p:nvSpPr>
+          <p:cNvPr id="2" name="Title 1">
+            <a:extLst>
+              <a:ext uri="{FF2B5EF4-FFF2-40B4-BE49-F238E27FC236}">
+                <a16:creationId xmlns:a16="http://schemas.microsoft.com/office/drawing/2014/main" id="{6F959340-AF21-4165-B6A4-605E48DA4AE8}"/>
+              </a:ext>
+            </a:extLst>
+          </p:cNvPr>
+          <p:cNvSpPr>
+            <a:spLocks noGrp="1"/>
+          </p:cNvSpPr>
+          <p:nvPr>
+            <p:ph type="title"/>
+          </p:nvPr>
+        </p:nvSpPr>
+        <p:spPr/>
+        <p:txBody>
+          <a:bodyPr/>
+          <a:lstStyle/>
+          <a:p>
+            <a:r>
+              <a:rPr lang="en-US">
+                <a:cs typeface="Calibri Light"/>
+              </a:rPr>
+              <a:t>Utilities</a:t>
+            </a:r>
+            <a:endParaRPr lang="en-US"/>
+          </a:p>
+        </p:txBody>
+      </p:sp>
+      <p:sp>
+        <p:nvSpPr>
+          <p:cNvPr id="3" name="Content Placeholder 2">
+            <a:extLst>
+              <a:ext uri="{FF2B5EF4-FFF2-40B4-BE49-F238E27FC236}">
+                <a16:creationId xmlns:a16="http://schemas.microsoft.com/office/drawing/2014/main" id="{D694330F-33DC-4903-A0A1-23933B78965B}"/>
+              </a:ext>
+            </a:extLst>
+          </p:cNvPr>
+          <p:cNvSpPr>
+            <a:spLocks noGrp="1"/>
+          </p:cNvSpPr>
+          <p:nvPr>
+            <p:ph idx="1"/>
+          </p:nvPr>
+        </p:nvSpPr>
+        <p:spPr/>
+        <p:txBody>
+          <a:bodyPr/>
+          <a:lstStyle/>
+          <a:p>
+            <a:r>
+              <a:rPr lang="en-US">
+                <a:cs typeface="Calibri"/>
+              </a:rPr>
+              <a:t>Gray Scale</a:t>
+            </a:r>
+          </a:p>
+          <a:p>
+            <a:r>
+              <a:rPr lang="en-US">
+                <a:cs typeface="Calibri"/>
+              </a:rPr>
+              <a:t>Logs</a:t>
+            </a:r>
+            <a:endParaRPr lang="en-US" dirty="0">
+              <a:cs typeface="Calibri"/>
+            </a:endParaRPr>
+          </a:p>
+          <a:p>
+            <a:r>
+              <a:rPr lang="en-US">
+                <a:cs typeface="Calibri"/>
+              </a:rPr>
+              <a:t>Preprocessing</a:t>
+            </a:r>
+            <a:endParaRPr lang="en-US" dirty="0">
+              <a:cs typeface="Calibri"/>
+            </a:endParaRPr>
+          </a:p>
+          <a:p>
+            <a:endParaRPr lang="en-US" dirty="0">
+              <a:cs typeface="Calibri"/>
+            </a:endParaRPr>
+          </a:p>
+        </p:txBody>
+      </p:sp>
+    </p:spTree>
+    <p:extLst>
+      <p:ext uri="{BB962C8B-B14F-4D97-AF65-F5344CB8AC3E}">
+        <p14:creationId xmlns:p14="http://schemas.microsoft.com/office/powerpoint/2010/main" val="4005811002"/>
+      </p:ext>
+    </p:extLst>
+  </p:cSld>
+  <p:clrMapOvr>
+    <a:masterClrMapping/>
+  </p:clrMapOvr>
+</p:sld>
+</file>
+
+<file path=ppt/slides/slide7.xml><?xml version="1.0" encoding="utf-8"?>
+<p:sld xmlns:a="http://schemas.openxmlformats.org/drawingml/2006/main" xmlns:r="http://schemas.openxmlformats.org/officeDocument/2006/relationships" xmlns:p="http://schemas.openxmlformats.org/presentationml/2006/main">
+  <p:cSld>
+    <p:spTree>
+      <p:nvGrpSpPr>
+        <p:cNvPr id="1" name=""/>
+        <p:cNvGrpSpPr/>
+        <p:nvPr/>
+      </p:nvGrpSpPr>
+      <p:grpSpPr>
+        <a:xfrm>
+          <a:off x="0" y="0"/>
+          <a:ext cx="0" cy="0"/>
+          <a:chOff x="0" y="0"/>
+          <a:chExt cx="0" cy="0"/>
+        </a:xfrm>
+      </p:grpSpPr>
+      <p:sp>
+        <p:nvSpPr>
+          <p:cNvPr id="2" name="Title 1">
+            <a:extLst>
+              <a:ext uri="{FF2B5EF4-FFF2-40B4-BE49-F238E27FC236}">
+                <a16:creationId xmlns:a16="http://schemas.microsoft.com/office/drawing/2014/main" id="{7A1DE6E1-E658-4F7B-A220-237D921BA179}"/>
+              </a:ext>
+            </a:extLst>
+          </p:cNvPr>
+          <p:cNvSpPr>
+            <a:spLocks noGrp="1"/>
+          </p:cNvSpPr>
+          <p:nvPr>
+            <p:ph type="title"/>
+          </p:nvPr>
+        </p:nvSpPr>
+        <p:spPr/>
+        <p:txBody>
+          <a:bodyPr/>
+          <a:lstStyle/>
+          <a:p>
+            <a:r>
+              <a:rPr lang="en-US">
+                <a:cs typeface="Calibri Light"/>
+              </a:rPr>
+              <a:t>Replay Memory</a:t>
+            </a:r>
+            <a:endParaRPr lang="en-US"/>
+          </a:p>
+        </p:txBody>
+      </p:sp>
+      <p:sp>
+        <p:nvSpPr>
+          <p:cNvPr id="3" name="Content Placeholder 2">
+            <a:extLst>
+              <a:ext uri="{FF2B5EF4-FFF2-40B4-BE49-F238E27FC236}">
+                <a16:creationId xmlns:a16="http://schemas.microsoft.com/office/drawing/2014/main" id="{8C21E1BD-F5F1-47A5-93E0-7295F5F84745}"/>
+              </a:ext>
+            </a:extLst>
+          </p:cNvPr>
+          <p:cNvSpPr>
+            <a:spLocks noGrp="1"/>
+          </p:cNvSpPr>
+          <p:nvPr>
+            <p:ph idx="1"/>
+          </p:nvPr>
+        </p:nvSpPr>
+        <p:spPr/>
+        <p:txBody>
+          <a:bodyPr>
+            <a:normAutofit fontScale="77500" lnSpcReduction="20000"/>
+          </a:bodyPr>
+          <a:lstStyle/>
+          <a:p>
+            <a:r>
+              <a:rPr lang="en-US" sz="2800">
+                <a:cs typeface="Calibri"/>
+              </a:rPr>
+              <a:t>Replay Memory</a:t>
+            </a:r>
+          </a:p>
+          <a:p>
+            <a:pPr lvl="1"/>
+            <a:r>
+              <a:rPr lang="en-US">
+                <a:cs typeface="Calibri"/>
+              </a:rPr>
+              <a:t>Stores Past Experiences for the Net to reuse</a:t>
+            </a:r>
+          </a:p>
+          <a:p>
+            <a:pPr lvl="1"/>
+            <a:r>
+              <a:rPr lang="en-US">
+                <a:cs typeface="Calibri"/>
+              </a:rPr>
+              <a:t>Learn at a faster rate rather than not storing anything (does not immediately discard experience after update)</a:t>
+            </a:r>
+          </a:p>
+          <a:p>
+            <a:r>
+              <a:rPr lang="en-US" sz="2800">
+                <a:cs typeface="Calibri"/>
+              </a:rPr>
+              <a:t>Uniform</a:t>
+            </a:r>
+            <a:endParaRPr lang="en-US"/>
+          </a:p>
+          <a:p>
+            <a:pPr lvl="1"/>
+            <a:r>
+              <a:rPr lang="en-US">
+                <a:cs typeface="Calibri"/>
+              </a:rPr>
+              <a:t>Most basic form of Replay Memory</a:t>
+            </a:r>
+          </a:p>
+          <a:p>
+            <a:pPr lvl="1"/>
+            <a:r>
+              <a:rPr lang="en-US">
+                <a:cs typeface="Calibri"/>
+              </a:rPr>
+              <a:t>Possible to break temporal correlations</a:t>
+            </a:r>
+          </a:p>
+          <a:p>
+            <a:pPr lvl="1"/>
+            <a:r>
+              <a:rPr lang="en-US">
+                <a:cs typeface="Calibri"/>
+              </a:rPr>
+              <a:t>Rare experiences used more often</a:t>
+            </a:r>
+          </a:p>
+          <a:p>
+            <a:r>
+              <a:rPr lang="en-US" sz="2800">
+                <a:cs typeface="Calibri"/>
+              </a:rPr>
+              <a:t>Prioritized</a:t>
+            </a:r>
+          </a:p>
+          <a:p>
+            <a:pPr lvl="1"/>
+            <a:r>
+              <a:rPr lang="en-US">
+                <a:cs typeface="Calibri"/>
+              </a:rPr>
+              <a:t>"Prioritize" experiences that might be more useful to learn from later</a:t>
+            </a:r>
+          </a:p>
+          <a:p>
+            <a:pPr lvl="1"/>
+            <a:r>
+              <a:rPr lang="en-US">
+                <a:cs typeface="Calibri"/>
+              </a:rPr>
+              <a:t>Assign their sample probability based on their TD-Error</a:t>
+            </a:r>
+          </a:p>
+          <a:p>
+            <a:pPr lvl="1"/>
+            <a:r>
+              <a:rPr lang="en-US">
+                <a:cs typeface="Calibri"/>
+              </a:rPr>
+              <a:t>These experiences deemed more useful, so are more likely to be learned from</a:t>
+            </a:r>
+          </a:p>
+          <a:p>
+            <a:pPr lvl="1"/>
+            <a:endParaRPr lang="en-US">
+              <a:cs typeface="Calibri"/>
+            </a:endParaRPr>
+          </a:p>
+        </p:txBody>
+      </p:sp>
+    </p:spTree>
+    <p:extLst>
+      <p:ext uri="{BB962C8B-B14F-4D97-AF65-F5344CB8AC3E}">
+        <p14:creationId xmlns:p14="http://schemas.microsoft.com/office/powerpoint/2010/main" val="4177693237"/>
+      </p:ext>
+    </p:extLst>
+  </p:cSld>
+  <p:clrMapOvr>
+    <a:masterClrMapping/>
+  </p:clrMapOvr>
+</p:sld>
+</file>
+
+<file path=ppt/slides/slide8.xml><?xml version="1.0" encoding="utf-8"?>
+<p:sld xmlns:a="http://schemas.openxmlformats.org/drawingml/2006/main" xmlns:r="http://schemas.openxmlformats.org/officeDocument/2006/relationships" xmlns:p="http://schemas.openxmlformats.org/presentationml/2006/main">
+  <p:cSld>
+    <p:spTree>
+      <p:nvGrpSpPr>
+        <p:cNvPr id="1" name=""/>
+        <p:cNvGrpSpPr/>
+        <p:nvPr/>
+      </p:nvGrpSpPr>
+      <p:grpSpPr>
+        <a:xfrm>
+          <a:off x="0" y="0"/>
+          <a:ext cx="0" cy="0"/>
+          <a:chOff x="0" y="0"/>
+          <a:chExt cx="0" cy="0"/>
+        </a:xfrm>
+      </p:grpSpPr>
+      <p:sp>
+        <p:nvSpPr>
+          <p:cNvPr id="2" name="Title 1">
+            <a:extLst>
+              <a:ext uri="{FF2B5EF4-FFF2-40B4-BE49-F238E27FC236}">
+                <a16:creationId xmlns:a16="http://schemas.microsoft.com/office/drawing/2014/main" id="{12CB65B2-A66C-453D-A9E0-20F43252E79B}"/>
+              </a:ext>
+            </a:extLst>
+          </p:cNvPr>
+          <p:cNvSpPr>
+            <a:spLocks noGrp="1"/>
+          </p:cNvSpPr>
+          <p:nvPr>
+            <p:ph type="title"/>
+          </p:nvPr>
+        </p:nvSpPr>
+        <p:spPr/>
+        <p:txBody>
+          <a:bodyPr/>
+          <a:lstStyle/>
+          <a:p>
+            <a:r>
+              <a:rPr lang="en-US">
+                <a:cs typeface="Calibri Light"/>
+              </a:rPr>
+              <a:t>Q-Learning</a:t>
+            </a:r>
+            <a:endParaRPr lang="en-US"/>
+          </a:p>
+        </p:txBody>
+      </p:sp>
+      <p:sp>
+        <p:nvSpPr>
+          <p:cNvPr id="3" name="Content Placeholder 2">
+            <a:extLst>
+              <a:ext uri="{FF2B5EF4-FFF2-40B4-BE49-F238E27FC236}">
+                <a16:creationId xmlns:a16="http://schemas.microsoft.com/office/drawing/2014/main" id="{7B05EEE0-33BD-4323-AA5C-A17173857A94}"/>
+              </a:ext>
+            </a:extLst>
+          </p:cNvPr>
+          <p:cNvSpPr>
+            <a:spLocks noGrp="1"/>
+          </p:cNvSpPr>
+          <p:nvPr>
+            <p:ph idx="1"/>
+          </p:nvPr>
+        </p:nvSpPr>
+        <p:spPr/>
+        <p:txBody>
+          <a:bodyPr/>
+          <a:lstStyle/>
+          <a:p>
+            <a:r>
+              <a:rPr lang="en-US" sz="2600">
+                <a:cs typeface="Calibri"/>
+              </a:rPr>
+              <a:t>Single Q</a:t>
+            </a:r>
+          </a:p>
+          <a:p>
+            <a:pPr lvl="1"/>
+            <a:r>
+              <a:rPr lang="en-US">
+                <a:cs typeface="Calibri"/>
+              </a:rPr>
+              <a:t>Algorithm to select the action with the highest reward</a:t>
+            </a:r>
+            <a:endParaRPr lang="en-US" dirty="0">
+              <a:cs typeface="Calibri"/>
+            </a:endParaRPr>
+          </a:p>
+          <a:p>
+            <a:pPr lvl="1"/>
+            <a:r>
+              <a:rPr lang="en-US">
+                <a:cs typeface="Calibri"/>
+              </a:rPr>
+              <a:t>Reach highest possible score from an action or set of actions in the smallest amount of time</a:t>
+            </a:r>
+            <a:endParaRPr lang="en-US" dirty="0">
+              <a:cs typeface="Calibri"/>
+            </a:endParaRPr>
+          </a:p>
+          <a:p>
+            <a:pPr lvl="1"/>
+            <a:r>
+              <a:rPr lang="en-US">
+                <a:cs typeface="Calibri"/>
+              </a:rPr>
+              <a:t>Often is overoptimisitc &amp; leads to overestimated values</a:t>
+            </a:r>
+            <a:endParaRPr lang="en-US" dirty="0">
+              <a:cs typeface="Calibri"/>
+            </a:endParaRPr>
+          </a:p>
+          <a:p>
+            <a:r>
+              <a:rPr lang="en-US" sz="2600">
+                <a:cs typeface="Calibri"/>
+              </a:rPr>
+              <a:t>Double Q</a:t>
+            </a:r>
+          </a:p>
+          <a:p>
+            <a:pPr lvl="1"/>
+            <a:r>
+              <a:rPr lang="en-US">
+                <a:cs typeface="Calibri"/>
+              </a:rPr>
+              <a:t>Solves overestimation (via 2nd evaluation of Q with an inner Q, hence Double Q)</a:t>
+            </a:r>
+          </a:p>
+          <a:p>
+            <a:pPr lvl="1"/>
+            <a:r>
+              <a:rPr lang="en-US">
+                <a:cs typeface="Calibri"/>
+              </a:rPr>
+              <a:t>Decouple the selection for the evaluation</a:t>
+            </a:r>
+            <a:endParaRPr lang="en-US" dirty="0">
+              <a:cs typeface="Calibri"/>
+            </a:endParaRPr>
+          </a:p>
+          <a:p>
+            <a:pPr lvl="1"/>
+            <a:endParaRPr lang="en-US" dirty="0">
+              <a:cs typeface="Calibri"/>
+            </a:endParaRPr>
+          </a:p>
+        </p:txBody>
+      </p:sp>
+    </p:spTree>
+    <p:extLst>
+      <p:ext uri="{BB962C8B-B14F-4D97-AF65-F5344CB8AC3E}">
+        <p14:creationId xmlns:p14="http://schemas.microsoft.com/office/powerpoint/2010/main" val="1686430148"/>
+      </p:ext>
+    </p:extLst>
+  </p:cSld>
+  <p:clrMapOvr>
+    <a:masterClrMapping/>
+  </p:clrMapOvr>
+</p:sld>
+</file>
+
+<file path=ppt/slides/slide9.xml><?xml version="1.0" encoding="utf-8"?>
+<p:sld xmlns:a="http://schemas.openxmlformats.org/drawingml/2006/main" xmlns:r="http://schemas.openxmlformats.org/officeDocument/2006/relationships" xmlns:p="http://schemas.openxmlformats.org/presentationml/2006/main">
+  <p:cSld>
+    <p:spTree>
+      <p:nvGrpSpPr>
+        <p:cNvPr id="1" name=""/>
+        <p:cNvGrpSpPr/>
+        <p:nvPr/>
+      </p:nvGrpSpPr>
+      <p:grpSpPr>
+        <a:xfrm>
+          <a:off x="0" y="0"/>
+          <a:ext cx="0" cy="0"/>
+          <a:chOff x="0" y="0"/>
+          <a:chExt cx="0" cy="0"/>
+        </a:xfrm>
+      </p:grpSpPr>
+      <p:sp>
+        <p:nvSpPr>
+          <p:cNvPr id="2" name="Title 1">
+            <a:extLst>
+              <a:ext uri="{FF2B5EF4-FFF2-40B4-BE49-F238E27FC236}">
+                <a16:creationId xmlns:a16="http://schemas.microsoft.com/office/drawing/2014/main" id="{C6CEDBB3-E8E7-4349-9DED-6AFE835A248F}"/>
+              </a:ext>
+            </a:extLst>
+          </p:cNvPr>
+          <p:cNvSpPr>
+            <a:spLocks noGrp="1"/>
+          </p:cNvSpPr>
+          <p:nvPr>
+            <p:ph type="title"/>
+          </p:nvPr>
+        </p:nvSpPr>
+        <p:spPr/>
+        <p:txBody>
+          <a:bodyPr/>
+          <a:lstStyle/>
+          <a:p>
+            <a:r>
+              <a:rPr lang="en-US">
+                <a:cs typeface="Calibri Light"/>
+              </a:rPr>
+              <a:t>Optimization &amp; Final product</a:t>
+            </a:r>
+            <a:endParaRPr lang="en-US"/>
+          </a:p>
+        </p:txBody>
+      </p:sp>
+      <p:sp>
+        <p:nvSpPr>
+          <p:cNvPr id="3" name="Content Placeholder 2">
+            <a:extLst>
+              <a:ext uri="{FF2B5EF4-FFF2-40B4-BE49-F238E27FC236}">
+                <a16:creationId xmlns:a16="http://schemas.microsoft.com/office/drawing/2014/main" id="{ADE3FBC1-3536-40FF-9974-512D7E4161BF}"/>
+              </a:ext>
+            </a:extLst>
+          </p:cNvPr>
+          <p:cNvSpPr>
+            <a:spLocks noGrp="1"/>
+          </p:cNvSpPr>
+          <p:nvPr>
+            <p:ph idx="1"/>
+          </p:nvPr>
+        </p:nvSpPr>
+        <p:spPr/>
+        <p:txBody>
+          <a:bodyPr/>
+          <a:lstStyle/>
+          <a:p>
+            <a:r>
+              <a:rPr lang="en-US">
+                <a:cs typeface="Calibri"/>
+              </a:rPr>
+              <a:t>What we achieved</a:t>
+            </a:r>
+          </a:p>
+          <a:p>
+            <a:r>
+              <a:rPr lang="en-US">
+                <a:cs typeface="Calibri"/>
+              </a:rPr>
+              <a:t>What we didn’t achieve</a:t>
+            </a:r>
+          </a:p>
+        </p:txBody>
+      </p:sp>
+    </p:spTree>
+    <p:extLst>
+      <p:ext uri="{BB962C8B-B14F-4D97-AF65-F5344CB8AC3E}">
+        <p14:creationId xmlns:p14="http://schemas.microsoft.com/office/powerpoint/2010/main" val="527414925"/>
+      </p:ext>
+    </p:extLst>
+  </p:cSld>
+  <p:clrMapOvr>
+    <a:masterClrMapping/>
   </p:clrMapOvr>
 </p:sld>
 </file>
@@ -12356,20 +13277,20 @@
 </file>
 
 <file path=customXml/item1.xml><?xml version="1.0" encoding="utf-8"?>
-<p:properties xmlns:p="http://schemas.microsoft.com/office/2006/metadata/properties" xmlns:xsi="http://www.w3.org/2001/XMLSchema-instance" xmlns:pc="http://schemas.microsoft.com/office/infopath/2007/PartnerControls">
-  <documentManagement>
-    <MediaServiceKeyPoints xmlns="71af3243-3dd4-4a8d-8c0d-dd76da1f02a5" xsi:nil="true"/>
-  </documentManagement>
-</p:properties>
-</file>
-
-<file path=customXml/item2.xml><?xml version="1.0" encoding="utf-8"?>
 <?mso-contentType ?>
 <FormTemplates xmlns="http://schemas.microsoft.com/sharepoint/v3/contenttype/forms">
   <Display>DocumentLibraryForm</Display>
   <Edit>DocumentLibraryForm</Edit>
   <New>DocumentLibraryForm</New>
 </FormTemplates>
+</file>
+
+<file path=customXml/item2.xml><?xml version="1.0" encoding="utf-8"?>
+<p:properties xmlns:p="http://schemas.microsoft.com/office/2006/metadata/properties" xmlns:xsi="http://www.w3.org/2001/XMLSchema-instance" xmlns:pc="http://schemas.microsoft.com/office/infopath/2007/PartnerControls">
+  <documentManagement>
+    <MediaServiceKeyPoints xmlns="71af3243-3dd4-4a8d-8c0d-dd76da1f02a5" xsi:nil="true"/>
+  </documentManagement>
+</p:properties>
 </file>
 
 <file path=customXml/item3.xml><?xml version="1.0" encoding="utf-8"?>
@@ -12584,19 +13505,19 @@
 </file>
 
 <file path=customXml/itemProps1.xml><?xml version="1.0" encoding="utf-8"?>
+<ds:datastoreItem xmlns:ds="http://schemas.openxmlformats.org/officeDocument/2006/customXml" ds:itemID="{FE57094B-4684-420B-AFE0-4E41CA2AF714}">
+  <ds:schemaRefs>
+    <ds:schemaRef ds:uri="http://schemas.microsoft.com/sharepoint/v3/contenttype/forms"/>
+  </ds:schemaRefs>
+</ds:datastoreItem>
+</file>
+
+<file path=customXml/itemProps2.xml><?xml version="1.0" encoding="utf-8"?>
 <ds:datastoreItem xmlns:ds="http://schemas.openxmlformats.org/officeDocument/2006/customXml" ds:itemID="{B26D5668-1971-40BB-BC7C-94C9B101AAB7}">
   <ds:schemaRefs>
     <ds:schemaRef ds:uri="http://schemas.microsoft.com/office/2006/metadata/properties"/>
     <ds:schemaRef ds:uri="http://schemas.microsoft.com/office/infopath/2007/PartnerControls"/>
     <ds:schemaRef ds:uri="71af3243-3dd4-4a8d-8c0d-dd76da1f02a5"/>
-  </ds:schemaRefs>
-</ds:datastoreItem>
-</file>
-
-<file path=customXml/itemProps2.xml><?xml version="1.0" encoding="utf-8"?>
-<ds:datastoreItem xmlns:ds="http://schemas.openxmlformats.org/officeDocument/2006/customXml" ds:itemID="{FE57094B-4684-420B-AFE0-4E41CA2AF714}">
-  <ds:schemaRefs>
-    <ds:schemaRef ds:uri="http://schemas.microsoft.com/sharepoint/v3/contenttype/forms"/>
   </ds:schemaRefs>
 </ds:datastoreItem>
 </file>
